--- a/ProjectPresentation.pptx
+++ b/ProjectPresentation.pptx
@@ -1,6 +1,6 @@
 
 <file path=ppt/presentation.xml><?xml version="1.0" encoding="utf-8"?>
-<p:presentation xmlns:a="http://schemas.openxmlformats.org/drawingml/2006/main" xmlns:r="http://schemas.openxmlformats.org/officeDocument/2006/relationships" xmlns:p="http://schemas.openxmlformats.org/presentationml/2006/main" autoCompressPictures="0">
+<p:presentation xmlns:a="http://schemas.openxmlformats.org/drawingml/2006/main" xmlns:r="http://schemas.openxmlformats.org/officeDocument/2006/relationships" xmlns:p="http://schemas.openxmlformats.org/presentationml/2006/main" saveSubsetFonts="1" autoCompressPictures="0">
   <p:sldMasterIdLst>
     <p:sldMasterId id="2147483648" r:id="rId1"/>
   </p:sldMasterIdLst>
@@ -268,7 +268,7 @@
           <a:p>
             <a:fld id="{48A87A34-81AB-432B-8DAE-1953F412C126}" type="datetimeFigureOut">
               <a:rPr lang="en-US" dirty="0"/>
-              <a:t>12/9/2018</a:t>
+              <a:t>12/10/18</a:t>
             </a:fld>
             <a:endParaRPr lang="en-US" dirty="0"/>
           </a:p>
@@ -320,7 +320,7 @@
           <a:p>
             <a:fld id="{6D22F896-40B5-4ADD-8801-0D06FADFA095}" type="slidenum">
               <a:rPr lang="en-US" dirty="0"/>
-              <a:t>‹N°›</a:t>
+              <a:t>‹#›</a:t>
             </a:fld>
             <a:endParaRPr lang="en-US" dirty="0"/>
           </a:p>
@@ -443,7 +443,7 @@
           <a:p>
             <a:fld id="{48A87A34-81AB-432B-8DAE-1953F412C126}" type="datetimeFigureOut">
               <a:rPr lang="en-US" dirty="0"/>
-              <a:t>12/9/2018</a:t>
+              <a:t>12/10/18</a:t>
             </a:fld>
             <a:endParaRPr lang="en-US" dirty="0"/>
           </a:p>
@@ -485,7 +485,7 @@
           <a:p>
             <a:fld id="{6D22F896-40B5-4ADD-8801-0D06FADFA095}" type="slidenum">
               <a:rPr lang="en-US" dirty="0"/>
-              <a:t>‹N°›</a:t>
+              <a:t>‹#›</a:t>
             </a:fld>
             <a:endParaRPr lang="en-US" dirty="0"/>
           </a:p>
@@ -622,7 +622,7 @@
           <a:p>
             <a:fld id="{48A87A34-81AB-432B-8DAE-1953F412C126}" type="datetimeFigureOut">
               <a:rPr lang="en-US" dirty="0"/>
-              <a:t>12/9/2018</a:t>
+              <a:t>12/10/18</a:t>
             </a:fld>
             <a:endParaRPr lang="en-US" dirty="0"/>
           </a:p>
@@ -664,7 +664,7 @@
           <a:p>
             <a:fld id="{6D22F896-40B5-4ADD-8801-0D06FADFA095}" type="slidenum">
               <a:rPr lang="en-US" dirty="0"/>
-              <a:t>‹N°›</a:t>
+              <a:t>‹#›</a:t>
             </a:fld>
             <a:endParaRPr lang="en-US" dirty="0"/>
           </a:p>
@@ -787,7 +787,7 @@
           <a:p>
             <a:fld id="{48A87A34-81AB-432B-8DAE-1953F412C126}" type="datetimeFigureOut">
               <a:rPr lang="en-US" dirty="0"/>
-              <a:t>12/9/2018</a:t>
+              <a:t>12/10/18</a:t>
             </a:fld>
             <a:endParaRPr lang="en-US" dirty="0"/>
           </a:p>
@@ -829,7 +829,7 @@
           <a:p>
             <a:fld id="{6D22F896-40B5-4ADD-8801-0D06FADFA095}" type="slidenum">
               <a:rPr lang="en-US" dirty="0"/>
-              <a:t>‹N°›</a:t>
+              <a:t>‹#›</a:t>
             </a:fld>
             <a:endParaRPr lang="en-US" dirty="0"/>
           </a:p>
@@ -1030,7 +1030,7 @@
           <a:p>
             <a:fld id="{48A87A34-81AB-432B-8DAE-1953F412C126}" type="datetimeFigureOut">
               <a:rPr lang="en-US" dirty="0"/>
-              <a:t>12/9/2018</a:t>
+              <a:t>12/10/18</a:t>
             </a:fld>
             <a:endParaRPr lang="en-US" dirty="0"/>
           </a:p>
@@ -1072,7 +1072,7 @@
           <a:p>
             <a:fld id="{6D22F896-40B5-4ADD-8801-0D06FADFA095}" type="slidenum">
               <a:rPr lang="en-US" dirty="0"/>
-              <a:t>‹N°›</a:t>
+              <a:t>‹#›</a:t>
             </a:fld>
             <a:endParaRPr lang="en-US" dirty="0"/>
           </a:p>
@@ -1262,7 +1262,7 @@
           <a:p>
             <a:fld id="{48A87A34-81AB-432B-8DAE-1953F412C126}" type="datetimeFigureOut">
               <a:rPr lang="en-US" dirty="0"/>
-              <a:t>12/9/2018</a:t>
+              <a:t>12/10/18</a:t>
             </a:fld>
             <a:endParaRPr lang="en-US" dirty="0"/>
           </a:p>
@@ -1304,7 +1304,7 @@
           <a:p>
             <a:fld id="{6D22F896-40B5-4ADD-8801-0D06FADFA095}" type="slidenum">
               <a:rPr lang="en-US" dirty="0"/>
-              <a:t>‹N°›</a:t>
+              <a:t>‹#›</a:t>
             </a:fld>
             <a:endParaRPr lang="en-US" dirty="0"/>
           </a:p>
@@ -1642,7 +1642,7 @@
           <a:p>
             <a:fld id="{48A87A34-81AB-432B-8DAE-1953F412C126}" type="datetimeFigureOut">
               <a:rPr lang="en-US" dirty="0"/>
-              <a:t>12/9/2018</a:t>
+              <a:t>12/10/18</a:t>
             </a:fld>
             <a:endParaRPr lang="en-US" dirty="0"/>
           </a:p>
@@ -1684,7 +1684,7 @@
           <a:p>
             <a:fld id="{6D22F896-40B5-4ADD-8801-0D06FADFA095}" type="slidenum">
               <a:rPr lang="en-US" dirty="0"/>
-              <a:t>‹N°›</a:t>
+              <a:t>‹#›</a:t>
             </a:fld>
             <a:endParaRPr lang="en-US" dirty="0"/>
           </a:p>
@@ -1755,7 +1755,7 @@
           <a:p>
             <a:fld id="{48A87A34-81AB-432B-8DAE-1953F412C126}" type="datetimeFigureOut">
               <a:rPr lang="en-US" dirty="0"/>
-              <a:t>12/9/2018</a:t>
+              <a:t>12/10/18</a:t>
             </a:fld>
             <a:endParaRPr lang="en-US" dirty="0"/>
           </a:p>
@@ -1797,7 +1797,7 @@
           <a:p>
             <a:fld id="{6D22F896-40B5-4ADD-8801-0D06FADFA095}" type="slidenum">
               <a:rPr lang="en-US" dirty="0"/>
-              <a:t>‹N°›</a:t>
+              <a:t>‹#›</a:t>
             </a:fld>
             <a:endParaRPr lang="en-US" dirty="0"/>
           </a:p>
@@ -1845,7 +1845,7 @@
           <a:p>
             <a:fld id="{48A87A34-81AB-432B-8DAE-1953F412C126}" type="datetimeFigureOut">
               <a:rPr lang="en-US" dirty="0"/>
-              <a:t>12/9/2018</a:t>
+              <a:t>12/10/18</a:t>
             </a:fld>
             <a:endParaRPr lang="en-US" dirty="0"/>
           </a:p>
@@ -1887,7 +1887,7 @@
           <a:p>
             <a:fld id="{6D22F896-40B5-4ADD-8801-0D06FADFA095}" type="slidenum">
               <a:rPr lang="en-US" dirty="0"/>
-              <a:t>‹N°›</a:t>
+              <a:t>‹#›</a:t>
             </a:fld>
             <a:endParaRPr lang="en-US" dirty="0"/>
           </a:p>
@@ -2091,7 +2091,7 @@
           <a:p>
             <a:fld id="{48A87A34-81AB-432B-8DAE-1953F412C126}" type="datetimeFigureOut">
               <a:rPr lang="en-US" dirty="0"/>
-              <a:t>12/9/2018</a:t>
+              <a:t>12/10/18</a:t>
             </a:fld>
             <a:endParaRPr lang="en-US" dirty="0"/>
           </a:p>
@@ -2133,7 +2133,7 @@
           <a:p>
             <a:fld id="{6D22F896-40B5-4ADD-8801-0D06FADFA095}" type="slidenum">
               <a:rPr lang="en-US" dirty="0"/>
-              <a:t>‹N°›</a:t>
+              <a:t>‹#›</a:t>
             </a:fld>
             <a:endParaRPr lang="en-US" dirty="0"/>
           </a:p>
@@ -2478,7 +2478,7 @@
             <a:fld id="{48A87A34-81AB-432B-8DAE-1953F412C126}" type="datetimeFigureOut">
               <a:rPr lang="en-US" dirty="0"/>
               <a:pPr/>
-              <a:t>12/9/2018</a:t>
+              <a:t>12/10/18</a:t>
             </a:fld>
             <a:endParaRPr lang="en-US" dirty="0"/>
           </a:p>
@@ -2525,7 +2525,7 @@
           <a:p>
             <a:fld id="{6D22F896-40B5-4ADD-8801-0D06FADFA095}" type="slidenum">
               <a:rPr lang="en-US" dirty="0"/>
-              <a:t>‹N°›</a:t>
+              <a:t>‹#›</a:t>
             </a:fld>
             <a:endParaRPr lang="en-US" dirty="0"/>
           </a:p>
@@ -2691,7 +2691,7 @@
             <a:fld id="{48A87A34-81AB-432B-8DAE-1953F412C126}" type="datetimeFigureOut">
               <a:rPr lang="en-US" dirty="0"/>
               <a:pPr/>
-              <a:t>12/9/2018</a:t>
+              <a:t>12/10/18</a:t>
             </a:fld>
             <a:endParaRPr lang="en-US" dirty="0"/>
           </a:p>
@@ -2768,7 +2768,7 @@
             <a:fld id="{6D22F896-40B5-4ADD-8801-0D06FADFA095}" type="slidenum">
               <a:rPr lang="en-US" dirty="0"/>
               <a:pPr/>
-              <a:t>‹N°›</a:t>
+              <a:t>‹#›</a:t>
             </a:fld>
             <a:endParaRPr lang="en-US" dirty="0"/>
           </a:p>
@@ -3258,7 +3258,7 @@
           <p:cNvPr id="2" name="Titre 1">
             <a:extLst>
               <a:ext uri="{FF2B5EF4-FFF2-40B4-BE49-F238E27FC236}">
-                <a16:creationId xmlns:a16="http://schemas.microsoft.com/office/drawing/2014/main" id="{E1EA892E-CA87-48A0-880A-6BF03F480A5C}"/>
+                <a16:creationId xmlns:a16="http://schemas.microsoft.com/office/drawing/2014/main" xmlns="" id="{E1EA892E-CA87-48A0-880A-6BF03F480A5C}"/>
               </a:ext>
             </a:extLst>
           </p:cNvPr>
@@ -3323,7 +3323,7 @@
           <p:cNvPr id="2" name="Titre 1">
             <a:extLst>
               <a:ext uri="{FF2B5EF4-FFF2-40B4-BE49-F238E27FC236}">
-                <a16:creationId xmlns:a16="http://schemas.microsoft.com/office/drawing/2014/main" id="{1C0C72F4-E730-47B6-BC5E-AA772DA3E889}"/>
+                <a16:creationId xmlns:a16="http://schemas.microsoft.com/office/drawing/2014/main" xmlns="" id="{1C0C72F4-E730-47B6-BC5E-AA772DA3E889}"/>
               </a:ext>
             </a:extLst>
           </p:cNvPr>
@@ -3391,7 +3391,7 @@
           <p:cNvPr id="2" name="Titre 1">
             <a:extLst>
               <a:ext uri="{FF2B5EF4-FFF2-40B4-BE49-F238E27FC236}">
-                <a16:creationId xmlns:a16="http://schemas.microsoft.com/office/drawing/2014/main" id="{45073069-CDD8-4CD4-A7E2-CD60AB04D31B}"/>
+                <a16:creationId xmlns:a16="http://schemas.microsoft.com/office/drawing/2014/main" xmlns="" id="{45073069-CDD8-4CD4-A7E2-CD60AB04D31B}"/>
               </a:ext>
             </a:extLst>
           </p:cNvPr>
@@ -3490,7 +3490,7 @@
           <p:cNvPr id="6" name="Espace réservé du contenu 3">
             <a:extLst>
               <a:ext uri="{FF2B5EF4-FFF2-40B4-BE49-F238E27FC236}">
-                <a16:creationId xmlns:a16="http://schemas.microsoft.com/office/drawing/2014/main" id="{E61D3334-FB79-406E-8FB8-92ECCEC5005F}"/>
+                <a16:creationId xmlns:a16="http://schemas.microsoft.com/office/drawing/2014/main" xmlns="" id="{E61D3334-FB79-406E-8FB8-92ECCEC5005F}"/>
               </a:ext>
             </a:extLst>
           </p:cNvPr>
@@ -4076,7 +4076,7 @@
           <p:cNvPr id="2" name="Titre 1">
             <a:extLst>
               <a:ext uri="{FF2B5EF4-FFF2-40B4-BE49-F238E27FC236}">
-                <a16:creationId xmlns:a16="http://schemas.microsoft.com/office/drawing/2014/main" id="{2F0A7FBA-6BC9-4764-B343-F09DE46076DF}"/>
+                <a16:creationId xmlns:a16="http://schemas.microsoft.com/office/drawing/2014/main" xmlns="" id="{2F0A7FBA-6BC9-4764-B343-F09DE46076DF}"/>
               </a:ext>
             </a:extLst>
           </p:cNvPr>
@@ -4109,7 +4109,7 @@
           <p:cNvPr id="7" name="Image 6">
             <a:extLst>
               <a:ext uri="{FF2B5EF4-FFF2-40B4-BE49-F238E27FC236}">
-                <a16:creationId xmlns:a16="http://schemas.microsoft.com/office/drawing/2014/main" id="{D052E5C9-BD99-4302-A151-9B2164203EA2}"/>
+                <a16:creationId xmlns:a16="http://schemas.microsoft.com/office/drawing/2014/main" xmlns="" id="{D052E5C9-BD99-4302-A151-9B2164203EA2}"/>
               </a:ext>
             </a:extLst>
           </p:cNvPr>
@@ -4169,7 +4169,7 @@
           <p:cNvPr id="2" name="Titre 1">
             <a:extLst>
               <a:ext uri="{FF2B5EF4-FFF2-40B4-BE49-F238E27FC236}">
-                <a16:creationId xmlns:a16="http://schemas.microsoft.com/office/drawing/2014/main" id="{A23F166E-359E-408A-AC0A-3842BB5691C9}"/>
+                <a16:creationId xmlns:a16="http://schemas.microsoft.com/office/drawing/2014/main" xmlns="" id="{A23F166E-359E-408A-AC0A-3842BB5691C9}"/>
               </a:ext>
             </a:extLst>
           </p:cNvPr>
@@ -4206,7 +4206,7 @@
           <p:cNvPr id="5" name="Espace réservé du contenu 3">
             <a:extLst>
               <a:ext uri="{FF2B5EF4-FFF2-40B4-BE49-F238E27FC236}">
-                <a16:creationId xmlns:a16="http://schemas.microsoft.com/office/drawing/2014/main" id="{E61D3334-FB79-406E-8FB8-92ECCEC5005F}"/>
+                <a16:creationId xmlns:a16="http://schemas.microsoft.com/office/drawing/2014/main" xmlns="" id="{E61D3334-FB79-406E-8FB8-92ECCEC5005F}"/>
               </a:ext>
             </a:extLst>
           </p:cNvPr>
@@ -4374,7 +4374,7 @@
           <p:cNvPr id="2" name="Titre 1">
             <a:extLst>
               <a:ext uri="{FF2B5EF4-FFF2-40B4-BE49-F238E27FC236}">
-                <a16:creationId xmlns:a16="http://schemas.microsoft.com/office/drawing/2014/main" id="{A23F166E-359E-408A-AC0A-3842BB5691C9}"/>
+                <a16:creationId xmlns:a16="http://schemas.microsoft.com/office/drawing/2014/main" xmlns="" id="{A23F166E-359E-408A-AC0A-3842BB5691C9}"/>
               </a:ext>
             </a:extLst>
           </p:cNvPr>
@@ -4402,7 +4402,7 @@
           <p:cNvPr id="5" name="Espace réservé du contenu 3">
             <a:extLst>
               <a:ext uri="{FF2B5EF4-FFF2-40B4-BE49-F238E27FC236}">
-                <a16:creationId xmlns:a16="http://schemas.microsoft.com/office/drawing/2014/main" id="{E61D3334-FB79-406E-8FB8-92ECCEC5005F}"/>
+                <a16:creationId xmlns:a16="http://schemas.microsoft.com/office/drawing/2014/main" xmlns="" id="{E61D3334-FB79-406E-8FB8-92ECCEC5005F}"/>
               </a:ext>
             </a:extLst>
           </p:cNvPr>
@@ -4618,7 +4618,7 @@
           <p:cNvPr id="2" name="Titre 1">
             <a:extLst>
               <a:ext uri="{FF2B5EF4-FFF2-40B4-BE49-F238E27FC236}">
-                <a16:creationId xmlns:a16="http://schemas.microsoft.com/office/drawing/2014/main" id="{E6C7171C-1D68-40E5-8D7B-A8DBE4643C08}"/>
+                <a16:creationId xmlns:a16="http://schemas.microsoft.com/office/drawing/2014/main" xmlns="" id="{E6C7171C-1D68-40E5-8D7B-A8DBE4643C08}"/>
               </a:ext>
             </a:extLst>
           </p:cNvPr>
@@ -4659,7 +4659,7 @@
           <p:cNvPr id="3" name="Espace réservé du contenu 3">
             <a:extLst>
               <a:ext uri="{FF2B5EF4-FFF2-40B4-BE49-F238E27FC236}">
-                <a16:creationId xmlns:a16="http://schemas.microsoft.com/office/drawing/2014/main" id="{E61D3334-FB79-406E-8FB8-92ECCEC5005F}"/>
+                <a16:creationId xmlns:a16="http://schemas.microsoft.com/office/drawing/2014/main" xmlns="" id="{E61D3334-FB79-406E-8FB8-92ECCEC5005F}"/>
               </a:ext>
             </a:extLst>
           </p:cNvPr>
@@ -4684,124 +4684,323 @@
               <a:buNone/>
             </a:pPr>
             <a:r>
-              <a:rPr lang="fr-FR" dirty="0" err="1"/>
+              <a:rPr lang="fr-FR" dirty="0" err="1">
+                <a:solidFill>
+                  <a:schemeClr val="bg1"/>
+                </a:solidFill>
+              </a:rPr>
               <a:t>Backend</a:t>
             </a:r>
             <a:r>
-              <a:rPr lang="fr-FR" dirty="0"/>
+              <a:rPr lang="fr-FR" dirty="0">
+                <a:solidFill>
+                  <a:schemeClr val="bg1"/>
+                </a:solidFill>
+              </a:rPr>
               <a:t>:</a:t>
             </a:r>
           </a:p>
           <a:p>
             <a:r>
-              <a:rPr lang="fr-FR" dirty="0" err="1"/>
+              <a:rPr lang="fr-FR" dirty="0" err="1">
+                <a:solidFill>
+                  <a:schemeClr val="bg1"/>
+                </a:solidFill>
+              </a:rPr>
               <a:t>Implementing</a:t>
             </a:r>
             <a:r>
-              <a:rPr lang="fr-FR" dirty="0"/>
+              <a:rPr lang="fr-FR" dirty="0">
+                <a:solidFill>
+                  <a:schemeClr val="bg1"/>
+                </a:solidFill>
+              </a:rPr>
               <a:t> </a:t>
             </a:r>
             <a:r>
-              <a:rPr lang="fr-FR" dirty="0" err="1"/>
+              <a:rPr lang="fr-FR" dirty="0" err="1">
+                <a:solidFill>
+                  <a:schemeClr val="bg1"/>
+                </a:solidFill>
+              </a:rPr>
               <a:t>Kakao</a:t>
             </a:r>
             <a:r>
-              <a:rPr lang="fr-FR" dirty="0"/>
+              <a:rPr lang="fr-FR" dirty="0">
+                <a:solidFill>
+                  <a:schemeClr val="bg1"/>
+                </a:solidFill>
+              </a:rPr>
               <a:t> </a:t>
             </a:r>
             <a:r>
-              <a:rPr lang="fr-FR" dirty="0" err="1"/>
+              <a:rPr lang="fr-FR" dirty="0" err="1">
+                <a:solidFill>
+                  <a:schemeClr val="bg1"/>
+                </a:solidFill>
+              </a:rPr>
               <a:t>authentication</a:t>
             </a:r>
-            <a:endParaRPr lang="fr-FR" dirty="0"/>
-          </a:p>
-          <a:p>
-            <a:r>
-              <a:rPr lang="fr-FR" dirty="0" err="1"/>
+            <a:endParaRPr lang="fr-FR" dirty="0">
+              <a:solidFill>
+                <a:schemeClr val="bg1"/>
+              </a:solidFill>
+            </a:endParaRPr>
+          </a:p>
+          <a:p>
+            <a:r>
+              <a:rPr lang="fr-FR" dirty="0" err="1">
+                <a:solidFill>
+                  <a:schemeClr val="bg1"/>
+                </a:solidFill>
+              </a:rPr>
               <a:t>Implementing</a:t>
             </a:r>
             <a:r>
-              <a:rPr lang="fr-FR" dirty="0"/>
+              <a:rPr lang="fr-FR" dirty="0">
+                <a:solidFill>
+                  <a:schemeClr val="bg1"/>
+                </a:solidFill>
+              </a:rPr>
               <a:t> location </a:t>
             </a:r>
             <a:r>
-              <a:rPr lang="fr-FR" dirty="0" err="1"/>
+              <a:rPr lang="fr-FR" dirty="0" err="1">
+                <a:solidFill>
+                  <a:schemeClr val="bg1"/>
+                </a:solidFill>
+              </a:rPr>
               <a:t>based</a:t>
             </a:r>
             <a:r>
-              <a:rPr lang="fr-FR" dirty="0"/>
+              <a:rPr lang="fr-FR" dirty="0">
+                <a:solidFill>
+                  <a:schemeClr val="bg1"/>
+                </a:solidFill>
+              </a:rPr>
               <a:t> </a:t>
             </a:r>
             <a:r>
-              <a:rPr lang="fr-FR" dirty="0" err="1"/>
+              <a:rPr lang="fr-FR" dirty="0" err="1">
+                <a:solidFill>
+                  <a:schemeClr val="bg1"/>
+                </a:solidFill>
+              </a:rPr>
               <a:t>search</a:t>
             </a:r>
-            <a:endParaRPr lang="fr-FR" dirty="0"/>
-          </a:p>
-          <a:p>
-            <a:r>
-              <a:rPr lang="fr-FR" dirty="0" err="1"/>
+            <a:endParaRPr lang="fr-FR" dirty="0">
+              <a:solidFill>
+                <a:schemeClr val="bg1"/>
+              </a:solidFill>
+            </a:endParaRPr>
+          </a:p>
+          <a:p>
+            <a:r>
+              <a:rPr lang="fr-FR" dirty="0" err="1">
+                <a:solidFill>
+                  <a:schemeClr val="bg1"/>
+                </a:solidFill>
+              </a:rPr>
               <a:t>Implementing</a:t>
             </a:r>
             <a:r>
-              <a:rPr lang="fr-FR" dirty="0"/>
+              <a:rPr lang="fr-FR" dirty="0">
+                <a:solidFill>
+                  <a:schemeClr val="bg1"/>
+                </a:solidFill>
+              </a:rPr>
               <a:t> </a:t>
             </a:r>
             <a:r>
-              <a:rPr lang="fr-FR" dirty="0" err="1"/>
+              <a:rPr lang="fr-FR" dirty="0" err="1">
+                <a:solidFill>
+                  <a:schemeClr val="bg1"/>
+                </a:solidFill>
+              </a:rPr>
               <a:t>matching</a:t>
             </a:r>
             <a:r>
-              <a:rPr lang="fr-FR" dirty="0"/>
+              <a:rPr lang="fr-FR" dirty="0">
+                <a:solidFill>
+                  <a:schemeClr val="bg1"/>
+                </a:solidFill>
+              </a:rPr>
               <a:t> </a:t>
             </a:r>
             <a:r>
-              <a:rPr lang="fr-FR" dirty="0" err="1"/>
+              <a:rPr lang="fr-FR" dirty="0" err="1">
+                <a:solidFill>
+                  <a:schemeClr val="bg1"/>
+                </a:solidFill>
+              </a:rPr>
               <a:t>algorithm</a:t>
             </a:r>
-            <a:endParaRPr lang="fr-FR" dirty="0"/>
-          </a:p>
-          <a:p>
-            <a:r>
-              <a:rPr lang="fr-FR" dirty="0" err="1"/>
+            <a:endParaRPr lang="fr-FR" dirty="0">
+              <a:solidFill>
+                <a:schemeClr val="bg1"/>
+              </a:solidFill>
+            </a:endParaRPr>
+          </a:p>
+          <a:p>
+            <a:r>
+              <a:rPr lang="fr-FR" dirty="0" err="1">
+                <a:solidFill>
+                  <a:schemeClr val="bg1"/>
+                </a:solidFill>
+              </a:rPr>
               <a:t>Sending</a:t>
             </a:r>
             <a:r>
-              <a:rPr lang="fr-FR" dirty="0"/>
+              <a:rPr lang="fr-FR" dirty="0">
+                <a:solidFill>
+                  <a:schemeClr val="bg1"/>
+                </a:solidFill>
+              </a:rPr>
               <a:t> data and </a:t>
             </a:r>
             <a:r>
-              <a:rPr lang="fr-FR" i="1" dirty="0" err="1"/>
+              <a:rPr lang="fr-FR" i="1" dirty="0" err="1">
+                <a:solidFill>
+                  <a:schemeClr val="bg1"/>
+                </a:solidFill>
+              </a:rPr>
               <a:t>testing</a:t>
             </a:r>
             <a:r>
-              <a:rPr lang="fr-FR" dirty="0"/>
+              <a:rPr lang="fr-FR" dirty="0">
+                <a:solidFill>
+                  <a:schemeClr val="bg1"/>
+                </a:solidFill>
+              </a:rPr>
               <a:t> via </a:t>
             </a:r>
             <a:r>
-              <a:rPr lang="fr-FR" dirty="0" err="1"/>
+              <a:rPr lang="fr-FR" dirty="0" err="1">
+                <a:solidFill>
+                  <a:schemeClr val="bg1"/>
+                </a:solidFill>
+              </a:rPr>
               <a:t>json</a:t>
             </a:r>
             <a:r>
-              <a:rPr lang="fr-FR" dirty="0"/>
-              <a:t> format</a:t>
-            </a:r>
-          </a:p>
-          <a:p>
-            <a:r>
-              <a:rPr lang="fr-FR" dirty="0" err="1"/>
+              <a:rPr lang="fr-FR" dirty="0">
+                <a:solidFill>
+                  <a:schemeClr val="bg1"/>
+                </a:solidFill>
+              </a:rPr>
+              <a:t> </a:t>
+            </a:r>
+            <a:r>
+              <a:rPr lang="fr-FR" dirty="0" smtClean="0">
+                <a:solidFill>
+                  <a:schemeClr val="bg1"/>
+                </a:solidFill>
+              </a:rPr>
+              <a:t>format</a:t>
+            </a:r>
+          </a:p>
+          <a:p>
+            <a:r>
+              <a:rPr lang="fr-FR" dirty="0" err="1" smtClean="0">
+                <a:solidFill>
+                  <a:schemeClr val="bg1"/>
+                </a:solidFill>
+              </a:rPr>
+              <a:t>Connecting</a:t>
+            </a:r>
+            <a:r>
+              <a:rPr lang="fr-FR" dirty="0" smtClean="0">
+                <a:solidFill>
+                  <a:schemeClr val="bg1"/>
+                </a:solidFill>
+              </a:rPr>
+              <a:t> </a:t>
+            </a:r>
+            <a:r>
+              <a:rPr lang="fr-FR" dirty="0" err="1" smtClean="0">
+                <a:solidFill>
+                  <a:schemeClr val="bg1"/>
+                </a:solidFill>
+              </a:rPr>
+              <a:t>with</a:t>
+            </a:r>
+            <a:r>
+              <a:rPr lang="fr-FR" dirty="0" smtClean="0">
+                <a:solidFill>
+                  <a:schemeClr val="bg1"/>
+                </a:solidFill>
+              </a:rPr>
+              <a:t> </a:t>
+            </a:r>
+            <a:r>
+              <a:rPr lang="fr-FR" dirty="0" err="1" smtClean="0">
+                <a:solidFill>
+                  <a:schemeClr val="bg1"/>
+                </a:solidFill>
+              </a:rPr>
+              <a:t>frontend</a:t>
+            </a:r>
+            <a:r>
+              <a:rPr lang="fr-FR" dirty="0" smtClean="0">
+                <a:solidFill>
+                  <a:schemeClr val="bg1"/>
+                </a:solidFill>
+              </a:rPr>
+              <a:t> (i.e. user </a:t>
+            </a:r>
+            <a:r>
+              <a:rPr lang="fr-FR" dirty="0" err="1" smtClean="0">
+                <a:solidFill>
+                  <a:schemeClr val="bg1"/>
+                </a:solidFill>
+              </a:rPr>
+              <a:t>sign</a:t>
+            </a:r>
+            <a:r>
+              <a:rPr lang="fr-FR" dirty="0" smtClean="0">
+                <a:solidFill>
+                  <a:schemeClr val="bg1"/>
+                </a:solidFill>
+              </a:rPr>
+              <a:t> in)</a:t>
+            </a:r>
+            <a:endParaRPr lang="fr-FR" dirty="0">
+              <a:solidFill>
+                <a:schemeClr val="bg1"/>
+              </a:solidFill>
+            </a:endParaRPr>
+          </a:p>
+          <a:p>
+            <a:r>
+              <a:rPr lang="fr-FR" dirty="0" err="1">
+                <a:solidFill>
+                  <a:schemeClr val="bg1"/>
+                </a:solidFill>
+              </a:rPr>
               <a:t>Deploying</a:t>
             </a:r>
             <a:r>
-              <a:rPr lang="fr-FR" dirty="0"/>
+              <a:rPr lang="fr-FR" dirty="0">
+                <a:solidFill>
+                  <a:schemeClr val="bg1"/>
+                </a:solidFill>
+              </a:rPr>
               <a:t> (</a:t>
             </a:r>
             <a:r>
-              <a:rPr lang="fr-FR" dirty="0" err="1"/>
+              <a:rPr lang="fr-FR" dirty="0" err="1">
+                <a:solidFill>
+                  <a:schemeClr val="bg1"/>
+                </a:solidFill>
+              </a:rPr>
               <a:t>Heroku</a:t>
             </a:r>
             <a:r>
-              <a:rPr lang="fr-FR" dirty="0"/>
+              <a:rPr lang="fr-FR" dirty="0">
+                <a:solidFill>
+                  <a:schemeClr val="bg1"/>
+                </a:solidFill>
+              </a:rPr>
               <a:t> &amp; EC2!)</a:t>
             </a:r>
           </a:p>
@@ -4842,7 +5041,7 @@
           <p:cNvPr id="2" name="Titre 1">
             <a:extLst>
               <a:ext uri="{FF2B5EF4-FFF2-40B4-BE49-F238E27FC236}">
-                <a16:creationId xmlns:a16="http://schemas.microsoft.com/office/drawing/2014/main" id="{DE0F84A4-CF6E-496F-9BEC-A03269EB9D06}"/>
+                <a16:creationId xmlns:a16="http://schemas.microsoft.com/office/drawing/2014/main" xmlns="" id="{DE0F84A4-CF6E-496F-9BEC-A03269EB9D06}"/>
               </a:ext>
             </a:extLst>
           </p:cNvPr>
@@ -4879,7 +5078,7 @@
           <p:cNvPr id="4" name="Titre 1">
             <a:extLst>
               <a:ext uri="{FF2B5EF4-FFF2-40B4-BE49-F238E27FC236}">
-                <a16:creationId xmlns:a16="http://schemas.microsoft.com/office/drawing/2014/main" id="{9C56CC40-7FA5-4F8F-8663-143689B5A4B8}"/>
+                <a16:creationId xmlns:a16="http://schemas.microsoft.com/office/drawing/2014/main" xmlns="" id="{9C56CC40-7FA5-4F8F-8663-143689B5A4B8}"/>
               </a:ext>
             </a:extLst>
           </p:cNvPr>
@@ -4942,7 +5141,7 @@
           <p:cNvPr id="5" name="Titre 1">
             <a:extLst>
               <a:ext uri="{FF2B5EF4-FFF2-40B4-BE49-F238E27FC236}">
-                <a16:creationId xmlns:a16="http://schemas.microsoft.com/office/drawing/2014/main" id="{FFF6277F-B446-4EEF-AAF2-7715834C4855}"/>
+                <a16:creationId xmlns:a16="http://schemas.microsoft.com/office/drawing/2014/main" xmlns="" id="{FFF6277F-B446-4EEF-AAF2-7715834C4855}"/>
               </a:ext>
             </a:extLst>
           </p:cNvPr>
@@ -5009,7 +5208,7 @@
           <p:cNvPr id="6" name="Titre 1">
             <a:extLst>
               <a:ext uri="{FF2B5EF4-FFF2-40B4-BE49-F238E27FC236}">
-                <a16:creationId xmlns:a16="http://schemas.microsoft.com/office/drawing/2014/main" id="{37A5DB1D-604B-47EA-BFFF-9B53C5A02C23}"/>
+                <a16:creationId xmlns:a16="http://schemas.microsoft.com/office/drawing/2014/main" xmlns="" id="{37A5DB1D-604B-47EA-BFFF-9B53C5A02C23}"/>
               </a:ext>
             </a:extLst>
           </p:cNvPr>
@@ -5106,7 +5305,7 @@
           <p:cNvPr id="2" name="Titre 1">
             <a:extLst>
               <a:ext uri="{FF2B5EF4-FFF2-40B4-BE49-F238E27FC236}">
-                <a16:creationId xmlns:a16="http://schemas.microsoft.com/office/drawing/2014/main" id="{167ADDED-CEF9-4608-93E0-AE3452A34C9F}"/>
+                <a16:creationId xmlns:a16="http://schemas.microsoft.com/office/drawing/2014/main" xmlns="" id="{167ADDED-CEF9-4608-93E0-AE3452A34C9F}"/>
               </a:ext>
             </a:extLst>
           </p:cNvPr>
@@ -5161,7 +5360,7 @@
           <p:cNvPr id="7" name="ZoneTexte 6">
             <a:extLst>
               <a:ext uri="{FF2B5EF4-FFF2-40B4-BE49-F238E27FC236}">
-                <a16:creationId xmlns:a16="http://schemas.microsoft.com/office/drawing/2014/main" id="{D3C23A56-1646-4CA8-B44B-763EB36CE9D9}"/>
+                <a16:creationId xmlns:a16="http://schemas.microsoft.com/office/drawing/2014/main" xmlns="" id="{D3C23A56-1646-4CA8-B44B-763EB36CE9D9}"/>
               </a:ext>
             </a:extLst>
           </p:cNvPr>
@@ -5226,7 +5425,7 @@
           <p:cNvPr id="4" name="ZoneTexte 3">
             <a:extLst>
               <a:ext uri="{FF2B5EF4-FFF2-40B4-BE49-F238E27FC236}">
-                <a16:creationId xmlns:a16="http://schemas.microsoft.com/office/drawing/2014/main" id="{8AF4420D-1D20-4238-81A7-6021F4F9CB55}"/>
+                <a16:creationId xmlns:a16="http://schemas.microsoft.com/office/drawing/2014/main" xmlns="" id="{8AF4420D-1D20-4238-81A7-6021F4F9CB55}"/>
               </a:ext>
             </a:extLst>
           </p:cNvPr>
@@ -5495,10 +5694,10 @@
           <p:cNvPr id="10" name="Rectangle 9">
             <a:extLst>
               <a:ext uri="{FF2B5EF4-FFF2-40B4-BE49-F238E27FC236}">
-                <a16:creationId xmlns:a16="http://schemas.microsoft.com/office/drawing/2014/main" id="{C72108A5-CE2C-4966-B863-66581E6E4801}"/>
+                <a16:creationId xmlns:a16="http://schemas.microsoft.com/office/drawing/2014/main" xmlns="" id="{C72108A5-CE2C-4966-B863-66581E6E4801}"/>
               </a:ext>
               <a:ext uri="{C183D7F6-B498-43B3-948B-1728B52AA6E4}">
-                <adec:decorative xmlns:adec="http://schemas.microsoft.com/office/drawing/2017/decorative" val="1"/>
+                <adec:decorative xmlns:adec="http://schemas.microsoft.com/office/drawing/2017/decorative" xmlns="" val="1"/>
               </a:ext>
             </a:extLst>
           </p:cNvPr>
@@ -5563,10 +5762,10 @@
           <p:cNvPr id="12" name="Picture 11">
             <a:extLst>
               <a:ext uri="{FF2B5EF4-FFF2-40B4-BE49-F238E27FC236}">
-                <a16:creationId xmlns:a16="http://schemas.microsoft.com/office/drawing/2014/main" id="{34DF22E0-9870-4CBF-AA3A-D710A9D8D999}"/>
+                <a16:creationId xmlns:a16="http://schemas.microsoft.com/office/drawing/2014/main" xmlns="" id="{34DF22E0-9870-4CBF-AA3A-D710A9D8D999}"/>
               </a:ext>
               <a:ext uri="{C183D7F6-B498-43B3-948B-1728B52AA6E4}">
-                <adec:decorative xmlns:adec="http://schemas.microsoft.com/office/drawing/2017/decorative" val="1"/>
+                <adec:decorative xmlns:adec="http://schemas.microsoft.com/office/drawing/2017/decorative" xmlns="" val="1"/>
               </a:ext>
             </a:extLst>
           </p:cNvPr>
@@ -5607,10 +5806,10 @@
           <p:cNvPr id="14" name="Straight Connector 13">
             <a:extLst>
               <a:ext uri="{FF2B5EF4-FFF2-40B4-BE49-F238E27FC236}">
-                <a16:creationId xmlns:a16="http://schemas.microsoft.com/office/drawing/2014/main" id="{4348DA73-B56C-4BAB-9988-C048297EF40C}"/>
+                <a16:creationId xmlns:a16="http://schemas.microsoft.com/office/drawing/2014/main" xmlns="" id="{4348DA73-B56C-4BAB-9988-C048297EF40C}"/>
               </a:ext>
               <a:ext uri="{C183D7F6-B498-43B3-948B-1728B52AA6E4}">
-                <adec:decorative xmlns:adec="http://schemas.microsoft.com/office/drawing/2017/decorative" val="1"/>
+                <adec:decorative xmlns:adec="http://schemas.microsoft.com/office/drawing/2017/decorative" xmlns="" val="1"/>
               </a:ext>
             </a:extLst>
           </p:cNvPr>
@@ -5661,7 +5860,7 @@
           <p:cNvPr id="2" name="Titre 1">
             <a:extLst>
               <a:ext uri="{FF2B5EF4-FFF2-40B4-BE49-F238E27FC236}">
-                <a16:creationId xmlns:a16="http://schemas.microsoft.com/office/drawing/2014/main" id="{73C48105-3D35-4BB8-A29D-4E289F0C041F}"/>
+                <a16:creationId xmlns:a16="http://schemas.microsoft.com/office/drawing/2014/main" xmlns="" id="{73C48105-3D35-4BB8-A29D-4E289F0C041F}"/>
               </a:ext>
             </a:extLst>
           </p:cNvPr>
@@ -5697,7 +5896,7 @@
           <p:cNvPr id="4" name="Espace réservé du contenu 3">
             <a:extLst>
               <a:ext uri="{FF2B5EF4-FFF2-40B4-BE49-F238E27FC236}">
-                <a16:creationId xmlns:a16="http://schemas.microsoft.com/office/drawing/2014/main" id="{E61D3334-FB79-406E-8FB8-92ECCEC5005F}"/>
+                <a16:creationId xmlns:a16="http://schemas.microsoft.com/office/drawing/2014/main" xmlns="" id="{E61D3334-FB79-406E-8FB8-92ECCEC5005F}"/>
               </a:ext>
             </a:extLst>
           </p:cNvPr>
@@ -5832,7 +6031,7 @@
           <p:cNvPr id="6" name="Titre 1">
             <a:extLst>
               <a:ext uri="{FF2B5EF4-FFF2-40B4-BE49-F238E27FC236}">
-                <a16:creationId xmlns:a16="http://schemas.microsoft.com/office/drawing/2014/main" id="{B750343D-A862-4145-8823-FFB0838829C1}"/>
+                <a16:creationId xmlns:a16="http://schemas.microsoft.com/office/drawing/2014/main" xmlns="" id="{B750343D-A862-4145-8823-FFB0838829C1}"/>
               </a:ext>
             </a:extLst>
           </p:cNvPr>
@@ -5868,7 +6067,7 @@
           <p:cNvPr id="8" name="Espace réservé du contenu 3">
             <a:extLst>
               <a:ext uri="{FF2B5EF4-FFF2-40B4-BE49-F238E27FC236}">
-                <a16:creationId xmlns:a16="http://schemas.microsoft.com/office/drawing/2014/main" id="{2B966E36-E7CE-4AA8-8AE5-F1E2CD0F3F7F}"/>
+                <a16:creationId xmlns:a16="http://schemas.microsoft.com/office/drawing/2014/main" xmlns="" id="{2B966E36-E7CE-4AA8-8AE5-F1E2CD0F3F7F}"/>
               </a:ext>
             </a:extLst>
           </p:cNvPr>
@@ -6028,7 +6227,7 @@
           <p:cNvPr id="6" name="Titre 1">
             <a:extLst>
               <a:ext uri="{FF2B5EF4-FFF2-40B4-BE49-F238E27FC236}">
-                <a16:creationId xmlns:a16="http://schemas.microsoft.com/office/drawing/2014/main" id="{B750343D-A862-4145-8823-FFB0838829C1}"/>
+                <a16:creationId xmlns:a16="http://schemas.microsoft.com/office/drawing/2014/main" xmlns="" id="{B750343D-A862-4145-8823-FFB0838829C1}"/>
               </a:ext>
             </a:extLst>
           </p:cNvPr>
@@ -6064,7 +6263,7 @@
           <p:cNvPr id="3" name="Image 2">
             <a:extLst>
               <a:ext uri="{FF2B5EF4-FFF2-40B4-BE49-F238E27FC236}">
-                <a16:creationId xmlns:a16="http://schemas.microsoft.com/office/drawing/2014/main" id="{CF72AB6B-DC94-4AA3-A062-381416EBB383}"/>
+                <a16:creationId xmlns:a16="http://schemas.microsoft.com/office/drawing/2014/main" xmlns="" id="{CF72AB6B-DC94-4AA3-A062-381416EBB383}"/>
               </a:ext>
             </a:extLst>
           </p:cNvPr>
@@ -6124,7 +6323,7 @@
           <p:cNvPr id="12" name="Tableau 11">
             <a:extLst>
               <a:ext uri="{FF2B5EF4-FFF2-40B4-BE49-F238E27FC236}">
-                <a16:creationId xmlns:a16="http://schemas.microsoft.com/office/drawing/2014/main" id="{129FD17F-C53A-47D8-9A62-8C0AFAF68DF5}"/>
+                <a16:creationId xmlns:a16="http://schemas.microsoft.com/office/drawing/2014/main" xmlns="" id="{129FD17F-C53A-47D8-9A62-8C0AFAF68DF5}"/>
               </a:ext>
             </a:extLst>
           </p:cNvPr>
@@ -6153,14 +6352,14 @@
                 <a:gridCol w="4238559">
                   <a:extLst>
                     <a:ext uri="{9D8B030D-6E8A-4147-A177-3AD203B41FA5}">
-                      <a16:colId xmlns:a16="http://schemas.microsoft.com/office/drawing/2014/main" val="4148341069"/>
+                      <a16:colId xmlns:a16="http://schemas.microsoft.com/office/drawing/2014/main" xmlns="" val="4148341069"/>
                     </a:ext>
                   </a:extLst>
                 </a:gridCol>
                 <a:gridCol w="3495387">
                   <a:extLst>
                     <a:ext uri="{9D8B030D-6E8A-4147-A177-3AD203B41FA5}">
-                      <a16:colId xmlns:a16="http://schemas.microsoft.com/office/drawing/2014/main" val="4075147121"/>
+                      <a16:colId xmlns:a16="http://schemas.microsoft.com/office/drawing/2014/main" xmlns="" val="4075147121"/>
                     </a:ext>
                   </a:extLst>
                 </a:gridCol>
@@ -6239,7 +6438,7 @@
                 </a:tc>
                 <a:extLst>
                   <a:ext uri="{0D108BD9-81ED-4DB2-BD59-A6C34878D82A}">
-                    <a16:rowId xmlns:a16="http://schemas.microsoft.com/office/drawing/2014/main" val="1201436561"/>
+                    <a16:rowId xmlns:a16="http://schemas.microsoft.com/office/drawing/2014/main" xmlns="" val="1201436561"/>
                   </a:ext>
                 </a:extLst>
               </a:tr>
@@ -6281,7 +6480,7 @@
                 </a:tc>
                 <a:extLst>
                   <a:ext uri="{0D108BD9-81ED-4DB2-BD59-A6C34878D82A}">
-                    <a16:rowId xmlns:a16="http://schemas.microsoft.com/office/drawing/2014/main" val="3707640650"/>
+                    <a16:rowId xmlns:a16="http://schemas.microsoft.com/office/drawing/2014/main" xmlns="" val="3707640650"/>
                   </a:ext>
                 </a:extLst>
               </a:tr>
@@ -6341,7 +6540,7 @@
                 </a:tc>
                 <a:extLst>
                   <a:ext uri="{0D108BD9-81ED-4DB2-BD59-A6C34878D82A}">
-                    <a16:rowId xmlns:a16="http://schemas.microsoft.com/office/drawing/2014/main" val="3426260779"/>
+                    <a16:rowId xmlns:a16="http://schemas.microsoft.com/office/drawing/2014/main" xmlns="" val="3426260779"/>
                   </a:ext>
                 </a:extLst>
               </a:tr>
@@ -6386,7 +6585,7 @@
                 </a:tc>
                 <a:extLst>
                   <a:ext uri="{0D108BD9-81ED-4DB2-BD59-A6C34878D82A}">
-                    <a16:rowId xmlns:a16="http://schemas.microsoft.com/office/drawing/2014/main" val="11151562"/>
+                    <a16:rowId xmlns:a16="http://schemas.microsoft.com/office/drawing/2014/main" xmlns="" val="11151562"/>
                   </a:ext>
                 </a:extLst>
               </a:tr>
@@ -6437,7 +6636,7 @@
                 </a:tc>
                 <a:extLst>
                   <a:ext uri="{0D108BD9-81ED-4DB2-BD59-A6C34878D82A}">
-                    <a16:rowId xmlns:a16="http://schemas.microsoft.com/office/drawing/2014/main" val="3923493550"/>
+                    <a16:rowId xmlns:a16="http://schemas.microsoft.com/office/drawing/2014/main" xmlns="" val="3923493550"/>
                   </a:ext>
                 </a:extLst>
               </a:tr>
@@ -6488,7 +6687,7 @@
                 </a:tc>
                 <a:extLst>
                   <a:ext uri="{0D108BD9-81ED-4DB2-BD59-A6C34878D82A}">
-                    <a16:rowId xmlns:a16="http://schemas.microsoft.com/office/drawing/2014/main" val="1341049973"/>
+                    <a16:rowId xmlns:a16="http://schemas.microsoft.com/office/drawing/2014/main" xmlns="" val="1341049973"/>
                   </a:ext>
                 </a:extLst>
               </a:tr>
@@ -6539,7 +6738,7 @@
                 </a:tc>
                 <a:extLst>
                   <a:ext uri="{0D108BD9-81ED-4DB2-BD59-A6C34878D82A}">
-                    <a16:rowId xmlns:a16="http://schemas.microsoft.com/office/drawing/2014/main" val="2809940916"/>
+                    <a16:rowId xmlns:a16="http://schemas.microsoft.com/office/drawing/2014/main" xmlns="" val="2809940916"/>
                   </a:ext>
                 </a:extLst>
               </a:tr>
@@ -6590,7 +6789,7 @@
                 </a:tc>
                 <a:extLst>
                   <a:ext uri="{0D108BD9-81ED-4DB2-BD59-A6C34878D82A}">
-                    <a16:rowId xmlns:a16="http://schemas.microsoft.com/office/drawing/2014/main" val="3817102741"/>
+                    <a16:rowId xmlns:a16="http://schemas.microsoft.com/office/drawing/2014/main" xmlns="" val="3817102741"/>
                   </a:ext>
                 </a:extLst>
               </a:tr>
@@ -6635,7 +6834,7 @@
                 </a:tc>
                 <a:extLst>
                   <a:ext uri="{0D108BD9-81ED-4DB2-BD59-A6C34878D82A}">
-                    <a16:rowId xmlns:a16="http://schemas.microsoft.com/office/drawing/2014/main" val="2700198959"/>
+                    <a16:rowId xmlns:a16="http://schemas.microsoft.com/office/drawing/2014/main" xmlns="" val="2700198959"/>
                   </a:ext>
                 </a:extLst>
               </a:tr>
@@ -6686,7 +6885,7 @@
                 </a:tc>
                 <a:extLst>
                   <a:ext uri="{0D108BD9-81ED-4DB2-BD59-A6C34878D82A}">
-                    <a16:rowId xmlns:a16="http://schemas.microsoft.com/office/drawing/2014/main" val="418027743"/>
+                    <a16:rowId xmlns:a16="http://schemas.microsoft.com/office/drawing/2014/main" xmlns="" val="418027743"/>
                   </a:ext>
                 </a:extLst>
               </a:tr>
@@ -6779,7 +6978,7 @@
                 </a:tc>
                 <a:extLst>
                   <a:ext uri="{0D108BD9-81ED-4DB2-BD59-A6C34878D82A}">
-                    <a16:rowId xmlns:a16="http://schemas.microsoft.com/office/drawing/2014/main" val="858811557"/>
+                    <a16:rowId xmlns:a16="http://schemas.microsoft.com/office/drawing/2014/main" xmlns="" val="858811557"/>
                   </a:ext>
                 </a:extLst>
               </a:tr>
@@ -6844,7 +7043,7 @@
           <p:cNvPr id="6" name="Espace réservé du contenu 3">
             <a:extLst>
               <a:ext uri="{FF2B5EF4-FFF2-40B4-BE49-F238E27FC236}">
-                <a16:creationId xmlns:a16="http://schemas.microsoft.com/office/drawing/2014/main" id="{E61D3334-FB79-406E-8FB8-92ECCEC5005F}"/>
+                <a16:creationId xmlns:a16="http://schemas.microsoft.com/office/drawing/2014/main" xmlns="" id="{E61D3334-FB79-406E-8FB8-92ECCEC5005F}"/>
               </a:ext>
             </a:extLst>
           </p:cNvPr>

--- a/ProjectPresentation.pptx
+++ b/ProjectPresentation.pptx
@@ -2,7 +2,7 @@
 <file path=ppt/presentation.xml><?xml version="1.0" encoding="utf-8"?>
 <p:presentation xmlns:a="http://schemas.openxmlformats.org/drawingml/2006/main" xmlns:r="http://schemas.openxmlformats.org/officeDocument/2006/relationships" xmlns:p="http://schemas.openxmlformats.org/presentationml/2006/main" saveSubsetFonts="1" autoCompressPictures="0">
   <p:sldMasterIdLst>
-    <p:sldMasterId id="2147483648" r:id="rId1"/>
+    <p:sldMasterId id="2147483684" r:id="rId1"/>
   </p:sldMasterIdLst>
   <p:sldIdLst>
     <p:sldId id="256" r:id="rId2"/>
@@ -17,12 +17,12 @@
     <p:sldId id="264" r:id="rId11"/>
     <p:sldId id="265" r:id="rId12"/>
     <p:sldId id="278" r:id="rId13"/>
-    <p:sldId id="269" r:id="rId14"/>
-    <p:sldId id="270" r:id="rId15"/>
-    <p:sldId id="267" r:id="rId16"/>
-    <p:sldId id="273" r:id="rId17"/>
-    <p:sldId id="275" r:id="rId18"/>
-    <p:sldId id="276" r:id="rId19"/>
+    <p:sldId id="275" r:id="rId14"/>
+    <p:sldId id="269" r:id="rId15"/>
+    <p:sldId id="270" r:id="rId16"/>
+    <p:sldId id="267" r:id="rId17"/>
+    <p:sldId id="276" r:id="rId18"/>
+    <p:sldId id="273" r:id="rId19"/>
   </p:sldIdLst>
   <p:sldSz cx="12192000" cy="6858000"/>
   <p:notesSz cx="6858000" cy="9144000"/>
@@ -131,7 +131,7 @@
 
 <file path=ppt/slideLayouts/slideLayout1.xml><?xml version="1.0" encoding="utf-8"?>
 <p:sldLayout xmlns:a="http://schemas.openxmlformats.org/drawingml/2006/main" xmlns:r="http://schemas.openxmlformats.org/officeDocument/2006/relationships" xmlns:p="http://schemas.openxmlformats.org/presentationml/2006/main" type="title" preserve="1">
-  <p:cSld name="Diapositive de titre">
+  <p:cSld name="Title Slide">
     <p:spTree>
       <p:nvGrpSpPr>
         <p:cNvPr id="1" name=""/>
@@ -173,8 +173,8 @@
           </a:lstStyle>
           <a:p>
             <a:r>
-              <a:rPr lang="fr-FR"/>
-              <a:t>Modifiez le style du titre</a:t>
+              <a:rPr lang="en-US" smtClean="0"/>
+              <a:t>Click to edit Master title style</a:t>
             </a:r>
             <a:endParaRPr lang="en-US" dirty="0"/>
           </a:p>
@@ -244,8 +244,8 @@
           </a:lstStyle>
           <a:p>
             <a:r>
-              <a:rPr lang="fr-FR"/>
-              <a:t>Modifiez le style des sous-titres du masque</a:t>
+              <a:rPr lang="en-US" smtClean="0"/>
+              <a:t>Click to edit Master subtitle style</a:t>
             </a:r>
             <a:endParaRPr lang="en-US" dirty="0"/>
           </a:p>
@@ -267,7 +267,8 @@
           <a:lstStyle/>
           <a:p>
             <a:fld id="{48A87A34-81AB-432B-8DAE-1953F412C126}" type="datetimeFigureOut">
-              <a:rPr lang="en-US" dirty="0"/>
+              <a:rPr lang="en-US" smtClean="0"/>
+              <a:pPr/>
               <a:t>12/10/18</a:t>
             </a:fld>
             <a:endParaRPr lang="en-US" dirty="0"/>
@@ -319,7 +320,8 @@
           <a:lstStyle/>
           <a:p>
             <a:fld id="{6D22F896-40B5-4ADD-8801-0D06FADFA095}" type="slidenum">
-              <a:rPr lang="en-US" dirty="0"/>
+              <a:rPr lang="en-US" smtClean="0"/>
+              <a:pPr/>
               <a:t>‹#›</a:t>
             </a:fld>
             <a:endParaRPr lang="en-US" dirty="0"/>
@@ -336,7 +338,7 @@
 
 <file path=ppt/slideLayouts/slideLayout10.xml><?xml version="1.0" encoding="utf-8"?>
 <p:sldLayout xmlns:a="http://schemas.openxmlformats.org/drawingml/2006/main" xmlns:r="http://schemas.openxmlformats.org/officeDocument/2006/relationships" xmlns:p="http://schemas.openxmlformats.org/presentationml/2006/main" type="vertTx" preserve="1">
-  <p:cSld name="Titre et texte vertical">
+  <p:cSld name="Title and Vertical Text">
     <p:spTree>
       <p:nvGrpSpPr>
         <p:cNvPr id="1" name=""/>
@@ -367,8 +369,8 @@
           <a:lstStyle/>
           <a:p>
             <a:r>
-              <a:rPr lang="fr-FR"/>
-              <a:t>Modifiez le style du titre</a:t>
+              <a:rPr lang="en-US" smtClean="0"/>
+              <a:t>Click to edit Master title style</a:t>
             </a:r>
             <a:endParaRPr lang="en-US" dirty="0"/>
           </a:p>
@@ -391,36 +393,36 @@
           <a:p>
             <a:pPr lvl="0"/>
             <a:r>
-              <a:rPr lang="fr-FR"/>
-              <a:t>Modifier les styles du texte du masque</a:t>
+              <a:rPr lang="en-US" smtClean="0"/>
+              <a:t>Click to edit Master text styles</a:t>
             </a:r>
           </a:p>
           <a:p>
             <a:pPr lvl="1"/>
             <a:r>
-              <a:rPr lang="fr-FR"/>
-              <a:t>Deuxième niveau</a:t>
+              <a:rPr lang="en-US" smtClean="0"/>
+              <a:t>Second level</a:t>
             </a:r>
           </a:p>
           <a:p>
             <a:pPr lvl="2"/>
             <a:r>
-              <a:rPr lang="fr-FR"/>
-              <a:t>Troisième niveau</a:t>
+              <a:rPr lang="en-US" smtClean="0"/>
+              <a:t>Third level</a:t>
             </a:r>
           </a:p>
           <a:p>
             <a:pPr lvl="3"/>
             <a:r>
-              <a:rPr lang="fr-FR"/>
-              <a:t>Quatrième niveau</a:t>
+              <a:rPr lang="en-US" smtClean="0"/>
+              <a:t>Fourth level</a:t>
             </a:r>
           </a:p>
           <a:p>
             <a:pPr lvl="4"/>
             <a:r>
-              <a:rPr lang="fr-FR"/>
-              <a:t>Cinquième niveau</a:t>
+              <a:rPr lang="en-US" smtClean="0"/>
+              <a:t>Fifth level</a:t>
             </a:r>
             <a:endParaRPr lang="en-US" dirty="0"/>
           </a:p>
@@ -442,7 +444,8 @@
           <a:lstStyle/>
           <a:p>
             <a:fld id="{48A87A34-81AB-432B-8DAE-1953F412C126}" type="datetimeFigureOut">
-              <a:rPr lang="en-US" dirty="0"/>
+              <a:rPr lang="en-US" smtClean="0"/>
+              <a:pPr/>
               <a:t>12/10/18</a:t>
             </a:fld>
             <a:endParaRPr lang="en-US" dirty="0"/>
@@ -484,7 +487,8 @@
           <a:lstStyle/>
           <a:p>
             <a:fld id="{6D22F896-40B5-4ADD-8801-0D06FADFA095}" type="slidenum">
-              <a:rPr lang="en-US" dirty="0"/>
+              <a:rPr lang="en-US" smtClean="0"/>
+              <a:pPr/>
               <a:t>‹#›</a:t>
             </a:fld>
             <a:endParaRPr lang="en-US" dirty="0"/>
@@ -501,7 +505,7 @@
 
 <file path=ppt/slideLayouts/slideLayout11.xml><?xml version="1.0" encoding="utf-8"?>
 <p:sldLayout xmlns:a="http://schemas.openxmlformats.org/drawingml/2006/main" xmlns:r="http://schemas.openxmlformats.org/officeDocument/2006/relationships" xmlns:p="http://schemas.openxmlformats.org/presentationml/2006/main" type="vertTitleAndTx" preserve="1">
-  <p:cSld name="Titre vertical et texte">
+  <p:cSld name="Vertical Title and Text">
     <p:spTree>
       <p:nvGrpSpPr>
         <p:cNvPr id="1" name=""/>
@@ -541,8 +545,8 @@
           </a:lstStyle>
           <a:p>
             <a:r>
-              <a:rPr lang="fr-FR"/>
-              <a:t>Modifiez le style du titre</a:t>
+              <a:rPr lang="en-US" smtClean="0"/>
+              <a:t>Click to edit Master title style</a:t>
             </a:r>
             <a:endParaRPr lang="en-US" dirty="0"/>
           </a:p>
@@ -570,36 +574,36 @@
           <a:p>
             <a:pPr lvl="0"/>
             <a:r>
-              <a:rPr lang="fr-FR"/>
-              <a:t>Modifier les styles du texte du masque</a:t>
+              <a:rPr lang="en-US" smtClean="0"/>
+              <a:t>Click to edit Master text styles</a:t>
             </a:r>
           </a:p>
           <a:p>
             <a:pPr lvl="1"/>
             <a:r>
-              <a:rPr lang="fr-FR"/>
-              <a:t>Deuxième niveau</a:t>
+              <a:rPr lang="en-US" smtClean="0"/>
+              <a:t>Second level</a:t>
             </a:r>
           </a:p>
           <a:p>
             <a:pPr lvl="2"/>
             <a:r>
-              <a:rPr lang="fr-FR"/>
-              <a:t>Troisième niveau</a:t>
+              <a:rPr lang="en-US" smtClean="0"/>
+              <a:t>Third level</a:t>
             </a:r>
           </a:p>
           <a:p>
             <a:pPr lvl="3"/>
             <a:r>
-              <a:rPr lang="fr-FR"/>
-              <a:t>Quatrième niveau</a:t>
+              <a:rPr lang="en-US" smtClean="0"/>
+              <a:t>Fourth level</a:t>
             </a:r>
           </a:p>
           <a:p>
             <a:pPr lvl="4"/>
             <a:r>
-              <a:rPr lang="fr-FR"/>
-              <a:t>Cinquième niveau</a:t>
+              <a:rPr lang="en-US" smtClean="0"/>
+              <a:t>Fifth level</a:t>
             </a:r>
             <a:endParaRPr lang="en-US" dirty="0"/>
           </a:p>
@@ -621,7 +625,8 @@
           <a:lstStyle/>
           <a:p>
             <a:fld id="{48A87A34-81AB-432B-8DAE-1953F412C126}" type="datetimeFigureOut">
-              <a:rPr lang="en-US" dirty="0"/>
+              <a:rPr lang="en-US" smtClean="0"/>
+              <a:pPr/>
               <a:t>12/10/18</a:t>
             </a:fld>
             <a:endParaRPr lang="en-US" dirty="0"/>
@@ -663,7 +668,8 @@
           <a:lstStyle/>
           <a:p>
             <a:fld id="{6D22F896-40B5-4ADD-8801-0D06FADFA095}" type="slidenum">
-              <a:rPr lang="en-US" dirty="0"/>
+              <a:rPr lang="en-US" smtClean="0"/>
+              <a:pPr/>
               <a:t>‹#›</a:t>
             </a:fld>
             <a:endParaRPr lang="en-US" dirty="0"/>
@@ -680,7 +686,7 @@
 
 <file path=ppt/slideLayouts/slideLayout2.xml><?xml version="1.0" encoding="utf-8"?>
 <p:sldLayout xmlns:a="http://schemas.openxmlformats.org/drawingml/2006/main" xmlns:r="http://schemas.openxmlformats.org/officeDocument/2006/relationships" xmlns:p="http://schemas.openxmlformats.org/presentationml/2006/main" type="obj" preserve="1">
-  <p:cSld name="Titre et contenu">
+  <p:cSld name="Title and Content">
     <p:spTree>
       <p:nvGrpSpPr>
         <p:cNvPr id="1" name=""/>
@@ -711,8 +717,8 @@
           <a:lstStyle/>
           <a:p>
             <a:r>
-              <a:rPr lang="fr-FR"/>
-              <a:t>Modifiez le style du titre</a:t>
+              <a:rPr lang="en-US" smtClean="0"/>
+              <a:t>Click to edit Master title style</a:t>
             </a:r>
             <a:endParaRPr lang="en-US" dirty="0"/>
           </a:p>
@@ -735,36 +741,36 @@
           <a:p>
             <a:pPr lvl="0"/>
             <a:r>
-              <a:rPr lang="fr-FR"/>
-              <a:t>Modifier les styles du texte du masque</a:t>
+              <a:rPr lang="en-US" smtClean="0"/>
+              <a:t>Click to edit Master text styles</a:t>
             </a:r>
           </a:p>
           <a:p>
             <a:pPr lvl="1"/>
             <a:r>
-              <a:rPr lang="fr-FR"/>
-              <a:t>Deuxième niveau</a:t>
+              <a:rPr lang="en-US" smtClean="0"/>
+              <a:t>Second level</a:t>
             </a:r>
           </a:p>
           <a:p>
             <a:pPr lvl="2"/>
             <a:r>
-              <a:rPr lang="fr-FR"/>
-              <a:t>Troisième niveau</a:t>
+              <a:rPr lang="en-US" smtClean="0"/>
+              <a:t>Third level</a:t>
             </a:r>
           </a:p>
           <a:p>
             <a:pPr lvl="3"/>
             <a:r>
-              <a:rPr lang="fr-FR"/>
-              <a:t>Quatrième niveau</a:t>
+              <a:rPr lang="en-US" smtClean="0"/>
+              <a:t>Fourth level</a:t>
             </a:r>
           </a:p>
           <a:p>
             <a:pPr lvl="4"/>
             <a:r>
-              <a:rPr lang="fr-FR"/>
-              <a:t>Cinquième niveau</a:t>
+              <a:rPr lang="en-US" smtClean="0"/>
+              <a:t>Fifth level</a:t>
             </a:r>
             <a:endParaRPr lang="en-US" dirty="0"/>
           </a:p>
@@ -786,7 +792,8 @@
           <a:lstStyle/>
           <a:p>
             <a:fld id="{48A87A34-81AB-432B-8DAE-1953F412C126}" type="datetimeFigureOut">
-              <a:rPr lang="en-US" dirty="0"/>
+              <a:rPr lang="en-US" smtClean="0"/>
+              <a:pPr/>
               <a:t>12/10/18</a:t>
             </a:fld>
             <a:endParaRPr lang="en-US" dirty="0"/>
@@ -828,7 +835,8 @@
           <a:lstStyle/>
           <a:p>
             <a:fld id="{6D22F896-40B5-4ADD-8801-0D06FADFA095}" type="slidenum">
-              <a:rPr lang="en-US" dirty="0"/>
+              <a:rPr lang="en-US" smtClean="0"/>
+              <a:pPr/>
               <a:t>‹#›</a:t>
             </a:fld>
             <a:endParaRPr lang="en-US" dirty="0"/>
@@ -845,7 +853,7 @@
 
 <file path=ppt/slideLayouts/slideLayout3.xml><?xml version="1.0" encoding="utf-8"?>
 <p:sldLayout xmlns:a="http://schemas.openxmlformats.org/drawingml/2006/main" xmlns:r="http://schemas.openxmlformats.org/officeDocument/2006/relationships" xmlns:p="http://schemas.openxmlformats.org/presentationml/2006/main" type="secHead" preserve="1">
-  <p:cSld name="Titre de section">
+  <p:cSld name="Section Header">
     <p:spTree>
       <p:nvGrpSpPr>
         <p:cNvPr id="1" name=""/>
@@ -887,8 +895,8 @@
           </a:lstStyle>
           <a:p>
             <a:r>
-              <a:rPr lang="fr-FR"/>
-              <a:t>Modifiez le style du titre</a:t>
+              <a:rPr lang="en-US" smtClean="0"/>
+              <a:t>Click to edit Master title style</a:t>
             </a:r>
             <a:endParaRPr lang="en-US" dirty="0"/>
           </a:p>
@@ -1007,8 +1015,8 @@
           <a:p>
             <a:pPr lvl="0"/>
             <a:r>
-              <a:rPr lang="fr-FR"/>
-              <a:t>Modifier les styles du texte du masque</a:t>
+              <a:rPr lang="en-US" smtClean="0"/>
+              <a:t>Click to edit Master text styles</a:t>
             </a:r>
           </a:p>
         </p:txBody>
@@ -1029,7 +1037,8 @@
           <a:lstStyle/>
           <a:p>
             <a:fld id="{48A87A34-81AB-432B-8DAE-1953F412C126}" type="datetimeFigureOut">
-              <a:rPr lang="en-US" dirty="0"/>
+              <a:rPr lang="en-US" smtClean="0"/>
+              <a:pPr/>
               <a:t>12/10/18</a:t>
             </a:fld>
             <a:endParaRPr lang="en-US" dirty="0"/>
@@ -1071,7 +1080,8 @@
           <a:lstStyle/>
           <a:p>
             <a:fld id="{6D22F896-40B5-4ADD-8801-0D06FADFA095}" type="slidenum">
-              <a:rPr lang="en-US" dirty="0"/>
+              <a:rPr lang="en-US" smtClean="0"/>
+              <a:pPr/>
               <a:t>‹#›</a:t>
             </a:fld>
             <a:endParaRPr lang="en-US" dirty="0"/>
@@ -1088,7 +1098,7 @@
 
 <file path=ppt/slideLayouts/slideLayout4.xml><?xml version="1.0" encoding="utf-8"?>
 <p:sldLayout xmlns:a="http://schemas.openxmlformats.org/drawingml/2006/main" xmlns:r="http://schemas.openxmlformats.org/officeDocument/2006/relationships" xmlns:p="http://schemas.openxmlformats.org/presentationml/2006/main" type="twoObj" preserve="1">
-  <p:cSld name="Deux contenus">
+  <p:cSld name="Two Content">
     <p:spTree>
       <p:nvGrpSpPr>
         <p:cNvPr id="1" name=""/>
@@ -1124,8 +1134,8 @@
           <a:lstStyle/>
           <a:p>
             <a:r>
-              <a:rPr lang="fr-FR"/>
-              <a:t>Modifiez le style du titre</a:t>
+              <a:rPr lang="en-US" smtClean="0"/>
+              <a:t>Click to edit Master title style</a:t>
             </a:r>
             <a:endParaRPr lang="en-US" dirty="0"/>
           </a:p>
@@ -1153,36 +1163,36 @@
           <a:p>
             <a:pPr lvl="0"/>
             <a:r>
-              <a:rPr lang="fr-FR"/>
-              <a:t>Modifier les styles du texte du masque</a:t>
+              <a:rPr lang="en-US" smtClean="0"/>
+              <a:t>Click to edit Master text styles</a:t>
             </a:r>
           </a:p>
           <a:p>
             <a:pPr lvl="1"/>
             <a:r>
-              <a:rPr lang="fr-FR"/>
-              <a:t>Deuxième niveau</a:t>
+              <a:rPr lang="en-US" smtClean="0"/>
+              <a:t>Second level</a:t>
             </a:r>
           </a:p>
           <a:p>
             <a:pPr lvl="2"/>
             <a:r>
-              <a:rPr lang="fr-FR"/>
-              <a:t>Troisième niveau</a:t>
+              <a:rPr lang="en-US" smtClean="0"/>
+              <a:t>Third level</a:t>
             </a:r>
           </a:p>
           <a:p>
             <a:pPr lvl="3"/>
             <a:r>
-              <a:rPr lang="fr-FR"/>
-              <a:t>Quatrième niveau</a:t>
+              <a:rPr lang="en-US" smtClean="0"/>
+              <a:t>Fourth level</a:t>
             </a:r>
           </a:p>
           <a:p>
             <a:pPr lvl="4"/>
             <a:r>
-              <a:rPr lang="fr-FR"/>
-              <a:t>Cinquième niveau</a:t>
+              <a:rPr lang="en-US" smtClean="0"/>
+              <a:t>Fifth level</a:t>
             </a:r>
             <a:endParaRPr lang="en-US" dirty="0"/>
           </a:p>
@@ -1210,36 +1220,36 @@
           <a:p>
             <a:pPr lvl="0"/>
             <a:r>
-              <a:rPr lang="fr-FR"/>
-              <a:t>Modifier les styles du texte du masque</a:t>
+              <a:rPr lang="en-US" smtClean="0"/>
+              <a:t>Click to edit Master text styles</a:t>
             </a:r>
           </a:p>
           <a:p>
             <a:pPr lvl="1"/>
             <a:r>
-              <a:rPr lang="fr-FR"/>
-              <a:t>Deuxième niveau</a:t>
+              <a:rPr lang="en-US" smtClean="0"/>
+              <a:t>Second level</a:t>
             </a:r>
           </a:p>
           <a:p>
             <a:pPr lvl="2"/>
             <a:r>
-              <a:rPr lang="fr-FR"/>
-              <a:t>Troisième niveau</a:t>
+              <a:rPr lang="en-US" smtClean="0"/>
+              <a:t>Third level</a:t>
             </a:r>
           </a:p>
           <a:p>
             <a:pPr lvl="3"/>
             <a:r>
-              <a:rPr lang="fr-FR"/>
-              <a:t>Quatrième niveau</a:t>
+              <a:rPr lang="en-US" smtClean="0"/>
+              <a:t>Fourth level</a:t>
             </a:r>
           </a:p>
           <a:p>
             <a:pPr lvl="4"/>
             <a:r>
-              <a:rPr lang="fr-FR"/>
-              <a:t>Cinquième niveau</a:t>
+              <a:rPr lang="en-US" smtClean="0"/>
+              <a:t>Fifth level</a:t>
             </a:r>
             <a:endParaRPr lang="en-US" dirty="0"/>
           </a:p>
@@ -1261,7 +1271,8 @@
           <a:lstStyle/>
           <a:p>
             <a:fld id="{48A87A34-81AB-432B-8DAE-1953F412C126}" type="datetimeFigureOut">
-              <a:rPr lang="en-US" dirty="0"/>
+              <a:rPr lang="en-US" smtClean="0"/>
+              <a:pPr/>
               <a:t>12/10/18</a:t>
             </a:fld>
             <a:endParaRPr lang="en-US" dirty="0"/>
@@ -1303,7 +1314,8 @@
           <a:lstStyle/>
           <a:p>
             <a:fld id="{6D22F896-40B5-4ADD-8801-0D06FADFA095}" type="slidenum">
-              <a:rPr lang="en-US" dirty="0"/>
+              <a:rPr lang="en-US" smtClean="0"/>
+              <a:pPr/>
               <a:t>‹#›</a:t>
             </a:fld>
             <a:endParaRPr lang="en-US" dirty="0"/>
@@ -1320,7 +1332,7 @@
 
 <file path=ppt/slideLayouts/slideLayout5.xml><?xml version="1.0" encoding="utf-8"?>
 <p:sldLayout xmlns:a="http://schemas.openxmlformats.org/drawingml/2006/main" xmlns:r="http://schemas.openxmlformats.org/officeDocument/2006/relationships" xmlns:p="http://schemas.openxmlformats.org/presentationml/2006/main" type="twoTxTwoObj" preserve="1">
-  <p:cSld name="Comparaison">
+  <p:cSld name="Comparison">
     <p:spTree>
       <p:nvGrpSpPr>
         <p:cNvPr id="1" name=""/>
@@ -1356,8 +1368,8 @@
           <a:lstStyle/>
           <a:p>
             <a:r>
-              <a:rPr lang="fr-FR"/>
-              <a:t>Modifiez le style du titre</a:t>
+              <a:rPr lang="en-US" smtClean="0"/>
+              <a:t>Click to edit Master title style</a:t>
             </a:r>
             <a:endParaRPr lang="en-US" dirty="0"/>
           </a:p>
@@ -1431,8 +1443,8 @@
           <a:p>
             <a:pPr lvl="0"/>
             <a:r>
-              <a:rPr lang="fr-FR"/>
-              <a:t>Modifier les styles du texte du masque</a:t>
+              <a:rPr lang="en-US" smtClean="0"/>
+              <a:t>Click to edit Master text styles</a:t>
             </a:r>
           </a:p>
         </p:txBody>
@@ -1459,36 +1471,36 @@
           <a:p>
             <a:pPr lvl="0"/>
             <a:r>
-              <a:rPr lang="fr-FR"/>
-              <a:t>Modifier les styles du texte du masque</a:t>
+              <a:rPr lang="en-US" smtClean="0"/>
+              <a:t>Click to edit Master text styles</a:t>
             </a:r>
           </a:p>
           <a:p>
             <a:pPr lvl="1"/>
             <a:r>
-              <a:rPr lang="fr-FR"/>
-              <a:t>Deuxième niveau</a:t>
+              <a:rPr lang="en-US" smtClean="0"/>
+              <a:t>Second level</a:t>
             </a:r>
           </a:p>
           <a:p>
             <a:pPr lvl="2"/>
             <a:r>
-              <a:rPr lang="fr-FR"/>
-              <a:t>Troisième niveau</a:t>
+              <a:rPr lang="en-US" smtClean="0"/>
+              <a:t>Third level</a:t>
             </a:r>
           </a:p>
           <a:p>
             <a:pPr lvl="3"/>
             <a:r>
-              <a:rPr lang="fr-FR"/>
-              <a:t>Quatrième niveau</a:t>
+              <a:rPr lang="en-US" smtClean="0"/>
+              <a:t>Fourth level</a:t>
             </a:r>
           </a:p>
           <a:p>
             <a:pPr lvl="4"/>
             <a:r>
-              <a:rPr lang="fr-FR"/>
-              <a:t>Cinquième niveau</a:t>
+              <a:rPr lang="en-US" smtClean="0"/>
+              <a:t>Fifth level</a:t>
             </a:r>
             <a:endParaRPr lang="en-US" dirty="0"/>
           </a:p>
@@ -1562,8 +1574,8 @@
           <a:p>
             <a:pPr lvl="0"/>
             <a:r>
-              <a:rPr lang="fr-FR"/>
-              <a:t>Modifier les styles du texte du masque</a:t>
+              <a:rPr lang="en-US" smtClean="0"/>
+              <a:t>Click to edit Master text styles</a:t>
             </a:r>
           </a:p>
         </p:txBody>
@@ -1590,36 +1602,36 @@
           <a:p>
             <a:pPr lvl="0"/>
             <a:r>
-              <a:rPr lang="fr-FR"/>
-              <a:t>Modifier les styles du texte du masque</a:t>
+              <a:rPr lang="en-US" smtClean="0"/>
+              <a:t>Click to edit Master text styles</a:t>
             </a:r>
           </a:p>
           <a:p>
             <a:pPr lvl="1"/>
             <a:r>
-              <a:rPr lang="fr-FR"/>
-              <a:t>Deuxième niveau</a:t>
+              <a:rPr lang="en-US" smtClean="0"/>
+              <a:t>Second level</a:t>
             </a:r>
           </a:p>
           <a:p>
             <a:pPr lvl="2"/>
             <a:r>
-              <a:rPr lang="fr-FR"/>
-              <a:t>Troisième niveau</a:t>
+              <a:rPr lang="en-US" smtClean="0"/>
+              <a:t>Third level</a:t>
             </a:r>
           </a:p>
           <a:p>
             <a:pPr lvl="3"/>
             <a:r>
-              <a:rPr lang="fr-FR"/>
-              <a:t>Quatrième niveau</a:t>
+              <a:rPr lang="en-US" smtClean="0"/>
+              <a:t>Fourth level</a:t>
             </a:r>
           </a:p>
           <a:p>
             <a:pPr lvl="4"/>
             <a:r>
-              <a:rPr lang="fr-FR"/>
-              <a:t>Cinquième niveau</a:t>
+              <a:rPr lang="en-US" smtClean="0"/>
+              <a:t>Fifth level</a:t>
             </a:r>
             <a:endParaRPr lang="en-US" dirty="0"/>
           </a:p>
@@ -1641,7 +1653,8 @@
           <a:lstStyle/>
           <a:p>
             <a:fld id="{48A87A34-81AB-432B-8DAE-1953F412C126}" type="datetimeFigureOut">
-              <a:rPr lang="en-US" dirty="0"/>
+              <a:rPr lang="en-US" smtClean="0"/>
+              <a:pPr/>
               <a:t>12/10/18</a:t>
             </a:fld>
             <a:endParaRPr lang="en-US" dirty="0"/>
@@ -1683,7 +1696,8 @@
           <a:lstStyle/>
           <a:p>
             <a:fld id="{6D22F896-40B5-4ADD-8801-0D06FADFA095}" type="slidenum">
-              <a:rPr lang="en-US" dirty="0"/>
+              <a:rPr lang="en-US" smtClean="0"/>
+              <a:pPr/>
               <a:t>‹#›</a:t>
             </a:fld>
             <a:endParaRPr lang="en-US" dirty="0"/>
@@ -1700,7 +1714,7 @@
 
 <file path=ppt/slideLayouts/slideLayout6.xml><?xml version="1.0" encoding="utf-8"?>
 <p:sldLayout xmlns:a="http://schemas.openxmlformats.org/drawingml/2006/main" xmlns:r="http://schemas.openxmlformats.org/officeDocument/2006/relationships" xmlns:p="http://schemas.openxmlformats.org/presentationml/2006/main" type="titleOnly" preserve="1">
-  <p:cSld name="Titre seul">
+  <p:cSld name="Title Only">
     <p:spTree>
       <p:nvGrpSpPr>
         <p:cNvPr id="1" name=""/>
@@ -1731,8 +1745,8 @@
           <a:lstStyle/>
           <a:p>
             <a:r>
-              <a:rPr lang="fr-FR"/>
-              <a:t>Modifiez le style du titre</a:t>
+              <a:rPr lang="en-US" smtClean="0"/>
+              <a:t>Click to edit Master title style</a:t>
             </a:r>
             <a:endParaRPr lang="en-US" dirty="0"/>
           </a:p>
@@ -1754,7 +1768,8 @@
           <a:lstStyle/>
           <a:p>
             <a:fld id="{48A87A34-81AB-432B-8DAE-1953F412C126}" type="datetimeFigureOut">
-              <a:rPr lang="en-US" dirty="0"/>
+              <a:rPr lang="en-US" smtClean="0"/>
+              <a:pPr/>
               <a:t>12/10/18</a:t>
             </a:fld>
             <a:endParaRPr lang="en-US" dirty="0"/>
@@ -1796,7 +1811,8 @@
           <a:lstStyle/>
           <a:p>
             <a:fld id="{6D22F896-40B5-4ADD-8801-0D06FADFA095}" type="slidenum">
-              <a:rPr lang="en-US" dirty="0"/>
+              <a:rPr lang="en-US" smtClean="0"/>
+              <a:pPr/>
               <a:t>‹#›</a:t>
             </a:fld>
             <a:endParaRPr lang="en-US" dirty="0"/>
@@ -1813,7 +1829,7 @@
 
 <file path=ppt/slideLayouts/slideLayout7.xml><?xml version="1.0" encoding="utf-8"?>
 <p:sldLayout xmlns:a="http://schemas.openxmlformats.org/drawingml/2006/main" xmlns:r="http://schemas.openxmlformats.org/officeDocument/2006/relationships" xmlns:p="http://schemas.openxmlformats.org/presentationml/2006/main" type="blank" preserve="1">
-  <p:cSld name="Vide">
+  <p:cSld name="Blank">
     <p:spTree>
       <p:nvGrpSpPr>
         <p:cNvPr id="1" name=""/>
@@ -1844,7 +1860,8 @@
           <a:lstStyle/>
           <a:p>
             <a:fld id="{48A87A34-81AB-432B-8DAE-1953F412C126}" type="datetimeFigureOut">
-              <a:rPr lang="en-US" dirty="0"/>
+              <a:rPr lang="en-US" smtClean="0"/>
+              <a:pPr/>
               <a:t>12/10/18</a:t>
             </a:fld>
             <a:endParaRPr lang="en-US" dirty="0"/>
@@ -1886,7 +1903,8 @@
           <a:lstStyle/>
           <a:p>
             <a:fld id="{6D22F896-40B5-4ADD-8801-0D06FADFA095}" type="slidenum">
-              <a:rPr lang="en-US" dirty="0"/>
+              <a:rPr lang="en-US" smtClean="0"/>
+              <a:pPr/>
               <a:t>‹#›</a:t>
             </a:fld>
             <a:endParaRPr lang="en-US" dirty="0"/>
@@ -1903,7 +1921,7 @@
 
 <file path=ppt/slideLayouts/slideLayout8.xml><?xml version="1.0" encoding="utf-8"?>
 <p:sldLayout xmlns:a="http://schemas.openxmlformats.org/drawingml/2006/main" xmlns:r="http://schemas.openxmlformats.org/officeDocument/2006/relationships" xmlns:p="http://schemas.openxmlformats.org/presentationml/2006/main" type="objTx" preserve="1">
-  <p:cSld name="Contenu avec légende">
+  <p:cSld name="Content with Caption">
     <p:spTree>
       <p:nvGrpSpPr>
         <p:cNvPr id="1" name=""/>
@@ -1945,8 +1963,8 @@
           </a:lstStyle>
           <a:p>
             <a:r>
-              <a:rPr lang="fr-FR"/>
-              <a:t>Modifiez le style du titre</a:t>
+              <a:rPr lang="en-US" smtClean="0"/>
+              <a:t>Click to edit Master title style</a:t>
             </a:r>
             <a:endParaRPr lang="en-US" dirty="0"/>
           </a:p>
@@ -1974,36 +1992,36 @@
           <a:p>
             <a:pPr lvl="0"/>
             <a:r>
-              <a:rPr lang="fr-FR"/>
-              <a:t>Modifier les styles du texte du masque</a:t>
+              <a:rPr lang="en-US" smtClean="0"/>
+              <a:t>Click to edit Master text styles</a:t>
             </a:r>
           </a:p>
           <a:p>
             <a:pPr lvl="1"/>
             <a:r>
-              <a:rPr lang="fr-FR"/>
-              <a:t>Deuxième niveau</a:t>
+              <a:rPr lang="en-US" smtClean="0"/>
+              <a:t>Second level</a:t>
             </a:r>
           </a:p>
           <a:p>
             <a:pPr lvl="2"/>
             <a:r>
-              <a:rPr lang="fr-FR"/>
-              <a:t>Troisième niveau</a:t>
+              <a:rPr lang="en-US" smtClean="0"/>
+              <a:t>Third level</a:t>
             </a:r>
           </a:p>
           <a:p>
             <a:pPr lvl="3"/>
             <a:r>
-              <a:rPr lang="fr-FR"/>
-              <a:t>Quatrième niveau</a:t>
+              <a:rPr lang="en-US" smtClean="0"/>
+              <a:t>Fourth level</a:t>
             </a:r>
           </a:p>
           <a:p>
             <a:pPr lvl="4"/>
             <a:r>
-              <a:rPr lang="fr-FR"/>
-              <a:t>Cinquième niveau</a:t>
+              <a:rPr lang="en-US" smtClean="0"/>
+              <a:t>Fifth level</a:t>
             </a:r>
             <a:endParaRPr lang="en-US" dirty="0"/>
           </a:p>
@@ -2068,8 +2086,8 @@
           <a:p>
             <a:pPr lvl="0"/>
             <a:r>
-              <a:rPr lang="fr-FR"/>
-              <a:t>Modifier les styles du texte du masque</a:t>
+              <a:rPr lang="en-US" smtClean="0"/>
+              <a:t>Click to edit Master text styles</a:t>
             </a:r>
           </a:p>
         </p:txBody>
@@ -2090,7 +2108,8 @@
           <a:lstStyle/>
           <a:p>
             <a:fld id="{48A87A34-81AB-432B-8DAE-1953F412C126}" type="datetimeFigureOut">
-              <a:rPr lang="en-US" dirty="0"/>
+              <a:rPr lang="en-US" smtClean="0"/>
+              <a:pPr/>
               <a:t>12/10/18</a:t>
             </a:fld>
             <a:endParaRPr lang="en-US" dirty="0"/>
@@ -2132,7 +2151,8 @@
           <a:lstStyle/>
           <a:p>
             <a:fld id="{6D22F896-40B5-4ADD-8801-0D06FADFA095}" type="slidenum">
-              <a:rPr lang="en-US" dirty="0"/>
+              <a:rPr lang="en-US" smtClean="0"/>
+              <a:pPr/>
               <a:t>‹#›</a:t>
             </a:fld>
             <a:endParaRPr lang="en-US" dirty="0"/>
@@ -2149,7 +2169,7 @@
 
 <file path=ppt/slideLayouts/slideLayout9.xml><?xml version="1.0" encoding="utf-8"?>
 <p:sldLayout xmlns:a="http://schemas.openxmlformats.org/drawingml/2006/main" xmlns:r="http://schemas.openxmlformats.org/officeDocument/2006/relationships" xmlns:p="http://schemas.openxmlformats.org/presentationml/2006/main" type="picTx" preserve="1">
-  <p:cSld name="Image avec légende">
+  <p:cSld name="Picture with Caption">
     <p:spTree>
       <p:nvGrpSpPr>
         <p:cNvPr id="1" name=""/>
@@ -2330,8 +2350,8 @@
           </a:lstStyle>
           <a:p>
             <a:r>
-              <a:rPr lang="fr-FR"/>
-              <a:t>Modifiez le style du titre</a:t>
+              <a:rPr lang="en-US" smtClean="0"/>
+              <a:t>Click to edit Master title style</a:t>
             </a:r>
             <a:endParaRPr lang="en-US" dirty="0"/>
           </a:p>
@@ -2377,8 +2397,8 @@
           <a:p>
             <a:pPr lvl="0" algn="ctr"/>
             <a:r>
-              <a:rPr lang="fr-FR"/>
-              <a:t>Cliquez sur l'icône pour ajouter une image</a:t>
+              <a:rPr lang="en-US" smtClean="0"/>
+              <a:t>Drag picture to placeholder or click icon to add</a:t>
             </a:r>
             <a:endParaRPr lang="en-US" dirty="0"/>
           </a:p>
@@ -2445,8 +2465,8 @@
           <a:p>
             <a:pPr lvl="0"/>
             <a:r>
-              <a:rPr lang="fr-FR"/>
-              <a:t>Modifier les styles du texte du masque</a:t>
+              <a:rPr lang="en-US" smtClean="0"/>
+              <a:t>Click to edit Master text styles</a:t>
             </a:r>
           </a:p>
         </p:txBody>
@@ -2476,7 +2496,7 @@
           </a:lstStyle>
           <a:p>
             <a:fld id="{48A87A34-81AB-432B-8DAE-1953F412C126}" type="datetimeFigureOut">
-              <a:rPr lang="en-US" dirty="0"/>
+              <a:rPr lang="en-US" smtClean="0"/>
               <a:pPr/>
               <a:t>12/10/18</a:t>
             </a:fld>
@@ -2524,7 +2544,8 @@
           <a:lstStyle/>
           <a:p>
             <a:fld id="{6D22F896-40B5-4ADD-8801-0D06FADFA095}" type="slidenum">
-              <a:rPr lang="en-US" dirty="0"/>
+              <a:rPr lang="en-US" smtClean="0"/>
+              <a:pPr/>
               <a:t>‹#›</a:t>
             </a:fld>
             <a:endParaRPr lang="en-US" dirty="0"/>
@@ -2587,8 +2608,8 @@
           <a:lstStyle/>
           <a:p>
             <a:r>
-              <a:rPr lang="fr-FR"/>
-              <a:t>Modifiez le style du titre</a:t>
+              <a:rPr lang="en-US" smtClean="0"/>
+              <a:t>Click to edit Master title style</a:t>
             </a:r>
             <a:endParaRPr lang="en-US" dirty="0"/>
           </a:p>
@@ -2689,7 +2710,7 @@
           </a:lstStyle>
           <a:p>
             <a:fld id="{48A87A34-81AB-432B-8DAE-1953F412C126}" type="datetimeFigureOut">
-              <a:rPr lang="en-US" dirty="0"/>
+              <a:rPr lang="en-US" smtClean="0"/>
               <a:pPr/>
               <a:t>12/10/18</a:t>
             </a:fld>
@@ -2766,7 +2787,7 @@
           </a:lstStyle>
           <a:p>
             <a:fld id="{6D22F896-40B5-4ADD-8801-0D06FADFA095}" type="slidenum">
-              <a:rPr lang="en-US" dirty="0"/>
+              <a:rPr lang="en-US" smtClean="0"/>
               <a:pPr/>
               <a:t>‹#›</a:t>
             </a:fld>
@@ -2892,20 +2913,25 @@
         </p:style>
       </p:cxnSp>
     </p:spTree>
+    <p:extLst>
+      <p:ext uri="{BB962C8B-B14F-4D97-AF65-F5344CB8AC3E}">
+        <p14:creationId xmlns:p14="http://schemas.microsoft.com/office/powerpoint/2010/main" val="408188943"/>
+      </p:ext>
+    </p:extLst>
   </p:cSld>
   <p:clrMap bg1="dk1" tx1="lt1" bg2="dk2" tx2="lt2" accent1="accent1" accent2="accent2" accent3="accent3" accent4="accent4" accent5="accent5" accent6="accent6" hlink="hlink" folHlink="folHlink"/>
   <p:sldLayoutIdLst>
-    <p:sldLayoutId id="2147483649" r:id="rId1"/>
-    <p:sldLayoutId id="2147483650" r:id="rId2"/>
-    <p:sldLayoutId id="2147483651" r:id="rId3"/>
-    <p:sldLayoutId id="2147483652" r:id="rId4"/>
-    <p:sldLayoutId id="2147483653" r:id="rId5"/>
-    <p:sldLayoutId id="2147483654" r:id="rId6"/>
-    <p:sldLayoutId id="2147483655" r:id="rId7"/>
-    <p:sldLayoutId id="2147483656" r:id="rId8"/>
-    <p:sldLayoutId id="2147483657" r:id="rId9"/>
-    <p:sldLayoutId id="2147483658" r:id="rId10"/>
-    <p:sldLayoutId id="2147483659" r:id="rId11"/>
+    <p:sldLayoutId id="2147483685" r:id="rId1"/>
+    <p:sldLayoutId id="2147483686" r:id="rId2"/>
+    <p:sldLayoutId id="2147483687" r:id="rId3"/>
+    <p:sldLayoutId id="2147483688" r:id="rId4"/>
+    <p:sldLayoutId id="2147483689" r:id="rId5"/>
+    <p:sldLayoutId id="2147483690" r:id="rId6"/>
+    <p:sldLayoutId id="2147483691" r:id="rId7"/>
+    <p:sldLayoutId id="2147483692" r:id="rId8"/>
+    <p:sldLayoutId id="2147483693" r:id="rId9"/>
+    <p:sldLayoutId id="2147483694" r:id="rId10"/>
+    <p:sldLayoutId id="2147483695" r:id="rId11"/>
   </p:sldLayoutIdLst>
   <p:txStyles>
     <p:titleStyle>
@@ -3258,7 +3284,7 @@
           <p:cNvPr id="2" name="Titre 1">
             <a:extLst>
               <a:ext uri="{FF2B5EF4-FFF2-40B4-BE49-F238E27FC236}">
-                <a16:creationId xmlns:a16="http://schemas.microsoft.com/office/drawing/2014/main" xmlns="" id="{E1EA892E-CA87-48A0-880A-6BF03F480A5C}"/>
+                <a16:creationId xmlns="" xmlns:a16="http://schemas.microsoft.com/office/drawing/2014/main" id="{E1EA892E-CA87-48A0-880A-6BF03F480A5C}"/>
               </a:ext>
             </a:extLst>
           </p:cNvPr>
@@ -3323,7 +3349,7 @@
           <p:cNvPr id="2" name="Titre 1">
             <a:extLst>
               <a:ext uri="{FF2B5EF4-FFF2-40B4-BE49-F238E27FC236}">
-                <a16:creationId xmlns:a16="http://schemas.microsoft.com/office/drawing/2014/main" xmlns="" id="{1C0C72F4-E730-47B6-BC5E-AA772DA3E889}"/>
+                <a16:creationId xmlns="" xmlns:a16="http://schemas.microsoft.com/office/drawing/2014/main" id="{1C0C72F4-E730-47B6-BC5E-AA772DA3E889}"/>
               </a:ext>
             </a:extLst>
           </p:cNvPr>
@@ -3391,7 +3417,7 @@
           <p:cNvPr id="2" name="Titre 1">
             <a:extLst>
               <a:ext uri="{FF2B5EF4-FFF2-40B4-BE49-F238E27FC236}">
-                <a16:creationId xmlns:a16="http://schemas.microsoft.com/office/drawing/2014/main" xmlns="" id="{45073069-CDD8-4CD4-A7E2-CD60AB04D31B}"/>
+                <a16:creationId xmlns="" xmlns:a16="http://schemas.microsoft.com/office/drawing/2014/main" id="{45073069-CDD8-4CD4-A7E2-CD60AB04D31B}"/>
               </a:ext>
             </a:extLst>
           </p:cNvPr>
@@ -3490,7 +3516,7 @@
           <p:cNvPr id="6" name="Espace réservé du contenu 3">
             <a:extLst>
               <a:ext uri="{FF2B5EF4-FFF2-40B4-BE49-F238E27FC236}">
-                <a16:creationId xmlns:a16="http://schemas.microsoft.com/office/drawing/2014/main" xmlns="" id="{E61D3334-FB79-406E-8FB8-92ECCEC5005F}"/>
+                <a16:creationId xmlns="" xmlns:a16="http://schemas.microsoft.com/office/drawing/2014/main" id="{E61D3334-FB79-406E-8FB8-92ECCEC5005F}"/>
               </a:ext>
             </a:extLst>
           </p:cNvPr>
@@ -3746,6 +3772,245 @@
 </file>
 
 <file path=ppt/slides/slide13.xml><?xml version="1.0" encoding="utf-8"?>
+<p:sld xmlns:a="http://schemas.openxmlformats.org/drawingml/2006/main" xmlns:r="http://schemas.openxmlformats.org/officeDocument/2006/relationships" xmlns:p="http://schemas.openxmlformats.org/presentationml/2006/main">
+  <p:cSld>
+    <p:spTree>
+      <p:nvGrpSpPr>
+        <p:cNvPr id="1" name=""/>
+        <p:cNvGrpSpPr/>
+        <p:nvPr/>
+      </p:nvGrpSpPr>
+      <p:grpSpPr>
+        <a:xfrm>
+          <a:off x="0" y="0"/>
+          <a:ext cx="0" cy="0"/>
+          <a:chOff x="0" y="0"/>
+          <a:chExt cx="0" cy="0"/>
+        </a:xfrm>
+      </p:grpSpPr>
+      <p:sp>
+        <p:nvSpPr>
+          <p:cNvPr id="2" name="Titre 1">
+            <a:extLst>
+              <a:ext uri="{FF2B5EF4-FFF2-40B4-BE49-F238E27FC236}">
+                <a16:creationId xmlns="" xmlns:a16="http://schemas.microsoft.com/office/drawing/2014/main" id="{A23F166E-359E-408A-AC0A-3842BB5691C9}"/>
+              </a:ext>
+            </a:extLst>
+          </p:cNvPr>
+          <p:cNvSpPr>
+            <a:spLocks noGrp="1"/>
+          </p:cNvSpPr>
+          <p:nvPr>
+            <p:ph type="title"/>
+          </p:nvPr>
+        </p:nvSpPr>
+        <p:spPr/>
+        <p:txBody>
+          <a:bodyPr/>
+          <a:lstStyle/>
+          <a:p>
+            <a:r>
+              <a:rPr lang="fr-FR" dirty="0"/>
+              <a:t>DB Design update</a:t>
+            </a:r>
+          </a:p>
+        </p:txBody>
+      </p:sp>
+      <p:sp>
+        <p:nvSpPr>
+          <p:cNvPr id="5" name="Espace réservé du contenu 3">
+            <a:extLst>
+              <a:ext uri="{FF2B5EF4-FFF2-40B4-BE49-F238E27FC236}">
+                <a16:creationId xmlns="" xmlns:a16="http://schemas.microsoft.com/office/drawing/2014/main" id="{E61D3334-FB79-406E-8FB8-92ECCEC5005F}"/>
+              </a:ext>
+            </a:extLst>
+          </p:cNvPr>
+          <p:cNvSpPr>
+            <a:spLocks noGrp="1"/>
+          </p:cNvSpPr>
+          <p:nvPr>
+            <p:ph idx="1"/>
+          </p:nvPr>
+        </p:nvSpPr>
+        <p:spPr/>
+        <p:txBody>
+          <a:bodyPr>
+            <a:normAutofit/>
+          </a:bodyPr>
+          <a:lstStyle/>
+          <a:p>
+            <a:r>
+              <a:rPr lang="fr-FR" dirty="0" err="1"/>
+              <a:t>Added</a:t>
+            </a:r>
+            <a:r>
+              <a:rPr lang="fr-FR" dirty="0"/>
+              <a:t> profile </a:t>
+            </a:r>
+            <a:r>
+              <a:rPr lang="fr-FR" dirty="0" err="1"/>
+              <a:t>pictures</a:t>
+            </a:r>
+            <a:r>
+              <a:rPr lang="fr-FR" dirty="0"/>
+              <a:t> to profiles</a:t>
+            </a:r>
+          </a:p>
+          <a:p>
+            <a:r>
+              <a:rPr lang="fr-FR" dirty="0" err="1"/>
+              <a:t>Added</a:t>
+            </a:r>
+            <a:r>
+              <a:rPr lang="fr-FR" dirty="0"/>
+              <a:t> </a:t>
+            </a:r>
+            <a:r>
+              <a:rPr lang="fr-FR" dirty="0" err="1"/>
+              <a:t>gender</a:t>
+            </a:r>
+            <a:r>
+              <a:rPr lang="fr-FR" dirty="0"/>
+              <a:t> and </a:t>
+            </a:r>
+            <a:r>
+              <a:rPr lang="fr-FR" dirty="0" err="1"/>
+              <a:t>language</a:t>
+            </a:r>
+            <a:endParaRPr lang="fr-FR" dirty="0"/>
+          </a:p>
+          <a:p>
+            <a:r>
+              <a:rPr lang="fr-FR" dirty="0" err="1"/>
+              <a:t>Added</a:t>
+            </a:r>
+            <a:r>
+              <a:rPr lang="fr-FR" dirty="0"/>
+              <a:t> </a:t>
+            </a:r>
+            <a:r>
+              <a:rPr lang="fr-FR" dirty="0" err="1"/>
+              <a:t>nickname</a:t>
+            </a:r>
+            <a:r>
+              <a:rPr lang="fr-FR" dirty="0"/>
+              <a:t> (</a:t>
+            </a:r>
+            <a:r>
+              <a:rPr lang="fr-FR" dirty="0" err="1"/>
+              <a:t>username</a:t>
+            </a:r>
+            <a:r>
+              <a:rPr lang="fr-FR" dirty="0"/>
+              <a:t>) to </a:t>
+            </a:r>
+            <a:r>
+              <a:rPr lang="fr-FR" dirty="0" err="1"/>
+              <a:t>users</a:t>
+            </a:r>
+            <a:endParaRPr lang="fr-FR" dirty="0"/>
+          </a:p>
+          <a:p>
+            <a:r>
+              <a:rPr lang="fr-FR" dirty="0" err="1"/>
+              <a:t>Added</a:t>
+            </a:r>
+            <a:r>
+              <a:rPr lang="fr-FR" dirty="0"/>
+              <a:t> tags for </a:t>
+            </a:r>
+            <a:r>
+              <a:rPr lang="fr-FR" dirty="0" err="1"/>
+              <a:t>both</a:t>
+            </a:r>
+            <a:r>
+              <a:rPr lang="fr-FR" dirty="0"/>
+              <a:t> </a:t>
+            </a:r>
+            <a:r>
+              <a:rPr lang="fr-FR" dirty="0" err="1"/>
+              <a:t>events</a:t>
+            </a:r>
+            <a:r>
+              <a:rPr lang="fr-FR" dirty="0"/>
+              <a:t> and profiles</a:t>
+            </a:r>
+          </a:p>
+          <a:p>
+            <a:r>
+              <a:rPr lang="fr-FR" dirty="0" err="1"/>
+              <a:t>Added</a:t>
+            </a:r>
+            <a:r>
+              <a:rPr lang="fr-FR" dirty="0"/>
+              <a:t> </a:t>
+            </a:r>
+            <a:r>
+              <a:rPr lang="fr-FR" dirty="0" err="1"/>
+              <a:t>experience</a:t>
+            </a:r>
+            <a:r>
+              <a:rPr lang="fr-FR" dirty="0"/>
+              <a:t> to profiles</a:t>
+            </a:r>
+          </a:p>
+          <a:p>
+            <a:r>
+              <a:rPr lang="fr-FR" dirty="0" err="1"/>
+              <a:t>Added</a:t>
+            </a:r>
+            <a:r>
+              <a:rPr lang="fr-FR" dirty="0"/>
+              <a:t> (</a:t>
+            </a:r>
+            <a:r>
+              <a:rPr lang="fr-FR" dirty="0" err="1"/>
+              <a:t>temporary</a:t>
+            </a:r>
+            <a:r>
+              <a:rPr lang="fr-FR" dirty="0"/>
+              <a:t>) match scores to profiles</a:t>
+            </a:r>
+          </a:p>
+          <a:p>
+            <a:r>
+              <a:rPr lang="fr-FR" dirty="0" err="1"/>
+              <a:t>Removed</a:t>
+            </a:r>
+            <a:r>
+              <a:rPr lang="fr-FR" dirty="0"/>
+              <a:t> chats &amp; </a:t>
+            </a:r>
+            <a:r>
+              <a:rPr lang="fr-FR" dirty="0" err="1"/>
+              <a:t>event</a:t>
+            </a:r>
+            <a:r>
+              <a:rPr lang="fr-FR" dirty="0"/>
+              <a:t> </a:t>
+            </a:r>
+            <a:r>
+              <a:rPr lang="fr-FR" dirty="0" err="1"/>
+              <a:t>waiting</a:t>
+            </a:r>
+            <a:endParaRPr lang="fr-FR" dirty="0"/>
+          </a:p>
+        </p:txBody>
+      </p:sp>
+    </p:spTree>
+    <p:extLst>
+      <p:ext uri="{BB962C8B-B14F-4D97-AF65-F5344CB8AC3E}">
+        <p14:creationId xmlns:p14="http://schemas.microsoft.com/office/powerpoint/2010/main" val="718768558"/>
+      </p:ext>
+    </p:extLst>
+  </p:cSld>
+  <p:clrMapOvr>
+    <a:masterClrMapping/>
+  </p:clrMapOvr>
+</p:sld>
+</file>
+
+<file path=ppt/slides/slide14.xml><?xml version="1.0" encoding="utf-8"?>
 <p:sld xmlns:a="http://schemas.openxmlformats.org/drawingml/2006/main" xmlns:r="http://schemas.openxmlformats.org/officeDocument/2006/relationships" xmlns:p="http://schemas.openxmlformats.org/presentationml/2006/main">
   <p:cSld>
     <p:spTree>
@@ -3900,7 +4165,7 @@
 </p:sld>
 </file>
 
-<file path=ppt/slides/slide14.xml><?xml version="1.0" encoding="utf-8"?>
+<file path=ppt/slides/slide15.xml><?xml version="1.0" encoding="utf-8"?>
 <p:sld xmlns:a="http://schemas.openxmlformats.org/drawingml/2006/main" xmlns:r="http://schemas.openxmlformats.org/officeDocument/2006/relationships" xmlns:p="http://schemas.openxmlformats.org/presentationml/2006/main">
   <p:cSld>
     <p:spTree>
@@ -4054,7 +4319,7 @@
 </p:sld>
 </file>
 
-<file path=ppt/slides/slide15.xml><?xml version="1.0" encoding="utf-8"?>
+<file path=ppt/slides/slide16.xml><?xml version="1.0" encoding="utf-8"?>
 <p:sld xmlns:a="http://schemas.openxmlformats.org/drawingml/2006/main" xmlns:r="http://schemas.openxmlformats.org/officeDocument/2006/relationships" xmlns:p="http://schemas.openxmlformats.org/presentationml/2006/main">
   <p:cSld>
     <p:spTree>
@@ -4076,7 +4341,7 @@
           <p:cNvPr id="2" name="Titre 1">
             <a:extLst>
               <a:ext uri="{FF2B5EF4-FFF2-40B4-BE49-F238E27FC236}">
-                <a16:creationId xmlns:a16="http://schemas.microsoft.com/office/drawing/2014/main" xmlns="" id="{2F0A7FBA-6BC9-4764-B343-F09DE46076DF}"/>
+                <a16:creationId xmlns="" xmlns:a16="http://schemas.microsoft.com/office/drawing/2014/main" id="{2F0A7FBA-6BC9-4764-B343-F09DE46076DF}"/>
               </a:ext>
             </a:extLst>
           </p:cNvPr>
@@ -4109,7 +4374,7 @@
           <p:cNvPr id="7" name="Image 6">
             <a:extLst>
               <a:ext uri="{FF2B5EF4-FFF2-40B4-BE49-F238E27FC236}">
-                <a16:creationId xmlns:a16="http://schemas.microsoft.com/office/drawing/2014/main" xmlns="" id="{D052E5C9-BD99-4302-A151-9B2164203EA2}"/>
+                <a16:creationId xmlns="" xmlns:a16="http://schemas.microsoft.com/office/drawing/2014/main" id="{D052E5C9-BD99-4302-A151-9B2164203EA2}"/>
               </a:ext>
             </a:extLst>
           </p:cNvPr>
@@ -4147,211 +4412,6 @@
 </p:sld>
 </file>
 
-<file path=ppt/slides/slide16.xml><?xml version="1.0" encoding="utf-8"?>
-<p:sld xmlns:a="http://schemas.openxmlformats.org/drawingml/2006/main" xmlns:r="http://schemas.openxmlformats.org/officeDocument/2006/relationships" xmlns:p="http://schemas.openxmlformats.org/presentationml/2006/main">
-  <p:cSld>
-    <p:spTree>
-      <p:nvGrpSpPr>
-        <p:cNvPr id="1" name=""/>
-        <p:cNvGrpSpPr/>
-        <p:nvPr/>
-      </p:nvGrpSpPr>
-      <p:grpSpPr>
-        <a:xfrm>
-          <a:off x="0" y="0"/>
-          <a:ext cx="0" cy="0"/>
-          <a:chOff x="0" y="0"/>
-          <a:chExt cx="0" cy="0"/>
-        </a:xfrm>
-      </p:grpSpPr>
-      <p:sp>
-        <p:nvSpPr>
-          <p:cNvPr id="2" name="Titre 1">
-            <a:extLst>
-              <a:ext uri="{FF2B5EF4-FFF2-40B4-BE49-F238E27FC236}">
-                <a16:creationId xmlns:a16="http://schemas.microsoft.com/office/drawing/2014/main" xmlns="" id="{A23F166E-359E-408A-AC0A-3842BB5691C9}"/>
-              </a:ext>
-            </a:extLst>
-          </p:cNvPr>
-          <p:cNvSpPr>
-            <a:spLocks noGrp="1"/>
-          </p:cNvSpPr>
-          <p:nvPr>
-            <p:ph type="title"/>
-          </p:nvPr>
-        </p:nvSpPr>
-        <p:spPr/>
-        <p:txBody>
-          <a:bodyPr/>
-          <a:lstStyle/>
-          <a:p>
-            <a:r>
-              <a:rPr lang="fr-FR" dirty="0" err="1"/>
-              <a:t>Libraries</a:t>
-            </a:r>
-            <a:r>
-              <a:rPr lang="fr-FR" dirty="0"/>
-              <a:t> and </a:t>
-            </a:r>
-            <a:r>
-              <a:rPr lang="fr-FR" dirty="0" err="1"/>
-              <a:t>tools</a:t>
-            </a:r>
-            <a:endParaRPr lang="fr-FR" dirty="0"/>
-          </a:p>
-        </p:txBody>
-      </p:sp>
-      <p:sp>
-        <p:nvSpPr>
-          <p:cNvPr id="5" name="Espace réservé du contenu 3">
-            <a:extLst>
-              <a:ext uri="{FF2B5EF4-FFF2-40B4-BE49-F238E27FC236}">
-                <a16:creationId xmlns:a16="http://schemas.microsoft.com/office/drawing/2014/main" xmlns="" id="{E61D3334-FB79-406E-8FB8-92ECCEC5005F}"/>
-              </a:ext>
-            </a:extLst>
-          </p:cNvPr>
-          <p:cNvSpPr>
-            <a:spLocks noGrp="1"/>
-          </p:cNvSpPr>
-          <p:nvPr>
-            <p:ph idx="1"/>
-          </p:nvPr>
-        </p:nvSpPr>
-        <p:spPr>
-          <a:xfrm>
-            <a:off x="1451579" y="2015732"/>
-            <a:ext cx="9291215" cy="3450613"/>
-          </a:xfrm>
-        </p:spPr>
-        <p:txBody>
-          <a:bodyPr>
-            <a:normAutofit/>
-          </a:bodyPr>
-          <a:lstStyle/>
-          <a:p>
-            <a:r>
-              <a:rPr lang="fr-FR" dirty="0" err="1"/>
-              <a:t>Backend</a:t>
-            </a:r>
-            <a:endParaRPr lang="fr-FR" dirty="0"/>
-          </a:p>
-          <a:p>
-            <a:pPr lvl="1"/>
-            <a:r>
-              <a:rPr lang="fr-FR" dirty="0"/>
-              <a:t>Ruby on Rails</a:t>
-            </a:r>
-          </a:p>
-          <a:p>
-            <a:pPr lvl="2"/>
-            <a:r>
-              <a:rPr lang="fr-FR" dirty="0" err="1"/>
-              <a:t>Turbolinks</a:t>
-            </a:r>
-            <a:r>
-              <a:rPr lang="fr-FR" dirty="0"/>
-              <a:t>, Figaro, </a:t>
-            </a:r>
-            <a:r>
-              <a:rPr lang="fr-FR" dirty="0" err="1"/>
-              <a:t>omniauth</a:t>
-            </a:r>
-            <a:r>
-              <a:rPr lang="fr-FR" dirty="0"/>
-              <a:t>, </a:t>
-            </a:r>
-            <a:r>
-              <a:rPr lang="fr-FR" dirty="0" err="1"/>
-              <a:t>omniauth-kako</a:t>
-            </a:r>
-            <a:r>
-              <a:rPr lang="fr-FR" dirty="0"/>
-              <a:t>, </a:t>
-            </a:r>
-            <a:r>
-              <a:rPr lang="fr-FR" dirty="0" err="1"/>
-              <a:t>semantic</a:t>
-            </a:r>
-            <a:r>
-              <a:rPr lang="fr-FR" dirty="0"/>
-              <a:t> UI, </a:t>
-            </a:r>
-            <a:r>
-              <a:rPr lang="fr-FR" dirty="0" err="1"/>
-              <a:t>faker</a:t>
-            </a:r>
-            <a:r>
-              <a:rPr lang="fr-FR" dirty="0"/>
-              <a:t>, </a:t>
-            </a:r>
-            <a:r>
-              <a:rPr lang="fr-FR" dirty="0" err="1"/>
-              <a:t>Geokit</a:t>
-            </a:r>
-            <a:r>
-              <a:rPr lang="fr-FR" dirty="0"/>
-              <a:t>, </a:t>
-            </a:r>
-            <a:r>
-              <a:rPr lang="fr-FR" dirty="0" err="1"/>
-              <a:t>Carrierwave</a:t>
-            </a:r>
-            <a:r>
-              <a:rPr lang="fr-FR" dirty="0"/>
-              <a:t>, Devise, </a:t>
-            </a:r>
-            <a:r>
-              <a:rPr lang="fr-FR" dirty="0" err="1"/>
-              <a:t>mini_magick</a:t>
-            </a:r>
-            <a:r>
-              <a:rPr lang="fr-FR" dirty="0"/>
-              <a:t>, </a:t>
-            </a:r>
-            <a:r>
-              <a:rPr lang="fr-FR" dirty="0" err="1"/>
-              <a:t>sqlite</a:t>
-            </a:r>
-            <a:r>
-              <a:rPr lang="fr-FR" dirty="0"/>
-              <a:t>, </a:t>
-            </a:r>
-            <a:r>
-              <a:rPr lang="fr-FR" dirty="0" err="1"/>
-              <a:t>jbuilder</a:t>
-            </a:r>
-            <a:endParaRPr lang="fr-FR" dirty="0"/>
-          </a:p>
-          <a:p>
-            <a:pPr lvl="1"/>
-            <a:r>
-              <a:rPr lang="fr-FR" dirty="0"/>
-              <a:t>EC2</a:t>
-            </a:r>
-          </a:p>
-          <a:p>
-            <a:pPr lvl="1"/>
-            <a:endParaRPr lang="fr-FR" dirty="0">
-              <a:solidFill>
-                <a:srgbClr val="FF0000"/>
-              </a:solidFill>
-            </a:endParaRPr>
-          </a:p>
-        </p:txBody>
-      </p:sp>
-    </p:spTree>
-    <p:extLst>
-      <p:ext uri="{BB962C8B-B14F-4D97-AF65-F5344CB8AC3E}">
-        <p14:creationId xmlns:p14="http://schemas.microsoft.com/office/powerpoint/2010/main" val="2499843279"/>
-      </p:ext>
-    </p:extLst>
-  </p:cSld>
-  <p:clrMapOvr>
-    <a:masterClrMapping/>
-  </p:clrMapOvr>
-</p:sld>
-</file>
-
 <file path=ppt/slides/slide17.xml><?xml version="1.0" encoding="utf-8"?>
 <p:sld xmlns:a="http://schemas.openxmlformats.org/drawingml/2006/main" xmlns:r="http://schemas.openxmlformats.org/officeDocument/2006/relationships" xmlns:p="http://schemas.openxmlformats.org/presentationml/2006/main">
   <p:cSld>
@@ -4374,7 +4434,7 @@
           <p:cNvPr id="2" name="Titre 1">
             <a:extLst>
               <a:ext uri="{FF2B5EF4-FFF2-40B4-BE49-F238E27FC236}">
-                <a16:creationId xmlns:a16="http://schemas.microsoft.com/office/drawing/2014/main" xmlns="" id="{A23F166E-359E-408A-AC0A-3842BB5691C9}"/>
+                <a16:creationId xmlns="" xmlns:a16="http://schemas.microsoft.com/office/drawing/2014/main" id="{E6C7171C-1D68-40E5-8D7B-A8DBE4643C08}"/>
               </a:ext>
             </a:extLst>
           </p:cNvPr>
@@ -4392,17 +4452,30 @@
           <a:p>
             <a:r>
               <a:rPr lang="fr-FR" dirty="0"/>
-              <a:t>DB Design update</a:t>
-            </a:r>
-          </a:p>
-        </p:txBody>
-      </p:sp>
-      <p:sp>
-        <p:nvSpPr>
-          <p:cNvPr id="5" name="Espace réservé du contenu 3">
+              <a:t>Challenges </a:t>
+            </a:r>
+            <a:r>
+              <a:rPr lang="fr-FR" dirty="0" err="1"/>
+              <a:t>we</a:t>
+            </a:r>
+            <a:r>
+              <a:rPr lang="fr-FR" dirty="0"/>
+              <a:t> have </a:t>
+            </a:r>
+            <a:r>
+              <a:rPr lang="fr-FR" dirty="0" err="1"/>
+              <a:t>faced</a:t>
+            </a:r>
+            <a:endParaRPr lang="fr-FR" dirty="0"/>
+          </a:p>
+        </p:txBody>
+      </p:sp>
+      <p:sp>
+        <p:nvSpPr>
+          <p:cNvPr id="3" name="Espace réservé du contenu 3">
             <a:extLst>
               <a:ext uri="{FF2B5EF4-FFF2-40B4-BE49-F238E27FC236}">
-                <a16:creationId xmlns:a16="http://schemas.microsoft.com/office/drawing/2014/main" xmlns="" id="{E61D3334-FB79-406E-8FB8-92ECCEC5005F}"/>
+                <a16:creationId xmlns="" xmlns:a16="http://schemas.microsoft.com/office/drawing/2014/main" id="{E61D3334-FB79-406E-8FB8-92ECCEC5005F}"/>
               </a:ext>
             </a:extLst>
           </p:cNvPr>
@@ -4413,62 +4486,76 @@
             <p:ph idx="1"/>
           </p:nvPr>
         </p:nvSpPr>
-        <p:spPr>
-          <a:xfrm>
-            <a:off x="1451579" y="2015732"/>
-            <a:ext cx="9291215" cy="3450613"/>
-          </a:xfrm>
-        </p:spPr>
+        <p:spPr/>
         <p:txBody>
           <a:bodyPr>
-            <a:normAutofit/>
+            <a:normAutofit lnSpcReduction="10000"/>
           </a:bodyPr>
           <a:lstStyle/>
           <a:p>
             <a:r>
-              <a:rPr lang="fr-FR" dirty="0" err="1"/>
-              <a:t>Added</a:t>
-            </a:r>
-            <a:r>
-              <a:rPr lang="fr-FR" dirty="0"/>
-              <a:t> profile </a:t>
-            </a:r>
-            <a:r>
-              <a:rPr lang="fr-FR" dirty="0" err="1"/>
-              <a:t>pictures</a:t>
-            </a:r>
-            <a:r>
-              <a:rPr lang="fr-FR" dirty="0"/>
-              <a:t> to profiles</a:t>
-            </a:r>
-          </a:p>
-          <a:p>
-            <a:r>
-              <a:rPr lang="fr-FR" dirty="0" err="1"/>
-              <a:t>Added</a:t>
-            </a:r>
-            <a:r>
-              <a:rPr lang="fr-FR" dirty="0"/>
+              <a:rPr lang="fr-FR" dirty="0" err="1" smtClean="0"/>
+              <a:t>Solved</a:t>
+            </a:r>
+            <a:endParaRPr lang="fr-FR" dirty="0" smtClean="0"/>
+          </a:p>
+          <a:p>
+            <a:pPr lvl="1"/>
+            <a:r>
+              <a:rPr lang="fr-FR" dirty="0" err="1" smtClean="0"/>
+              <a:t>Implementing</a:t>
+            </a:r>
+            <a:r>
+              <a:rPr lang="fr-FR" dirty="0" smtClean="0"/>
               <a:t> </a:t>
             </a:r>
             <a:r>
               <a:rPr lang="fr-FR" dirty="0" err="1"/>
-              <a:t>gender</a:t>
-            </a:r>
-            <a:r>
-              <a:rPr lang="fr-FR" dirty="0"/>
+              <a:t>Kakao</a:t>
+            </a:r>
+            <a:r>
+              <a:rPr lang="fr-FR" dirty="0"/>
+              <a:t> </a:t>
+            </a:r>
+            <a:r>
+              <a:rPr lang="fr-FR" dirty="0" err="1"/>
+              <a:t>authentication</a:t>
+            </a:r>
+            <a:endParaRPr lang="fr-FR" dirty="0"/>
+          </a:p>
+          <a:p>
+            <a:pPr lvl="1"/>
+            <a:r>
+              <a:rPr lang="fr-FR" dirty="0" err="1" smtClean="0"/>
+              <a:t>Geocoding</a:t>
+            </a:r>
+            <a:r>
+              <a:rPr lang="fr-FR" dirty="0" smtClean="0"/>
               <a:t> and </a:t>
             </a:r>
             <a:r>
-              <a:rPr lang="fr-FR" dirty="0" err="1"/>
-              <a:t>language</a:t>
+              <a:rPr lang="fr-FR" dirty="0"/>
+              <a:t>location </a:t>
+            </a:r>
+            <a:r>
+              <a:rPr lang="fr-FR" dirty="0" err="1"/>
+              <a:t>based</a:t>
+            </a:r>
+            <a:r>
+              <a:rPr lang="fr-FR" dirty="0"/>
+              <a:t> </a:t>
+            </a:r>
+            <a:r>
+              <a:rPr lang="fr-FR" dirty="0" err="1"/>
+              <a:t>search</a:t>
             </a:r>
             <a:endParaRPr lang="fr-FR" dirty="0"/>
           </a:p>
           <a:p>
-            <a:r>
-              <a:rPr lang="fr-FR" dirty="0" err="1"/>
-              <a:t>Added</a:t>
+            <a:pPr lvl="1"/>
+            <a:r>
+              <a:rPr lang="fr-FR" dirty="0" err="1"/>
+              <a:t>Implementing</a:t>
             </a:r>
             <a:r>
               <a:rPr lang="fr-FR" dirty="0"/>
@@ -4476,56 +4563,54 @@
             </a:r>
             <a:r>
               <a:rPr lang="fr-FR" dirty="0" err="1"/>
-              <a:t>nickname</a:t>
-            </a:r>
-            <a:r>
-              <a:rPr lang="fr-FR" dirty="0"/>
-              <a:t> (</a:t>
-            </a:r>
-            <a:r>
-              <a:rPr lang="fr-FR" dirty="0" err="1"/>
-              <a:t>username</a:t>
-            </a:r>
-            <a:r>
-              <a:rPr lang="fr-FR" dirty="0"/>
-              <a:t>) to </a:t>
-            </a:r>
-            <a:r>
-              <a:rPr lang="fr-FR" dirty="0" err="1"/>
-              <a:t>users</a:t>
+              <a:t>matching</a:t>
+            </a:r>
+            <a:r>
+              <a:rPr lang="fr-FR" dirty="0"/>
+              <a:t> </a:t>
+            </a:r>
+            <a:r>
+              <a:rPr lang="fr-FR" dirty="0" err="1" smtClean="0"/>
+              <a:t>algorithm</a:t>
             </a:r>
             <a:endParaRPr lang="fr-FR" dirty="0"/>
           </a:p>
           <a:p>
-            <a:r>
-              <a:rPr lang="fr-FR" dirty="0" err="1"/>
-              <a:t>Added</a:t>
-            </a:r>
-            <a:r>
-              <a:rPr lang="fr-FR" dirty="0"/>
-              <a:t> tags for </a:t>
-            </a:r>
-            <a:r>
-              <a:rPr lang="fr-FR" dirty="0" err="1"/>
-              <a:t>both</a:t>
+            <a:pPr lvl="1"/>
+            <a:r>
+              <a:rPr lang="fr-FR" dirty="0" err="1"/>
+              <a:t>Sending</a:t>
+            </a:r>
+            <a:r>
+              <a:rPr lang="fr-FR" dirty="0"/>
+              <a:t> data and </a:t>
+            </a:r>
+            <a:r>
+              <a:rPr lang="fr-FR" i="1" dirty="0" err="1"/>
+              <a:t>testing</a:t>
+            </a:r>
+            <a:r>
+              <a:rPr lang="fr-FR" dirty="0"/>
+              <a:t> via </a:t>
+            </a:r>
+            <a:r>
+              <a:rPr lang="fr-FR" dirty="0" err="1"/>
+              <a:t>json</a:t>
             </a:r>
             <a:r>
               <a:rPr lang="fr-FR" dirty="0"/>
               <a:t> </a:t>
             </a:r>
             <a:r>
-              <a:rPr lang="fr-FR" dirty="0" err="1"/>
-              <a:t>events</a:t>
-            </a:r>
-            <a:r>
-              <a:rPr lang="fr-FR" dirty="0"/>
-              <a:t> and profiles</a:t>
-            </a:r>
-          </a:p>
-          <a:p>
-            <a:r>
-              <a:rPr lang="fr-FR" dirty="0" err="1"/>
-              <a:t>Added</a:t>
+              <a:rPr lang="fr-FR" dirty="0" smtClean="0"/>
+              <a:t>format</a:t>
+            </a:r>
+          </a:p>
+          <a:p>
+            <a:pPr lvl="1"/>
+            <a:r>
+              <a:rPr lang="fr-FR" dirty="0" err="1"/>
+              <a:t>Client-server</a:t>
             </a:r>
             <a:r>
               <a:rPr lang="fr-FR" dirty="0"/>
@@ -4533,51 +4618,73 @@
             </a:r>
             <a:r>
               <a:rPr lang="fr-FR" dirty="0" err="1"/>
-              <a:t>experience</a:t>
-            </a:r>
-            <a:r>
-              <a:rPr lang="fr-FR" dirty="0"/>
-              <a:t> to profiles</a:t>
-            </a:r>
-          </a:p>
-          <a:p>
-            <a:r>
-              <a:rPr lang="fr-FR" dirty="0" err="1"/>
-              <a:t>Added</a:t>
-            </a:r>
-            <a:r>
-              <a:rPr lang="fr-FR" dirty="0"/>
-              <a:t> (</a:t>
-            </a:r>
-            <a:r>
-              <a:rPr lang="fr-FR" dirty="0" err="1"/>
-              <a:t>temporary</a:t>
-            </a:r>
-            <a:r>
-              <a:rPr lang="fr-FR" dirty="0"/>
-              <a:t>) match scores to profiles</a:t>
-            </a:r>
-          </a:p>
-          <a:p>
-            <a:r>
-              <a:rPr lang="fr-FR" dirty="0" err="1"/>
-              <a:t>Removed</a:t>
-            </a:r>
-            <a:r>
-              <a:rPr lang="fr-FR" dirty="0"/>
-              <a:t> chats &amp; </a:t>
-            </a:r>
-            <a:r>
-              <a:rPr lang="fr-FR" dirty="0" err="1"/>
-              <a:t>event</a:t>
+              <a:t>connection</a:t>
             </a:r>
             <a:r>
               <a:rPr lang="fr-FR" dirty="0"/>
               <a:t> </a:t>
             </a:r>
-            <a:r>
-              <a:rPr lang="fr-FR" dirty="0" err="1"/>
-              <a:t>waiting</a:t>
+            <a:endParaRPr lang="fr-FR" dirty="0" smtClean="0"/>
+          </a:p>
+          <a:p>
+            <a:pPr lvl="1"/>
+            <a:r>
+              <a:rPr lang="fr-FR" dirty="0" err="1" smtClean="0"/>
+              <a:t>Deploying</a:t>
+            </a:r>
+            <a:r>
+              <a:rPr lang="fr-FR" dirty="0" smtClean="0"/>
+              <a:t> </a:t>
+            </a:r>
+            <a:r>
+              <a:rPr lang="fr-FR" dirty="0"/>
+              <a:t>(</a:t>
+            </a:r>
+            <a:r>
+              <a:rPr lang="fr-FR" dirty="0" err="1"/>
+              <a:t>Heroku</a:t>
+            </a:r>
+            <a:r>
+              <a:rPr lang="fr-FR" dirty="0"/>
+              <a:t> &amp; </a:t>
+            </a:r>
+            <a:r>
+              <a:rPr lang="fr-FR" dirty="0" smtClean="0"/>
+              <a:t>EC2)</a:t>
+            </a:r>
+          </a:p>
+          <a:p>
+            <a:r>
+              <a:rPr lang="fr-FR" dirty="0" smtClean="0"/>
+              <a:t>Not </a:t>
+            </a:r>
+            <a:r>
+              <a:rPr lang="fr-FR" dirty="0" err="1" smtClean="0"/>
+              <a:t>solved</a:t>
+            </a:r>
+            <a:endParaRPr lang="fr-FR" dirty="0" smtClean="0"/>
+          </a:p>
+          <a:p>
+            <a:pPr lvl="1"/>
+            <a:r>
+              <a:rPr lang="fr-FR" dirty="0" smtClean="0"/>
+              <a:t>User </a:t>
+            </a:r>
+            <a:r>
+              <a:rPr lang="fr-FR" dirty="0" err="1" smtClean="0"/>
+              <a:t>Authentication</a:t>
+            </a:r>
+            <a:r>
+              <a:rPr lang="fr-FR" dirty="0" smtClean="0"/>
+              <a:t> on App </a:t>
+            </a:r>
+            <a:r>
+              <a:rPr lang="fr-FR" dirty="0" err="1" smtClean="0"/>
+              <a:t>environment</a:t>
+            </a:r>
+            <a:r>
+              <a:rPr lang="fr-FR" dirty="0" smtClean="0"/>
+              <a:t> </a:t>
             </a:r>
             <a:endParaRPr lang="fr-FR" dirty="0"/>
           </a:p>
@@ -4586,7 +4693,7 @@
     </p:spTree>
     <p:extLst>
       <p:ext uri="{BB962C8B-B14F-4D97-AF65-F5344CB8AC3E}">
-        <p14:creationId xmlns:p14="http://schemas.microsoft.com/office/powerpoint/2010/main" val="718768558"/>
+        <p14:creationId xmlns:p14="http://schemas.microsoft.com/office/powerpoint/2010/main" val="517913754"/>
       </p:ext>
     </p:extLst>
   </p:cSld>
@@ -4618,7 +4725,7 @@
           <p:cNvPr id="2" name="Titre 1">
             <a:extLst>
               <a:ext uri="{FF2B5EF4-FFF2-40B4-BE49-F238E27FC236}">
-                <a16:creationId xmlns:a16="http://schemas.microsoft.com/office/drawing/2014/main" xmlns="" id="{E6C7171C-1D68-40E5-8D7B-A8DBE4643C08}"/>
+                <a16:creationId xmlns="" xmlns:a16="http://schemas.microsoft.com/office/drawing/2014/main" id="{A23F166E-359E-408A-AC0A-3842BB5691C9}"/>
               </a:ext>
             </a:extLst>
           </p:cNvPr>
@@ -4635,20 +4742,16 @@
           <a:lstStyle/>
           <a:p>
             <a:r>
-              <a:rPr lang="fr-FR" dirty="0"/>
-              <a:t>Challenges </a:t>
-            </a:r>
-            <a:r>
-              <a:rPr lang="fr-FR" dirty="0" err="1"/>
-              <a:t>we</a:t>
-            </a:r>
-            <a:r>
-              <a:rPr lang="fr-FR" dirty="0"/>
-              <a:t> have </a:t>
-            </a:r>
-            <a:r>
-              <a:rPr lang="fr-FR" dirty="0" err="1"/>
-              <a:t>faced</a:t>
+              <a:rPr lang="fr-FR" dirty="0" err="1"/>
+              <a:t>Libraries</a:t>
+            </a:r>
+            <a:r>
+              <a:rPr lang="fr-FR" dirty="0"/>
+              <a:t> and </a:t>
+            </a:r>
+            <a:r>
+              <a:rPr lang="fr-FR" dirty="0" err="1"/>
+              <a:t>tools</a:t>
             </a:r>
             <a:endParaRPr lang="fr-FR" dirty="0"/>
           </a:p>
@@ -4656,10 +4759,10 @@
       </p:sp>
       <p:sp>
         <p:nvSpPr>
-          <p:cNvPr id="3" name="Espace réservé du contenu 3">
+          <p:cNvPr id="5" name="Espace réservé du contenu 3">
             <a:extLst>
               <a:ext uri="{FF2B5EF4-FFF2-40B4-BE49-F238E27FC236}">
-                <a16:creationId xmlns:a16="http://schemas.microsoft.com/office/drawing/2014/main" xmlns="" id="{E61D3334-FB79-406E-8FB8-92ECCEC5005F}"/>
+                <a16:creationId xmlns="" xmlns:a16="http://schemas.microsoft.com/office/drawing/2014/main" id="{E61D3334-FB79-406E-8FB8-92ECCEC5005F}"/>
               </a:ext>
             </a:extLst>
           </p:cNvPr>
@@ -4670,346 +4773,178 @@
             <p:ph idx="1"/>
           </p:nvPr>
         </p:nvSpPr>
-        <p:spPr>
-          <a:xfrm>
-            <a:off x="1451579" y="2015732"/>
-            <a:ext cx="9291215" cy="3450613"/>
-          </a:xfrm>
-        </p:spPr>
-        <p:txBody>
-          <a:bodyPr/>
+        <p:spPr/>
+        <p:txBody>
+          <a:bodyPr>
+            <a:normAutofit/>
+          </a:bodyPr>
           <a:lstStyle/>
           <a:p>
-            <a:pPr marL="0" indent="0">
-              <a:buNone/>
-            </a:pPr>
-            <a:r>
-              <a:rPr lang="fr-FR" dirty="0" err="1">
-                <a:solidFill>
-                  <a:schemeClr val="bg1"/>
-                </a:solidFill>
-              </a:rPr>
+            <a:r>
+              <a:rPr lang="fr-FR" dirty="0" err="1" smtClean="0"/>
+              <a:t>Frontend</a:t>
+            </a:r>
+            <a:endParaRPr lang="fr-FR" dirty="0" smtClean="0"/>
+          </a:p>
+          <a:p>
+            <a:pPr lvl="1"/>
+            <a:r>
+              <a:rPr lang="fr-FR" dirty="0" smtClean="0"/>
+              <a:t>Android Studio</a:t>
+            </a:r>
+          </a:p>
+          <a:p>
+            <a:pPr lvl="1"/>
+            <a:r>
+              <a:rPr lang="fr-FR" dirty="0" err="1"/>
+              <a:t>Retrofit</a:t>
+            </a:r>
+            <a:r>
+              <a:rPr lang="fr-FR" dirty="0"/>
+              <a:t> 2, </a:t>
+            </a:r>
+            <a:r>
+              <a:rPr lang="fr-FR" dirty="0" err="1"/>
+              <a:t>okhttp</a:t>
+            </a:r>
+            <a:r>
+              <a:rPr lang="fr-FR" dirty="0"/>
+              <a:t>, glide, </a:t>
+            </a:r>
+            <a:r>
+              <a:rPr lang="fr-FR" dirty="0" err="1"/>
+              <a:t>flexbox</a:t>
+            </a:r>
+            <a:endParaRPr lang="fr-FR" dirty="0" smtClean="0"/>
+          </a:p>
+          <a:p>
+            <a:r>
+              <a:rPr lang="fr-FR" dirty="0" err="1" smtClean="0"/>
               <a:t>Backend</a:t>
             </a:r>
-            <a:r>
-              <a:rPr lang="fr-FR" dirty="0">
-                <a:solidFill>
-                  <a:schemeClr val="bg1"/>
-                </a:solidFill>
-              </a:rPr>
-              <a:t>:</a:t>
-            </a:r>
-          </a:p>
-          <a:p>
-            <a:r>
-              <a:rPr lang="fr-FR" dirty="0" err="1">
-                <a:solidFill>
-                  <a:schemeClr val="bg1"/>
-                </a:solidFill>
-              </a:rPr>
-              <a:t>Implementing</a:t>
-            </a:r>
-            <a:r>
-              <a:rPr lang="fr-FR" dirty="0">
-                <a:solidFill>
-                  <a:schemeClr val="bg1"/>
-                </a:solidFill>
-              </a:rPr>
-              <a:t> </a:t>
-            </a:r>
-            <a:r>
-              <a:rPr lang="fr-FR" dirty="0" err="1">
-                <a:solidFill>
-                  <a:schemeClr val="bg1"/>
-                </a:solidFill>
-              </a:rPr>
-              <a:t>Kakao</a:t>
-            </a:r>
-            <a:r>
-              <a:rPr lang="fr-FR" dirty="0">
-                <a:solidFill>
-                  <a:schemeClr val="bg1"/>
-                </a:solidFill>
-              </a:rPr>
-              <a:t> </a:t>
-            </a:r>
-            <a:r>
-              <a:rPr lang="fr-FR" dirty="0" err="1">
-                <a:solidFill>
-                  <a:schemeClr val="bg1"/>
-                </a:solidFill>
-              </a:rPr>
-              <a:t>authentication</a:t>
-            </a:r>
+            <a:endParaRPr lang="fr-FR" dirty="0"/>
+          </a:p>
+          <a:p>
+            <a:pPr lvl="1"/>
+            <a:r>
+              <a:rPr lang="fr-FR" dirty="0"/>
+              <a:t>Ruby on Rails</a:t>
+            </a:r>
+          </a:p>
+          <a:p>
+            <a:pPr lvl="2"/>
+            <a:r>
+              <a:rPr lang="fr-FR" dirty="0" err="1" smtClean="0"/>
+              <a:t>Gems</a:t>
+            </a:r>
+            <a:r>
+              <a:rPr lang="fr-FR" dirty="0" smtClean="0"/>
+              <a:t>: </a:t>
+            </a:r>
+            <a:r>
+              <a:rPr lang="fr-FR" dirty="0" err="1" smtClean="0"/>
+              <a:t>Turbolinks</a:t>
+            </a:r>
+            <a:r>
+              <a:rPr lang="fr-FR" dirty="0"/>
+              <a:t>, Figaro, </a:t>
+            </a:r>
+            <a:r>
+              <a:rPr lang="fr-FR" dirty="0" err="1"/>
+              <a:t>omniauth</a:t>
+            </a:r>
+            <a:r>
+              <a:rPr lang="fr-FR" dirty="0"/>
+              <a:t>, </a:t>
+            </a:r>
+            <a:r>
+              <a:rPr lang="fr-FR" dirty="0" err="1"/>
+              <a:t>omniauth-kako</a:t>
+            </a:r>
+            <a:r>
+              <a:rPr lang="fr-FR" dirty="0"/>
+              <a:t>, </a:t>
+            </a:r>
+            <a:r>
+              <a:rPr lang="fr-FR" dirty="0" err="1"/>
+              <a:t>semantic</a:t>
+            </a:r>
+            <a:r>
+              <a:rPr lang="fr-FR" dirty="0"/>
+              <a:t> UI, </a:t>
+            </a:r>
+            <a:r>
+              <a:rPr lang="fr-FR" dirty="0" err="1"/>
+              <a:t>faker</a:t>
+            </a:r>
+            <a:r>
+              <a:rPr lang="fr-FR" dirty="0"/>
+              <a:t>, </a:t>
+            </a:r>
+            <a:r>
+              <a:rPr lang="fr-FR" dirty="0" err="1"/>
+              <a:t>Geokit</a:t>
+            </a:r>
+            <a:r>
+              <a:rPr lang="fr-FR" dirty="0"/>
+              <a:t>, </a:t>
+            </a:r>
+            <a:r>
+              <a:rPr lang="fr-FR" dirty="0" err="1"/>
+              <a:t>Carrierwave</a:t>
+            </a:r>
+            <a:r>
+              <a:rPr lang="fr-FR" dirty="0"/>
+              <a:t>, Devise, </a:t>
+            </a:r>
+            <a:r>
+              <a:rPr lang="fr-FR" dirty="0" err="1"/>
+              <a:t>mini_magick</a:t>
+            </a:r>
+            <a:r>
+              <a:rPr lang="fr-FR" dirty="0"/>
+              <a:t>, </a:t>
+            </a:r>
+            <a:r>
+              <a:rPr lang="fr-FR" dirty="0" err="1"/>
+              <a:t>sqlite</a:t>
+            </a:r>
+            <a:r>
+              <a:rPr lang="fr-FR" dirty="0"/>
+              <a:t>, </a:t>
+            </a:r>
+            <a:r>
+              <a:rPr lang="fr-FR" dirty="0" err="1"/>
+              <a:t>jbuilder</a:t>
+            </a:r>
+            <a:endParaRPr lang="fr-FR" dirty="0"/>
+          </a:p>
+          <a:p>
+            <a:pPr lvl="1"/>
+            <a:r>
+              <a:rPr lang="fr-FR" dirty="0" err="1" smtClean="0"/>
+              <a:t>Heroku</a:t>
+            </a:r>
+            <a:r>
+              <a:rPr lang="fr-FR" dirty="0" smtClean="0"/>
+              <a:t>, EC2</a:t>
+            </a:r>
+            <a:endParaRPr lang="fr-FR" dirty="0"/>
+          </a:p>
+          <a:p>
+            <a:pPr lvl="1"/>
             <a:endParaRPr lang="fr-FR" dirty="0">
               <a:solidFill>
-                <a:schemeClr val="bg1"/>
+                <a:srgbClr val="FF0000"/>
               </a:solidFill>
             </a:endParaRPr>
-          </a:p>
-          <a:p>
-            <a:r>
-              <a:rPr lang="fr-FR" dirty="0" err="1">
-                <a:solidFill>
-                  <a:schemeClr val="bg1"/>
-                </a:solidFill>
-              </a:rPr>
-              <a:t>Implementing</a:t>
-            </a:r>
-            <a:r>
-              <a:rPr lang="fr-FR" dirty="0">
-                <a:solidFill>
-                  <a:schemeClr val="bg1"/>
-                </a:solidFill>
-              </a:rPr>
-              <a:t> location </a:t>
-            </a:r>
-            <a:r>
-              <a:rPr lang="fr-FR" dirty="0" err="1">
-                <a:solidFill>
-                  <a:schemeClr val="bg1"/>
-                </a:solidFill>
-              </a:rPr>
-              <a:t>based</a:t>
-            </a:r>
-            <a:r>
-              <a:rPr lang="fr-FR" dirty="0">
-                <a:solidFill>
-                  <a:schemeClr val="bg1"/>
-                </a:solidFill>
-              </a:rPr>
-              <a:t> </a:t>
-            </a:r>
-            <a:r>
-              <a:rPr lang="fr-FR" dirty="0" err="1">
-                <a:solidFill>
-                  <a:schemeClr val="bg1"/>
-                </a:solidFill>
-              </a:rPr>
-              <a:t>search</a:t>
-            </a:r>
-            <a:endParaRPr lang="fr-FR" dirty="0">
-              <a:solidFill>
-                <a:schemeClr val="bg1"/>
-              </a:solidFill>
-            </a:endParaRPr>
-          </a:p>
-          <a:p>
-            <a:r>
-              <a:rPr lang="fr-FR" dirty="0" err="1">
-                <a:solidFill>
-                  <a:schemeClr val="bg1"/>
-                </a:solidFill>
-              </a:rPr>
-              <a:t>Implementing</a:t>
-            </a:r>
-            <a:r>
-              <a:rPr lang="fr-FR" dirty="0">
-                <a:solidFill>
-                  <a:schemeClr val="bg1"/>
-                </a:solidFill>
-              </a:rPr>
-              <a:t> </a:t>
-            </a:r>
-            <a:r>
-              <a:rPr lang="fr-FR" dirty="0" err="1">
-                <a:solidFill>
-                  <a:schemeClr val="bg1"/>
-                </a:solidFill>
-              </a:rPr>
-              <a:t>matching</a:t>
-            </a:r>
-            <a:r>
-              <a:rPr lang="fr-FR" dirty="0">
-                <a:solidFill>
-                  <a:schemeClr val="bg1"/>
-                </a:solidFill>
-              </a:rPr>
-              <a:t> </a:t>
-            </a:r>
-            <a:r>
-              <a:rPr lang="fr-FR" dirty="0" err="1">
-                <a:solidFill>
-                  <a:schemeClr val="bg1"/>
-                </a:solidFill>
-              </a:rPr>
-              <a:t>algorithm</a:t>
-            </a:r>
-            <a:endParaRPr lang="fr-FR" dirty="0">
-              <a:solidFill>
-                <a:schemeClr val="bg1"/>
-              </a:solidFill>
-            </a:endParaRPr>
-          </a:p>
-          <a:p>
-            <a:r>
-              <a:rPr lang="fr-FR" dirty="0" err="1">
-                <a:solidFill>
-                  <a:schemeClr val="bg1"/>
-                </a:solidFill>
-              </a:rPr>
-              <a:t>Sending</a:t>
-            </a:r>
-            <a:r>
-              <a:rPr lang="fr-FR" dirty="0">
-                <a:solidFill>
-                  <a:schemeClr val="bg1"/>
-                </a:solidFill>
-              </a:rPr>
-              <a:t> data and </a:t>
-            </a:r>
-            <a:r>
-              <a:rPr lang="fr-FR" i="1" dirty="0" err="1">
-                <a:solidFill>
-                  <a:schemeClr val="bg1"/>
-                </a:solidFill>
-              </a:rPr>
-              <a:t>testing</a:t>
-            </a:r>
-            <a:r>
-              <a:rPr lang="fr-FR" dirty="0">
-                <a:solidFill>
-                  <a:schemeClr val="bg1"/>
-                </a:solidFill>
-              </a:rPr>
-              <a:t> via </a:t>
-            </a:r>
-            <a:r>
-              <a:rPr lang="fr-FR" dirty="0" err="1">
-                <a:solidFill>
-                  <a:schemeClr val="bg1"/>
-                </a:solidFill>
-              </a:rPr>
-              <a:t>json</a:t>
-            </a:r>
-            <a:r>
-              <a:rPr lang="fr-FR" dirty="0">
-                <a:solidFill>
-                  <a:schemeClr val="bg1"/>
-                </a:solidFill>
-              </a:rPr>
-              <a:t> </a:t>
-            </a:r>
-            <a:r>
-              <a:rPr lang="fr-FR" dirty="0" smtClean="0">
-                <a:solidFill>
-                  <a:schemeClr val="bg1"/>
-                </a:solidFill>
-              </a:rPr>
-              <a:t>format</a:t>
-            </a:r>
-          </a:p>
-          <a:p>
-            <a:r>
-              <a:rPr lang="fr-FR" dirty="0" err="1" smtClean="0">
-                <a:solidFill>
-                  <a:schemeClr val="bg1"/>
-                </a:solidFill>
-              </a:rPr>
-              <a:t>Connecting</a:t>
-            </a:r>
-            <a:r>
-              <a:rPr lang="fr-FR" dirty="0" smtClean="0">
-                <a:solidFill>
-                  <a:schemeClr val="bg1"/>
-                </a:solidFill>
-              </a:rPr>
-              <a:t> </a:t>
-            </a:r>
-            <a:r>
-              <a:rPr lang="fr-FR" dirty="0" err="1" smtClean="0">
-                <a:solidFill>
-                  <a:schemeClr val="bg1"/>
-                </a:solidFill>
-              </a:rPr>
-              <a:t>with</a:t>
-            </a:r>
-            <a:r>
-              <a:rPr lang="fr-FR" dirty="0" smtClean="0">
-                <a:solidFill>
-                  <a:schemeClr val="bg1"/>
-                </a:solidFill>
-              </a:rPr>
-              <a:t> </a:t>
-            </a:r>
-            <a:r>
-              <a:rPr lang="fr-FR" dirty="0" err="1" smtClean="0">
-                <a:solidFill>
-                  <a:schemeClr val="bg1"/>
-                </a:solidFill>
-              </a:rPr>
-              <a:t>frontend</a:t>
-            </a:r>
-            <a:r>
-              <a:rPr lang="fr-FR" dirty="0" smtClean="0">
-                <a:solidFill>
-                  <a:schemeClr val="bg1"/>
-                </a:solidFill>
-              </a:rPr>
-              <a:t> (i.e. user </a:t>
-            </a:r>
-            <a:r>
-              <a:rPr lang="fr-FR" dirty="0" err="1" smtClean="0">
-                <a:solidFill>
-                  <a:schemeClr val="bg1"/>
-                </a:solidFill>
-              </a:rPr>
-              <a:t>sign</a:t>
-            </a:r>
-            <a:r>
-              <a:rPr lang="fr-FR" dirty="0" smtClean="0">
-                <a:solidFill>
-                  <a:schemeClr val="bg1"/>
-                </a:solidFill>
-              </a:rPr>
-              <a:t> in)</a:t>
-            </a:r>
-            <a:endParaRPr lang="fr-FR" dirty="0">
-              <a:solidFill>
-                <a:schemeClr val="bg1"/>
-              </a:solidFill>
-            </a:endParaRPr>
-          </a:p>
-          <a:p>
-            <a:r>
-              <a:rPr lang="fr-FR" dirty="0" err="1">
-                <a:solidFill>
-                  <a:schemeClr val="bg1"/>
-                </a:solidFill>
-              </a:rPr>
-              <a:t>Deploying</a:t>
-            </a:r>
-            <a:r>
-              <a:rPr lang="fr-FR" dirty="0">
-                <a:solidFill>
-                  <a:schemeClr val="bg1"/>
-                </a:solidFill>
-              </a:rPr>
-              <a:t> (</a:t>
-            </a:r>
-            <a:r>
-              <a:rPr lang="fr-FR" dirty="0" err="1">
-                <a:solidFill>
-                  <a:schemeClr val="bg1"/>
-                </a:solidFill>
-              </a:rPr>
-              <a:t>Heroku</a:t>
-            </a:r>
-            <a:r>
-              <a:rPr lang="fr-FR" dirty="0">
-                <a:solidFill>
-                  <a:schemeClr val="bg1"/>
-                </a:solidFill>
-              </a:rPr>
-              <a:t> &amp; EC2!)</a:t>
-            </a:r>
           </a:p>
         </p:txBody>
       </p:sp>
     </p:spTree>
     <p:extLst>
       <p:ext uri="{BB962C8B-B14F-4D97-AF65-F5344CB8AC3E}">
-        <p14:creationId xmlns:p14="http://schemas.microsoft.com/office/powerpoint/2010/main" val="517913754"/>
+        <p14:creationId xmlns:p14="http://schemas.microsoft.com/office/powerpoint/2010/main" val="2499843279"/>
       </p:ext>
     </p:extLst>
   </p:cSld>
@@ -5041,7 +4976,7 @@
           <p:cNvPr id="2" name="Titre 1">
             <a:extLst>
               <a:ext uri="{FF2B5EF4-FFF2-40B4-BE49-F238E27FC236}">
-                <a16:creationId xmlns:a16="http://schemas.microsoft.com/office/drawing/2014/main" xmlns="" id="{DE0F84A4-CF6E-496F-9BEC-A03269EB9D06}"/>
+                <a16:creationId xmlns="" xmlns:a16="http://schemas.microsoft.com/office/drawing/2014/main" id="{DE0F84A4-CF6E-496F-9BEC-A03269EB9D06}"/>
               </a:ext>
             </a:extLst>
           </p:cNvPr>
@@ -5078,7 +5013,7 @@
           <p:cNvPr id="4" name="Titre 1">
             <a:extLst>
               <a:ext uri="{FF2B5EF4-FFF2-40B4-BE49-F238E27FC236}">
-                <a16:creationId xmlns:a16="http://schemas.microsoft.com/office/drawing/2014/main" xmlns="" id="{9C56CC40-7FA5-4F8F-8663-143689B5A4B8}"/>
+                <a16:creationId xmlns="" xmlns:a16="http://schemas.microsoft.com/office/drawing/2014/main" id="{9C56CC40-7FA5-4F8F-8663-143689B5A4B8}"/>
               </a:ext>
             </a:extLst>
           </p:cNvPr>
@@ -5141,7 +5076,7 @@
           <p:cNvPr id="5" name="Titre 1">
             <a:extLst>
               <a:ext uri="{FF2B5EF4-FFF2-40B4-BE49-F238E27FC236}">
-                <a16:creationId xmlns:a16="http://schemas.microsoft.com/office/drawing/2014/main" xmlns="" id="{FFF6277F-B446-4EEF-AAF2-7715834C4855}"/>
+                <a16:creationId xmlns="" xmlns:a16="http://schemas.microsoft.com/office/drawing/2014/main" id="{FFF6277F-B446-4EEF-AAF2-7715834C4855}"/>
               </a:ext>
             </a:extLst>
           </p:cNvPr>
@@ -5208,7 +5143,7 @@
           <p:cNvPr id="6" name="Titre 1">
             <a:extLst>
               <a:ext uri="{FF2B5EF4-FFF2-40B4-BE49-F238E27FC236}">
-                <a16:creationId xmlns:a16="http://schemas.microsoft.com/office/drawing/2014/main" xmlns="" id="{37A5DB1D-604B-47EA-BFFF-9B53C5A02C23}"/>
+                <a16:creationId xmlns="" xmlns:a16="http://schemas.microsoft.com/office/drawing/2014/main" id="{37A5DB1D-604B-47EA-BFFF-9B53C5A02C23}"/>
               </a:ext>
             </a:extLst>
           </p:cNvPr>
@@ -5305,7 +5240,7 @@
           <p:cNvPr id="2" name="Titre 1">
             <a:extLst>
               <a:ext uri="{FF2B5EF4-FFF2-40B4-BE49-F238E27FC236}">
-                <a16:creationId xmlns:a16="http://schemas.microsoft.com/office/drawing/2014/main" xmlns="" id="{167ADDED-CEF9-4608-93E0-AE3452A34C9F}"/>
+                <a16:creationId xmlns="" xmlns:a16="http://schemas.microsoft.com/office/drawing/2014/main" id="{167ADDED-CEF9-4608-93E0-AE3452A34C9F}"/>
               </a:ext>
             </a:extLst>
           </p:cNvPr>
@@ -5360,7 +5295,7 @@
           <p:cNvPr id="7" name="ZoneTexte 6">
             <a:extLst>
               <a:ext uri="{FF2B5EF4-FFF2-40B4-BE49-F238E27FC236}">
-                <a16:creationId xmlns:a16="http://schemas.microsoft.com/office/drawing/2014/main" xmlns="" id="{D3C23A56-1646-4CA8-B44B-763EB36CE9D9}"/>
+                <a16:creationId xmlns="" xmlns:a16="http://schemas.microsoft.com/office/drawing/2014/main" id="{D3C23A56-1646-4CA8-B44B-763EB36CE9D9}"/>
               </a:ext>
             </a:extLst>
           </p:cNvPr>
@@ -5425,7 +5360,7 @@
           <p:cNvPr id="4" name="ZoneTexte 3">
             <a:extLst>
               <a:ext uri="{FF2B5EF4-FFF2-40B4-BE49-F238E27FC236}">
-                <a16:creationId xmlns:a16="http://schemas.microsoft.com/office/drawing/2014/main" xmlns="" id="{8AF4420D-1D20-4238-81A7-6021F4F9CB55}"/>
+                <a16:creationId xmlns="" xmlns:a16="http://schemas.microsoft.com/office/drawing/2014/main" id="{8AF4420D-1D20-4238-81A7-6021F4F9CB55}"/>
               </a:ext>
             </a:extLst>
           </p:cNvPr>
@@ -5691,192 +5626,21 @@
       </p:grpSpPr>
       <p:sp>
         <p:nvSpPr>
-          <p:cNvPr id="10" name="Rectangle 9">
+          <p:cNvPr id="2" name="Titre 1">
             <a:extLst>
               <a:ext uri="{FF2B5EF4-FFF2-40B4-BE49-F238E27FC236}">
-                <a16:creationId xmlns:a16="http://schemas.microsoft.com/office/drawing/2014/main" xmlns="" id="{C72108A5-CE2C-4966-B863-66581E6E4801}"/>
-              </a:ext>
-              <a:ext uri="{C183D7F6-B498-43B3-948B-1728B52AA6E4}">
-                <adec:decorative xmlns:adec="http://schemas.microsoft.com/office/drawing/2017/decorative" xmlns="" val="1"/>
+                <a16:creationId xmlns="" xmlns:a16="http://schemas.microsoft.com/office/drawing/2014/main" id="{73C48105-3D35-4BB8-A29D-4E289F0C041F}"/>
               </a:ext>
             </a:extLst>
           </p:cNvPr>
           <p:cNvSpPr>
-            <a:spLocks noGrp="1" noRot="1" noChangeAspect="1" noMove="1" noResize="1" noEditPoints="1" noAdjustHandles="1" noChangeArrowheads="1" noChangeShapeType="1" noTextEdit="1"/>
-          </p:cNvSpPr>
-          <p:nvPr>
-            <p:extLst>
-              <p:ext uri="{386F3935-93C4-4BCD-93E2-E3B085C9AB24}">
-                <p16:designElem xmlns:p16="http://schemas.microsoft.com/office/powerpoint/2015/main" val="1"/>
-              </p:ext>
-            </p:extLst>
-          </p:nvPr>
-        </p:nvSpPr>
-        <p:spPr>
-          <a:xfrm>
-            <a:off x="0" y="3622291"/>
-            <a:ext cx="12192000" cy="2505984"/>
-          </a:xfrm>
-          <a:prstGeom prst="rect">
-            <a:avLst/>
-          </a:prstGeom>
-          <a:gradFill flip="none" rotWithShape="1">
-            <a:gsLst>
-              <a:gs pos="0">
-                <a:schemeClr val="bg2">
-                  <a:alpha val="0"/>
-                </a:schemeClr>
-              </a:gs>
-              <a:gs pos="100000">
-                <a:schemeClr val="bg2">
-                  <a:alpha val="80000"/>
-                </a:schemeClr>
-              </a:gs>
-            </a:gsLst>
-            <a:lin ang="5400000" scaled="0"/>
-            <a:tileRect/>
-          </a:gradFill>
-          <a:ln>
-            <a:noFill/>
-          </a:ln>
-        </p:spPr>
-        <p:style>
-          <a:lnRef idx="2">
-            <a:schemeClr val="accent1">
-              <a:shade val="50000"/>
-            </a:schemeClr>
-          </a:lnRef>
-          <a:fillRef idx="1">
-            <a:schemeClr val="accent1"/>
-          </a:fillRef>
-          <a:effectRef idx="0">
-            <a:schemeClr val="accent1"/>
-          </a:effectRef>
-          <a:fontRef idx="minor">
-            <a:schemeClr val="lt1"/>
-          </a:fontRef>
-        </p:style>
-      </p:sp>
-      <p:pic>
-        <p:nvPicPr>
-          <p:cNvPr id="12" name="Picture 11">
-            <a:extLst>
-              <a:ext uri="{FF2B5EF4-FFF2-40B4-BE49-F238E27FC236}">
-                <a16:creationId xmlns:a16="http://schemas.microsoft.com/office/drawing/2014/main" xmlns="" id="{34DF22E0-9870-4CBF-AA3A-D710A9D8D999}"/>
-              </a:ext>
-              <a:ext uri="{C183D7F6-B498-43B3-948B-1728B52AA6E4}">
-                <adec:decorative xmlns:adec="http://schemas.microsoft.com/office/drawing/2017/decorative" xmlns="" val="1"/>
-              </a:ext>
-            </a:extLst>
-          </p:cNvPr>
-          <p:cNvPicPr>
-            <a:picLocks noGrp="1" noRot="1" noChangeAspect="1" noMove="1" noResize="1" noEditPoints="1" noAdjustHandles="1" noChangeArrowheads="1" noChangeShapeType="1" noCrop="1"/>
-          </p:cNvPicPr>
-          <p:nvPr>
-            <p:extLst>
-              <p:ext uri="{386F3935-93C4-4BCD-93E2-E3B085C9AB24}">
-                <p16:designElem xmlns:p16="http://schemas.microsoft.com/office/powerpoint/2015/main" val="1"/>
-              </p:ext>
-            </p:extLst>
-          </p:nvPr>
-        </p:nvPicPr>
-        <p:blipFill rotWithShape="1">
-          <a:blip r:embed="rId2">
-            <a:extLst>
-              <a:ext uri="{28A0092B-C50C-407E-A947-70E740481C1C}">
-                <a14:useLocalDpi xmlns:a14="http://schemas.microsoft.com/office/drawing/2010/main" val="0"/>
-              </a:ext>
-            </a:extLst>
-          </a:blip>
-          <a:srcRect t="1538" b="-1538"/>
-          <a:stretch/>
-        </p:blipFill>
-        <p:spPr>
-          <a:xfrm>
-            <a:off x="0" y="6129338"/>
-            <a:ext cx="12192000" cy="742950"/>
-          </a:xfrm>
-          <a:prstGeom prst="rect">
-            <a:avLst/>
-          </a:prstGeom>
-        </p:spPr>
-      </p:pic>
-      <p:cxnSp>
-        <p:nvCxnSpPr>
-          <p:cNvPr id="14" name="Straight Connector 13">
-            <a:extLst>
-              <a:ext uri="{FF2B5EF4-FFF2-40B4-BE49-F238E27FC236}">
-                <a16:creationId xmlns:a16="http://schemas.microsoft.com/office/drawing/2014/main" xmlns="" id="{4348DA73-B56C-4BAB-9988-C048297EF40C}"/>
-              </a:ext>
-              <a:ext uri="{C183D7F6-B498-43B3-948B-1728B52AA6E4}">
-                <adec:decorative xmlns:adec="http://schemas.microsoft.com/office/drawing/2017/decorative" xmlns="" val="1"/>
-              </a:ext>
-            </a:extLst>
-          </p:cNvPr>
-          <p:cNvCxnSpPr>
-            <a:cxnSpLocks noGrp="1" noRot="1" noChangeAspect="1" noMove="1" noResize="1" noEditPoints="1" noAdjustHandles="1" noChangeArrowheads="1" noChangeShapeType="1"/>
-          </p:cNvCxnSpPr>
-          <p:nvPr>
-            <p:extLst>
-              <p:ext uri="{386F3935-93C4-4BCD-93E2-E3B085C9AB24}">
-                <p16:designElem xmlns:p16="http://schemas.microsoft.com/office/powerpoint/2015/main" val="1"/>
-              </p:ext>
-            </p:extLst>
-          </p:nvPr>
-        </p:nvCxnSpPr>
-        <p:spPr>
-          <a:xfrm>
-            <a:off x="0" y="6138142"/>
-            <a:ext cx="12192000" cy="0"/>
-          </a:xfrm>
-          <a:prstGeom prst="line">
-            <a:avLst/>
-          </a:prstGeom>
-          <a:ln w="12700">
-            <a:solidFill>
-              <a:srgbClr val="000001">
-                <a:alpha val="20000"/>
-              </a:srgbClr>
-            </a:solidFill>
-          </a:ln>
-        </p:spPr>
-        <p:style>
-          <a:lnRef idx="1">
-            <a:schemeClr val="accent1"/>
-          </a:lnRef>
-          <a:fillRef idx="0">
-            <a:schemeClr val="accent1"/>
-          </a:fillRef>
-          <a:effectRef idx="0">
-            <a:schemeClr val="accent1"/>
-          </a:effectRef>
-          <a:fontRef idx="minor">
-            <a:schemeClr val="tx1"/>
-          </a:fontRef>
-        </p:style>
-      </p:cxnSp>
-      <p:sp>
-        <p:nvSpPr>
-          <p:cNvPr id="2" name="Titre 1">
-            <a:extLst>
-              <a:ext uri="{FF2B5EF4-FFF2-40B4-BE49-F238E27FC236}">
-                <a16:creationId xmlns:a16="http://schemas.microsoft.com/office/drawing/2014/main" xmlns="" id="{73C48105-3D35-4BB8-A29D-4E289F0C041F}"/>
-              </a:ext>
-            </a:extLst>
-          </p:cNvPr>
-          <p:cNvSpPr>
             <a:spLocks noGrp="1"/>
           </p:cNvSpPr>
           <p:nvPr>
             <p:ph type="title"/>
           </p:nvPr>
         </p:nvSpPr>
-        <p:spPr>
-          <a:xfrm>
-            <a:off x="1451579" y="804519"/>
-            <a:ext cx="9291215" cy="1049235"/>
-          </a:xfrm>
-        </p:spPr>
+        <p:spPr/>
         <p:txBody>
           <a:bodyPr vert="horz" lIns="91440" tIns="45720" rIns="91440" bIns="45720" rtlCol="0" anchor="ctr">
             <a:normAutofit/>
@@ -5896,7 +5660,7 @@
           <p:cNvPr id="4" name="Espace réservé du contenu 3">
             <a:extLst>
               <a:ext uri="{FF2B5EF4-FFF2-40B4-BE49-F238E27FC236}">
-                <a16:creationId xmlns:a16="http://schemas.microsoft.com/office/drawing/2014/main" xmlns="" id="{E61D3334-FB79-406E-8FB8-92ECCEC5005F}"/>
+                <a16:creationId xmlns="" xmlns:a16="http://schemas.microsoft.com/office/drawing/2014/main" id="{E61D3334-FB79-406E-8FB8-92ECCEC5005F}"/>
               </a:ext>
             </a:extLst>
           </p:cNvPr>
@@ -5916,15 +5680,19 @@
               <a:buNone/>
             </a:pPr>
             <a:r>
-              <a:rPr lang="fr-FR" dirty="0" err="1"/>
-              <a:t>Wished</a:t>
-            </a:r>
-            <a:r>
-              <a:rPr lang="fr-FR" dirty="0"/>
+              <a:rPr lang="fr-FR" dirty="0" smtClean="0"/>
+              <a:t>Initial</a:t>
+            </a:r>
+            <a:r>
+              <a:rPr lang="fr-FR" dirty="0" smtClean="0">
+                <a:solidFill>
+                  <a:srgbClr val="FF0000"/>
+                </a:solidFill>
+              </a:rPr>
               <a:t> </a:t>
             </a:r>
             <a:r>
-              <a:rPr lang="fr-FR" dirty="0" err="1"/>
+              <a:rPr lang="fr-FR" dirty="0" err="1" smtClean="0"/>
               <a:t>Features</a:t>
             </a:r>
             <a:r>
@@ -6031,7 +5799,7 @@
           <p:cNvPr id="6" name="Titre 1">
             <a:extLst>
               <a:ext uri="{FF2B5EF4-FFF2-40B4-BE49-F238E27FC236}">
-                <a16:creationId xmlns:a16="http://schemas.microsoft.com/office/drawing/2014/main" xmlns="" id="{B750343D-A862-4145-8823-FFB0838829C1}"/>
+                <a16:creationId xmlns="" xmlns:a16="http://schemas.microsoft.com/office/drawing/2014/main" id="{B750343D-A862-4145-8823-FFB0838829C1}"/>
               </a:ext>
             </a:extLst>
           </p:cNvPr>
@@ -6067,7 +5835,7 @@
           <p:cNvPr id="8" name="Espace réservé du contenu 3">
             <a:extLst>
               <a:ext uri="{FF2B5EF4-FFF2-40B4-BE49-F238E27FC236}">
-                <a16:creationId xmlns:a16="http://schemas.microsoft.com/office/drawing/2014/main" xmlns="" id="{2B966E36-E7CE-4AA8-8AE5-F1E2CD0F3F7F}"/>
+                <a16:creationId xmlns="" xmlns:a16="http://schemas.microsoft.com/office/drawing/2014/main" id="{2B966E36-E7CE-4AA8-8AE5-F1E2CD0F3F7F}"/>
               </a:ext>
             </a:extLst>
           </p:cNvPr>
@@ -6227,7 +5995,7 @@
           <p:cNvPr id="6" name="Titre 1">
             <a:extLst>
               <a:ext uri="{FF2B5EF4-FFF2-40B4-BE49-F238E27FC236}">
-                <a16:creationId xmlns:a16="http://schemas.microsoft.com/office/drawing/2014/main" xmlns="" id="{B750343D-A862-4145-8823-FFB0838829C1}"/>
+                <a16:creationId xmlns="" xmlns:a16="http://schemas.microsoft.com/office/drawing/2014/main" id="{B750343D-A862-4145-8823-FFB0838829C1}"/>
               </a:ext>
             </a:extLst>
           </p:cNvPr>
@@ -6263,7 +6031,7 @@
           <p:cNvPr id="3" name="Image 2">
             <a:extLst>
               <a:ext uri="{FF2B5EF4-FFF2-40B4-BE49-F238E27FC236}">
-                <a16:creationId xmlns:a16="http://schemas.microsoft.com/office/drawing/2014/main" xmlns="" id="{CF72AB6B-DC94-4AA3-A062-381416EBB383}"/>
+                <a16:creationId xmlns="" xmlns:a16="http://schemas.microsoft.com/office/drawing/2014/main" id="{CF72AB6B-DC94-4AA3-A062-381416EBB383}"/>
               </a:ext>
             </a:extLst>
           </p:cNvPr>
@@ -6323,7 +6091,7 @@
           <p:cNvPr id="12" name="Tableau 11">
             <a:extLst>
               <a:ext uri="{FF2B5EF4-FFF2-40B4-BE49-F238E27FC236}">
-                <a16:creationId xmlns:a16="http://schemas.microsoft.com/office/drawing/2014/main" xmlns="" id="{129FD17F-C53A-47D8-9A62-8C0AFAF68DF5}"/>
+                <a16:creationId xmlns="" xmlns:a16="http://schemas.microsoft.com/office/drawing/2014/main" id="{129FD17F-C53A-47D8-9A62-8C0AFAF68DF5}"/>
               </a:ext>
             </a:extLst>
           </p:cNvPr>
@@ -6333,14 +6101,14 @@
           <p:nvPr>
             <p:extLst>
               <p:ext uri="{D42A27DB-BD31-4B8C-83A1-F6EECF244321}">
-                <p14:modId xmlns:p14="http://schemas.microsoft.com/office/powerpoint/2010/main" val="1131794217"/>
+                <p14:modId xmlns:p14="http://schemas.microsoft.com/office/powerpoint/2010/main" val="954759604"/>
               </p:ext>
             </p:extLst>
           </p:nvPr>
         </p:nvGraphicFramePr>
         <p:xfrm>
           <a:off x="2232710" y="1128098"/>
-          <a:ext cx="7733946" cy="4666437"/>
+          <a:ext cx="7733946" cy="4734854"/>
         </p:xfrm>
         <a:graphic>
           <a:graphicData uri="http://schemas.openxmlformats.org/drawingml/2006/table">
@@ -6352,20 +6120,20 @@
                 <a:gridCol w="4238559">
                   <a:extLst>
                     <a:ext uri="{9D8B030D-6E8A-4147-A177-3AD203B41FA5}">
-                      <a16:colId xmlns:a16="http://schemas.microsoft.com/office/drawing/2014/main" xmlns="" val="4148341069"/>
+                      <a16:colId xmlns="" xmlns:a16="http://schemas.microsoft.com/office/drawing/2014/main" val="4148341069"/>
                     </a:ext>
                   </a:extLst>
                 </a:gridCol>
                 <a:gridCol w="3495387">
                   <a:extLst>
                     <a:ext uri="{9D8B030D-6E8A-4147-A177-3AD203B41FA5}">
-                      <a16:colId xmlns:a16="http://schemas.microsoft.com/office/drawing/2014/main" xmlns="" val="4075147121"/>
+                      <a16:colId xmlns="" xmlns:a16="http://schemas.microsoft.com/office/drawing/2014/main" val="4075147121"/>
                     </a:ext>
                   </a:extLst>
                 </a:gridCol>
               </a:tblGrid>
               <a:tr h="686840">
-                <a:tc>
+                <a:tc gridSpan="2">
                   <a:txBody>
                     <a:bodyPr/>
                     <a:lstStyle/>
@@ -6399,7 +6167,25 @@
                         <a:t>: </a:t>
                       </a:r>
                       <a:r>
-                        <a:rPr lang="fr-FR" sz="1900" dirty="0" err="1">
+                        <a:rPr lang="fr-FR" sz="1900" dirty="0" err="1" smtClean="0">
+                          <a:solidFill>
+                            <a:schemeClr val="tx1"/>
+                          </a:solidFill>
+                          <a:effectLst/>
+                        </a:rPr>
+                        <a:t>Ekatrina</a:t>
+                      </a:r>
+                      <a:r>
+                        <a:rPr lang="fr-FR" sz="1900" dirty="0" smtClean="0">
+                          <a:solidFill>
+                            <a:schemeClr val="tx1"/>
+                          </a:solidFill>
+                          <a:effectLst/>
+                        </a:rPr>
+                        <a:t>, </a:t>
+                      </a:r>
+                      <a:r>
+                        <a:rPr lang="fr-FR" sz="1900" dirty="0" err="1" smtClean="0">
                           <a:solidFill>
                             <a:schemeClr val="tx1"/>
                           </a:solidFill>
@@ -6408,25 +6194,34 @@
                         <a:t>JaeWon</a:t>
                       </a:r>
                       <a:r>
+                        <a:rPr lang="fr-FR" sz="1900" dirty="0" smtClean="0">
+                          <a:solidFill>
+                            <a:schemeClr val="tx1"/>
+                          </a:solidFill>
+                          <a:effectLst/>
+                        </a:rPr>
+                        <a:t>, </a:t>
+                      </a:r>
+                      <a:r>
                         <a:rPr lang="fr-FR" sz="1900" dirty="0">
                           <a:solidFill>
                             <a:schemeClr val="tx1"/>
                           </a:solidFill>
                           <a:effectLst/>
                         </a:rPr>
-                        <a:t>, Katrina, Tristan</a:t>
+                        <a:t>Tristan</a:t>
                       </a:r>
                     </a:p>
                   </a:txBody>
                   <a:tcPr marL="30601" marR="30601" marT="20400" marB="20400" anchor="b"/>
                 </a:tc>
-                <a:tc>
+                <a:tc hMerge="1">
                   <a:txBody>
                     <a:bodyPr/>
                     <a:lstStyle/>
                     <a:p>
                       <a:pPr rtl="0" fontAlgn="b"/>
-                      <a:endParaRPr lang="fr-FR" sz="1900">
+                      <a:endParaRPr lang="fr-FR" sz="1900" dirty="0">
                         <a:solidFill>
                           <a:schemeClr val="tx1"/>
                         </a:solidFill>
@@ -6438,7 +6233,7 @@
                 </a:tc>
                 <a:extLst>
                   <a:ext uri="{0D108BD9-81ED-4DB2-BD59-A6C34878D82A}">
-                    <a16:rowId xmlns:a16="http://schemas.microsoft.com/office/drawing/2014/main" xmlns="" val="1201436561"/>
+                    <a16:rowId xmlns="" xmlns:a16="http://schemas.microsoft.com/office/drawing/2014/main" val="1201436561"/>
                   </a:ext>
                 </a:extLst>
               </a:tr>
@@ -6468,7 +6263,7 @@
                     <a:lstStyle/>
                     <a:p>
                       <a:pPr rtl="0" fontAlgn="b"/>
-                      <a:endParaRPr lang="fr-FR" sz="1900">
+                      <a:endParaRPr lang="fr-FR" sz="1900" dirty="0">
                         <a:solidFill>
                           <a:schemeClr val="tx1"/>
                         </a:solidFill>
@@ -6480,7 +6275,7 @@
                 </a:tc>
                 <a:extLst>
                   <a:ext uri="{0D108BD9-81ED-4DB2-BD59-A6C34878D82A}">
-                    <a16:rowId xmlns:a16="http://schemas.microsoft.com/office/drawing/2014/main" xmlns="" val="3707640650"/>
+                    <a16:rowId xmlns="" xmlns:a16="http://schemas.microsoft.com/office/drawing/2014/main" val="3707640650"/>
                   </a:ext>
                 </a:extLst>
               </a:tr>
@@ -6511,22 +6306,13 @@
                     <a:p>
                       <a:pPr rtl="0" fontAlgn="b"/>
                       <a:r>
-                        <a:rPr lang="fr-FR" sz="1900" dirty="0">
+                        <a:rPr lang="fr-FR" sz="1900" dirty="0" smtClean="0">
                           <a:solidFill>
                             <a:schemeClr val="tx1"/>
                           </a:solidFill>
                           <a:effectLst/>
                         </a:rPr>
-                        <a:t>Tristan, </a:t>
-                      </a:r>
-                      <a:r>
-                        <a:rPr lang="fr-FR" sz="1900" dirty="0" err="1">
-                          <a:solidFill>
-                            <a:schemeClr val="tx1"/>
-                          </a:solidFill>
-                          <a:effectLst/>
-                        </a:rPr>
-                        <a:t>JaeWon</a:t>
+                        <a:t>Tristan</a:t>
                       </a:r>
                       <a:endParaRPr lang="fr-FR" sz="1900" dirty="0">
                         <a:solidFill>
@@ -6540,7 +6326,7 @@
                 </a:tc>
                 <a:extLst>
                   <a:ext uri="{0D108BD9-81ED-4DB2-BD59-A6C34878D82A}">
-                    <a16:rowId xmlns:a16="http://schemas.microsoft.com/office/drawing/2014/main" xmlns="" val="3426260779"/>
+                    <a16:rowId xmlns="" xmlns:a16="http://schemas.microsoft.com/office/drawing/2014/main" val="3426260779"/>
                   </a:ext>
                 </a:extLst>
               </a:tr>
@@ -6571,23 +6357,99 @@
                     <a:p>
                       <a:pPr rtl="0" fontAlgn="b"/>
                       <a:r>
-                        <a:rPr lang="fr-FR" sz="1900" dirty="0">
+                        <a:rPr lang="fr-FR" sz="1900" dirty="0" err="1" smtClean="0">
                           <a:solidFill>
                             <a:schemeClr val="tx1"/>
                           </a:solidFill>
                           <a:effectLst/>
                         </a:rPr>
-                        <a:t>Ekaterina</a:t>
+                        <a:t>Ekatrina</a:t>
                       </a:r>
+                      <a:endParaRPr lang="fr-FR" sz="1900" dirty="0">
+                        <a:solidFill>
+                          <a:schemeClr val="tx1"/>
+                        </a:solidFill>
+                        <a:effectLst/>
+                      </a:endParaRPr>
                     </a:p>
                   </a:txBody>
                   <a:tcPr marL="30601" marR="30601" marT="20400" marB="20400" anchor="b"/>
                 </a:tc>
                 <a:extLst>
                   <a:ext uri="{0D108BD9-81ED-4DB2-BD59-A6C34878D82A}">
-                    <a16:rowId xmlns:a16="http://schemas.microsoft.com/office/drawing/2014/main" xmlns="" val="11151562"/>
+                    <a16:rowId xmlns="" xmlns:a16="http://schemas.microsoft.com/office/drawing/2014/main" val="11151562"/>
                   </a:ext>
                 </a:extLst>
+              </a:tr>
+              <a:tr h="459535">
+                <a:tc>
+                  <a:txBody>
+                    <a:bodyPr/>
+                    <a:lstStyle/>
+                    <a:p>
+                      <a:pPr rtl="0" fontAlgn="b"/>
+                      <a:r>
+                        <a:rPr lang="fr-FR" sz="1900" dirty="0" smtClean="0">
+                          <a:solidFill>
+                            <a:schemeClr val="tx1"/>
+                          </a:solidFill>
+                          <a:effectLst/>
+                        </a:rPr>
+                        <a:t>UI</a:t>
+                      </a:r>
+                      <a:r>
+                        <a:rPr lang="fr-FR" sz="1900" baseline="0" dirty="0" smtClean="0">
+                          <a:solidFill>
+                            <a:schemeClr val="tx1"/>
+                          </a:solidFill>
+                          <a:effectLst/>
+                        </a:rPr>
+                        <a:t> </a:t>
+                      </a:r>
+                      <a:r>
+                        <a:rPr lang="fr-FR" sz="1900" baseline="0" dirty="0" err="1" smtClean="0">
+                          <a:solidFill>
+                            <a:schemeClr val="tx1"/>
+                          </a:solidFill>
+                          <a:effectLst/>
+                        </a:rPr>
+                        <a:t>Implementation</a:t>
+                      </a:r>
+                      <a:endParaRPr lang="fr-FR" sz="1900" dirty="0">
+                        <a:solidFill>
+                          <a:schemeClr val="tx1"/>
+                        </a:solidFill>
+                        <a:effectLst/>
+                      </a:endParaRPr>
+                    </a:p>
+                  </a:txBody>
+                  <a:tcPr marL="30601" marR="30601" marT="20400" marB="20400" anchor="b"/>
+                </a:tc>
+                <a:tc>
+                  <a:txBody>
+                    <a:bodyPr/>
+                    <a:lstStyle/>
+                    <a:p>
+                      <a:pPr rtl="0" fontAlgn="b"/>
+                      <a:r>
+                        <a:rPr lang="fr-FR" sz="1900" dirty="0" err="1" smtClean="0">
+                          <a:solidFill>
+                            <a:schemeClr val="tx1"/>
+                          </a:solidFill>
+                          <a:effectLst/>
+                        </a:rPr>
+                        <a:t>Ekatrina</a:t>
+                      </a:r>
+                      <a:endParaRPr lang="fr-FR" sz="1900" dirty="0">
+                        <a:solidFill>
+                          <a:schemeClr val="tx1"/>
+                        </a:solidFill>
+                        <a:effectLst/>
+                      </a:endParaRPr>
+                    </a:p>
+                  </a:txBody>
+                  <a:tcPr marL="30601" marR="30601" marT="20400" marB="20400" anchor="b"/>
+                </a:tc>
               </a:tr>
               <a:tr h="391118">
                 <a:tc>
@@ -6636,7 +6498,7 @@
                 </a:tc>
                 <a:extLst>
                   <a:ext uri="{0D108BD9-81ED-4DB2-BD59-A6C34878D82A}">
-                    <a16:rowId xmlns:a16="http://schemas.microsoft.com/office/drawing/2014/main" xmlns="" val="3923493550"/>
+                    <a16:rowId xmlns="" xmlns:a16="http://schemas.microsoft.com/office/drawing/2014/main" val="3923493550"/>
                   </a:ext>
                 </a:extLst>
               </a:tr>
@@ -6649,108 +6511,6 @@
                       <a:pPr rtl="0" fontAlgn="b"/>
                       <a:r>
                         <a:rPr lang="fr-FR" sz="1900" dirty="0">
-                          <a:solidFill>
-                            <a:schemeClr val="tx1"/>
-                          </a:solidFill>
-                          <a:effectLst/>
-                        </a:rPr>
-                        <a:t>Chat system</a:t>
-                      </a:r>
-                    </a:p>
-                  </a:txBody>
-                  <a:tcPr marL="30601" marR="30601" marT="20400" marB="20400" anchor="b"/>
-                </a:tc>
-                <a:tc>
-                  <a:txBody>
-                    <a:bodyPr/>
-                    <a:lstStyle/>
-                    <a:p>
-                      <a:pPr rtl="0" fontAlgn="b"/>
-                      <a:r>
-                        <a:rPr lang="fr-FR" sz="1900" dirty="0" err="1">
-                          <a:solidFill>
-                            <a:schemeClr val="tx1"/>
-                          </a:solidFill>
-                          <a:effectLst/>
-                        </a:rPr>
-                        <a:t>JaeWon</a:t>
-                      </a:r>
-                      <a:endParaRPr lang="fr-FR" sz="1900" dirty="0">
-                        <a:solidFill>
-                          <a:schemeClr val="tx1"/>
-                        </a:solidFill>
-                        <a:effectLst/>
-                      </a:endParaRPr>
-                    </a:p>
-                  </a:txBody>
-                  <a:tcPr marL="30601" marR="30601" marT="20400" marB="20400" anchor="b"/>
-                </a:tc>
-                <a:extLst>
-                  <a:ext uri="{0D108BD9-81ED-4DB2-BD59-A6C34878D82A}">
-                    <a16:rowId xmlns:a16="http://schemas.microsoft.com/office/drawing/2014/main" xmlns="" val="1341049973"/>
-                  </a:ext>
-                </a:extLst>
-              </a:tr>
-              <a:tr h="391118">
-                <a:tc>
-                  <a:txBody>
-                    <a:bodyPr/>
-                    <a:lstStyle/>
-                    <a:p>
-                      <a:pPr rtl="0" fontAlgn="b"/>
-                      <a:r>
-                        <a:rPr lang="fr-FR" sz="1900" dirty="0">
-                          <a:solidFill>
-                            <a:schemeClr val="tx1"/>
-                          </a:solidFill>
-                          <a:effectLst/>
-                        </a:rPr>
-                        <a:t>User profile</a:t>
-                      </a:r>
-                    </a:p>
-                  </a:txBody>
-                  <a:tcPr marL="30601" marR="30601" marT="20400" marB="20400" anchor="b"/>
-                </a:tc>
-                <a:tc>
-                  <a:txBody>
-                    <a:bodyPr/>
-                    <a:lstStyle/>
-                    <a:p>
-                      <a:pPr rtl="0" fontAlgn="b"/>
-                      <a:r>
-                        <a:rPr lang="fr-FR" sz="1900" dirty="0" err="1">
-                          <a:solidFill>
-                            <a:schemeClr val="tx1"/>
-                          </a:solidFill>
-                          <a:effectLst/>
-                        </a:rPr>
-                        <a:t>JaeWon</a:t>
-                      </a:r>
-                      <a:endParaRPr lang="fr-FR" sz="1900" dirty="0">
-                        <a:solidFill>
-                          <a:schemeClr val="tx1"/>
-                        </a:solidFill>
-                        <a:effectLst/>
-                      </a:endParaRPr>
-                    </a:p>
-                  </a:txBody>
-                  <a:tcPr marL="30601" marR="30601" marT="20400" marB="20400" anchor="b"/>
-                </a:tc>
-                <a:extLst>
-                  <a:ext uri="{0D108BD9-81ED-4DB2-BD59-A6C34878D82A}">
-                    <a16:rowId xmlns:a16="http://schemas.microsoft.com/office/drawing/2014/main" xmlns="" val="2809940916"/>
-                  </a:ext>
-                </a:extLst>
-              </a:tr>
-              <a:tr h="391118">
-                <a:tc>
-                  <a:txBody>
-                    <a:bodyPr/>
-                    <a:lstStyle/>
-                    <a:p>
-                      <a:pPr rtl="0" fontAlgn="b"/>
-                      <a:r>
-                        <a:rPr lang="fr-FR" sz="1900">
                           <a:solidFill>
                             <a:schemeClr val="tx1"/>
                           </a:solidFill>
@@ -6789,75 +6549,11 @@
                 </a:tc>
                 <a:extLst>
                   <a:ext uri="{0D108BD9-81ED-4DB2-BD59-A6C34878D82A}">
-                    <a16:rowId xmlns:a16="http://schemas.microsoft.com/office/drawing/2014/main" xmlns="" val="3817102741"/>
+                    <a16:rowId xmlns="" xmlns:a16="http://schemas.microsoft.com/office/drawing/2014/main" val="1341049973"/>
                   </a:ext>
                 </a:extLst>
               </a:tr>
               <a:tr h="391118">
-                <a:tc>
-                  <a:txBody>
-                    <a:bodyPr/>
-                    <a:lstStyle/>
-                    <a:p>
-                      <a:pPr rtl="0" fontAlgn="b"/>
-                      <a:r>
-                        <a:rPr lang="fr-FR" sz="1900">
-                          <a:solidFill>
-                            <a:schemeClr val="tx1"/>
-                          </a:solidFill>
-                          <a:effectLst/>
-                        </a:rPr>
-                        <a:t>Matching Algorithm</a:t>
-                      </a:r>
-                    </a:p>
-                  </a:txBody>
-                  <a:tcPr marL="30601" marR="30601" marT="20400" marB="20400" anchor="b"/>
-                </a:tc>
-                <a:tc>
-                  <a:txBody>
-                    <a:bodyPr/>
-                    <a:lstStyle/>
-                    <a:p>
-                      <a:pPr rtl="0" fontAlgn="b"/>
-                      <a:r>
-                        <a:rPr lang="fr-FR" sz="1900" dirty="0">
-                          <a:solidFill>
-                            <a:schemeClr val="tx1"/>
-                          </a:solidFill>
-                          <a:effectLst/>
-                        </a:rPr>
-                        <a:t>Tristan</a:t>
-                      </a:r>
-                    </a:p>
-                  </a:txBody>
-                  <a:tcPr marL="30601" marR="30601" marT="20400" marB="20400" anchor="b"/>
-                </a:tc>
-                <a:extLst>
-                  <a:ext uri="{0D108BD9-81ED-4DB2-BD59-A6C34878D82A}">
-                    <a16:rowId xmlns:a16="http://schemas.microsoft.com/office/drawing/2014/main" xmlns="" val="2700198959"/>
-                  </a:ext>
-                </a:extLst>
-              </a:tr>
-              <a:tr h="391118">
-                <a:tc>
-                  <a:txBody>
-                    <a:bodyPr/>
-                    <a:lstStyle/>
-                    <a:p>
-                      <a:pPr rtl="0" fontAlgn="b"/>
-                      <a:r>
-                        <a:rPr lang="fr-FR" sz="1900">
-                          <a:solidFill>
-                            <a:schemeClr val="tx1"/>
-                          </a:solidFill>
-                          <a:effectLst/>
-                        </a:rPr>
-                        <a:t>Identification process</a:t>
-                      </a:r>
-                    </a:p>
-                  </a:txBody>
-                  <a:tcPr marL="30601" marR="30601" marT="20400" marB="20400" anchor="b"/>
-                </a:tc>
                 <a:tc>
                   <a:txBody>
                     <a:bodyPr/>
@@ -6871,7 +6567,50 @@
                           </a:solidFill>
                           <a:effectLst/>
                         </a:rPr>
-                        <a:t>Ekaterina,JaeWon</a:t>
+                        <a:t>Matching</a:t>
+                      </a:r>
+                      <a:r>
+                        <a:rPr lang="fr-FR" sz="1900" dirty="0">
+                          <a:solidFill>
+                            <a:schemeClr val="tx1"/>
+                          </a:solidFill>
+                          <a:effectLst/>
+                        </a:rPr>
+                        <a:t> </a:t>
+                      </a:r>
+                      <a:r>
+                        <a:rPr lang="fr-FR" sz="1900" dirty="0" err="1">
+                          <a:solidFill>
+                            <a:schemeClr val="tx1"/>
+                          </a:solidFill>
+                          <a:effectLst/>
+                        </a:rPr>
+                        <a:t>Algorithm</a:t>
+                      </a:r>
+                      <a:endParaRPr lang="fr-FR" sz="1900" dirty="0">
+                        <a:solidFill>
+                          <a:schemeClr val="tx1"/>
+                        </a:solidFill>
+                        <a:effectLst/>
+                      </a:endParaRPr>
+                    </a:p>
+                  </a:txBody>
+                  <a:tcPr marL="30601" marR="30601" marT="20400" marB="20400" anchor="b"/>
+                </a:tc>
+                <a:tc>
+                  <a:txBody>
+                    <a:bodyPr/>
+                    <a:lstStyle/>
+                    <a:p>
+                      <a:pPr rtl="0" fontAlgn="b"/>
+                      <a:r>
+                        <a:rPr lang="fr-FR" sz="1900" dirty="0" smtClean="0">
+                          <a:solidFill>
+                            <a:schemeClr val="tx1"/>
+                          </a:solidFill>
+                          <a:effectLst/>
+                        </a:rPr>
+                        <a:t>Tristan</a:t>
                       </a:r>
                       <a:endParaRPr lang="fr-FR" sz="1900" dirty="0">
                         <a:solidFill>
@@ -6885,7 +6624,170 @@
                 </a:tc>
                 <a:extLst>
                   <a:ext uri="{0D108BD9-81ED-4DB2-BD59-A6C34878D82A}">
-                    <a16:rowId xmlns:a16="http://schemas.microsoft.com/office/drawing/2014/main" xmlns="" val="418027743"/>
+                    <a16:rowId xmlns="" xmlns:a16="http://schemas.microsoft.com/office/drawing/2014/main" val="2809940916"/>
+                  </a:ext>
+                </a:extLst>
+              </a:tr>
+              <a:tr h="391118">
+                <a:tc>
+                  <a:txBody>
+                    <a:bodyPr/>
+                    <a:lstStyle/>
+                    <a:p>
+                      <a:pPr rtl="0" fontAlgn="b"/>
+                      <a:r>
+                        <a:rPr lang="fr-FR" sz="1900" dirty="0" err="1" smtClean="0">
+                          <a:solidFill>
+                            <a:schemeClr val="tx1"/>
+                          </a:solidFill>
+                          <a:effectLst/>
+                        </a:rPr>
+                        <a:t>Search</a:t>
+                      </a:r>
+                      <a:r>
+                        <a:rPr lang="fr-FR" sz="1900" baseline="0" dirty="0" smtClean="0">
+                          <a:solidFill>
+                            <a:schemeClr val="tx1"/>
+                          </a:solidFill>
+                          <a:effectLst/>
+                        </a:rPr>
+                        <a:t> and </a:t>
+                      </a:r>
+                      <a:r>
+                        <a:rPr lang="fr-FR" sz="1900" baseline="0" dirty="0" err="1" smtClean="0">
+                          <a:solidFill>
+                            <a:schemeClr val="tx1"/>
+                          </a:solidFill>
+                          <a:effectLst/>
+                        </a:rPr>
+                        <a:t>M</a:t>
+                      </a:r>
+                      <a:r>
+                        <a:rPr lang="fr-FR" sz="1900" dirty="0" err="1" smtClean="0">
+                          <a:solidFill>
+                            <a:schemeClr val="tx1"/>
+                          </a:solidFill>
+                          <a:effectLst/>
+                        </a:rPr>
+                        <a:t>atching</a:t>
+                      </a:r>
+                      <a:r>
+                        <a:rPr lang="fr-FR" sz="1900" dirty="0" smtClean="0">
+                          <a:solidFill>
+                            <a:schemeClr val="tx1"/>
+                          </a:solidFill>
+                          <a:effectLst/>
+                        </a:rPr>
+                        <a:t> </a:t>
+                      </a:r>
+                      <a:r>
+                        <a:rPr lang="fr-FR" sz="1900" dirty="0" err="1" smtClean="0">
+                          <a:solidFill>
+                            <a:schemeClr val="tx1"/>
+                          </a:solidFill>
+                          <a:effectLst/>
+                        </a:rPr>
+                        <a:t>Implementation</a:t>
+                      </a:r>
+                      <a:endParaRPr lang="fr-FR" sz="1900" dirty="0">
+                        <a:solidFill>
+                          <a:schemeClr val="tx1"/>
+                        </a:solidFill>
+                        <a:effectLst/>
+                      </a:endParaRPr>
+                    </a:p>
+                  </a:txBody>
+                  <a:tcPr marL="30601" marR="30601" marT="20400" marB="20400" anchor="b"/>
+                </a:tc>
+                <a:tc>
+                  <a:txBody>
+                    <a:bodyPr/>
+                    <a:lstStyle/>
+                    <a:p>
+                      <a:pPr rtl="0" fontAlgn="b"/>
+                      <a:r>
+                        <a:rPr lang="fr-FR" sz="1900" dirty="0" err="1" smtClean="0">
+                          <a:solidFill>
+                            <a:schemeClr val="tx1"/>
+                          </a:solidFill>
+                          <a:effectLst/>
+                        </a:rPr>
+                        <a:t>Jaewon</a:t>
+                      </a:r>
+                      <a:endParaRPr lang="fr-FR" sz="1900" dirty="0">
+                        <a:solidFill>
+                          <a:schemeClr val="tx1"/>
+                        </a:solidFill>
+                        <a:effectLst/>
+                      </a:endParaRPr>
+                    </a:p>
+                  </a:txBody>
+                  <a:tcPr marL="30601" marR="30601" marT="20400" marB="20400" anchor="b"/>
+                </a:tc>
+              </a:tr>
+              <a:tr h="391118">
+                <a:tc>
+                  <a:txBody>
+                    <a:bodyPr/>
+                    <a:lstStyle/>
+                    <a:p>
+                      <a:pPr rtl="0" fontAlgn="b"/>
+                      <a:r>
+                        <a:rPr lang="fr-FR" sz="1900" dirty="0" smtClean="0">
+                          <a:solidFill>
+                            <a:schemeClr val="tx1"/>
+                          </a:solidFill>
+                          <a:effectLst/>
+                        </a:rPr>
+                        <a:t>User </a:t>
+                      </a:r>
+                      <a:r>
+                        <a:rPr lang="fr-FR" sz="1900" dirty="0" err="1" smtClean="0">
+                          <a:solidFill>
+                            <a:schemeClr val="tx1"/>
+                          </a:solidFill>
+                          <a:effectLst/>
+                        </a:rPr>
+                        <a:t>Authentication</a:t>
+                      </a:r>
+                      <a:endParaRPr lang="fr-FR" sz="1900" dirty="0">
+                        <a:solidFill>
+                          <a:schemeClr val="tx1"/>
+                        </a:solidFill>
+                        <a:effectLst/>
+                      </a:endParaRPr>
+                    </a:p>
+                  </a:txBody>
+                  <a:tcPr marL="30601" marR="30601" marT="20400" marB="20400" anchor="b"/>
+                </a:tc>
+                <a:tc>
+                  <a:txBody>
+                    <a:bodyPr/>
+                    <a:lstStyle/>
+                    <a:p>
+                      <a:pPr rtl="0" fontAlgn="b"/>
+                      <a:r>
+                        <a:rPr lang="fr-FR" sz="1900" dirty="0" err="1" smtClean="0">
+                          <a:solidFill>
+                            <a:schemeClr val="tx1"/>
+                          </a:solidFill>
+                          <a:effectLst/>
+                        </a:rPr>
+                        <a:t>JaeWon</a:t>
+                      </a:r>
+                      <a:endParaRPr lang="fr-FR" sz="1900" dirty="0">
+                        <a:solidFill>
+                          <a:schemeClr val="tx1"/>
+                        </a:solidFill>
+                        <a:effectLst/>
+                      </a:endParaRPr>
+                    </a:p>
+                  </a:txBody>
+                  <a:tcPr marL="30601" marR="30601" marT="20400" marB="20400" anchor="b"/>
+                </a:tc>
+                <a:extLst>
+                  <a:ext uri="{0D108BD9-81ED-4DB2-BD59-A6C34878D82A}">
+                    <a16:rowId xmlns="" xmlns:a16="http://schemas.microsoft.com/office/drawing/2014/main" val="418027743"/>
                   </a:ext>
                 </a:extLst>
               </a:tr>
@@ -6958,13 +6860,31 @@
                     <a:p>
                       <a:pPr rtl="0" fontAlgn="b"/>
                       <a:r>
-                        <a:rPr lang="fr-FR" sz="1900" dirty="0" err="1">
+                        <a:rPr lang="fr-FR" sz="1900" dirty="0" err="1" smtClean="0">
                           <a:solidFill>
                             <a:schemeClr val="tx1"/>
                           </a:solidFill>
                           <a:effectLst/>
                         </a:rPr>
-                        <a:t>Ekaterina,JaeWon</a:t>
+                        <a:t>Ekatrina</a:t>
+                      </a:r>
+                      <a:r>
+                        <a:rPr lang="fr-FR" sz="1900" dirty="0" smtClean="0">
+                          <a:solidFill>
+                            <a:schemeClr val="tx1"/>
+                          </a:solidFill>
+                          <a:effectLst/>
+                        </a:rPr>
+                        <a:t>, </a:t>
+                      </a:r>
+                      <a:r>
+                        <a:rPr lang="fr-FR" sz="1900" dirty="0" err="1" smtClean="0">
+                          <a:solidFill>
+                            <a:schemeClr val="tx1"/>
+                          </a:solidFill>
+                          <a:effectLst/>
+                        </a:rPr>
+                        <a:t>JaeWon</a:t>
                       </a:r>
                       <a:endParaRPr lang="fr-FR" sz="1900" dirty="0">
                         <a:solidFill>
@@ -6978,7 +6898,7 @@
                 </a:tc>
                 <a:extLst>
                   <a:ext uri="{0D108BD9-81ED-4DB2-BD59-A6C34878D82A}">
-                    <a16:rowId xmlns:a16="http://schemas.microsoft.com/office/drawing/2014/main" xmlns="" val="858811557"/>
+                    <a16:rowId xmlns="" xmlns:a16="http://schemas.microsoft.com/office/drawing/2014/main" val="858811557"/>
                   </a:ext>
                 </a:extLst>
               </a:tr>
@@ -7043,7 +6963,7 @@
           <p:cNvPr id="6" name="Espace réservé du contenu 3">
             <a:extLst>
               <a:ext uri="{FF2B5EF4-FFF2-40B4-BE49-F238E27FC236}">
-                <a16:creationId xmlns:a16="http://schemas.microsoft.com/office/drawing/2014/main" xmlns="" id="{E61D3334-FB79-406E-8FB8-92ECCEC5005F}"/>
+                <a16:creationId xmlns="" xmlns:a16="http://schemas.microsoft.com/office/drawing/2014/main" id="{E61D3334-FB79-406E-8FB8-92ECCEC5005F}"/>
               </a:ext>
             </a:extLst>
           </p:cNvPr>
@@ -7200,7 +7120,7 @@
 </file>
 
 <file path=ppt/theme/theme1.xml><?xml version="1.0" encoding="utf-8"?>
-<a:theme xmlns:a="http://schemas.openxmlformats.org/drawingml/2006/main" name="Galerie">
+<a:theme xmlns:a="http://schemas.openxmlformats.org/drawingml/2006/main" name="Gallery">
   <a:themeElements>
     <a:clrScheme name="Gallery">
       <a:dk1>
@@ -7436,7 +7356,7 @@
             </a:gs>
           </a:gsLst>
           <a:path path="circle">
-            <a:fillToRect l="43000" r="43000" b="100000"/>
+            <a:fillToRect l="50000" t="50000" r="50000" b="50000"/>
           </a:path>
         </a:gradFill>
       </a:bgFillStyleLst>

--- a/ProjectPresentation.pptx
+++ b/ProjectPresentation.pptx
@@ -3284,7 +3284,7 @@
           <p:cNvPr id="2" name="Titre 1">
             <a:extLst>
               <a:ext uri="{FF2B5EF4-FFF2-40B4-BE49-F238E27FC236}">
-                <a16:creationId xmlns="" xmlns:a16="http://schemas.microsoft.com/office/drawing/2014/main" id="{E1EA892E-CA87-48A0-880A-6BF03F480A5C}"/>
+                <a16:creationId xmlns:a16="http://schemas.microsoft.com/office/drawing/2014/main" xmlns="" id="{E1EA892E-CA87-48A0-880A-6BF03F480A5C}"/>
               </a:ext>
             </a:extLst>
           </p:cNvPr>
@@ -3349,7 +3349,7 @@
           <p:cNvPr id="2" name="Titre 1">
             <a:extLst>
               <a:ext uri="{FF2B5EF4-FFF2-40B4-BE49-F238E27FC236}">
-                <a16:creationId xmlns="" xmlns:a16="http://schemas.microsoft.com/office/drawing/2014/main" id="{1C0C72F4-E730-47B6-BC5E-AA772DA3E889}"/>
+                <a16:creationId xmlns:a16="http://schemas.microsoft.com/office/drawing/2014/main" xmlns="" id="{1C0C72F4-E730-47B6-BC5E-AA772DA3E889}"/>
               </a:ext>
             </a:extLst>
           </p:cNvPr>
@@ -3417,7 +3417,7 @@
           <p:cNvPr id="2" name="Titre 1">
             <a:extLst>
               <a:ext uri="{FF2B5EF4-FFF2-40B4-BE49-F238E27FC236}">
-                <a16:creationId xmlns="" xmlns:a16="http://schemas.microsoft.com/office/drawing/2014/main" id="{45073069-CDD8-4CD4-A7E2-CD60AB04D31B}"/>
+                <a16:creationId xmlns:a16="http://schemas.microsoft.com/office/drawing/2014/main" xmlns="" id="{45073069-CDD8-4CD4-A7E2-CD60AB04D31B}"/>
               </a:ext>
             </a:extLst>
           </p:cNvPr>
@@ -3516,7 +3516,7 @@
           <p:cNvPr id="6" name="Espace réservé du contenu 3">
             <a:extLst>
               <a:ext uri="{FF2B5EF4-FFF2-40B4-BE49-F238E27FC236}">
-                <a16:creationId xmlns="" xmlns:a16="http://schemas.microsoft.com/office/drawing/2014/main" id="{E61D3334-FB79-406E-8FB8-92ECCEC5005F}"/>
+                <a16:creationId xmlns:a16="http://schemas.microsoft.com/office/drawing/2014/main" xmlns="" id="{E61D3334-FB79-406E-8FB8-92ECCEC5005F}"/>
               </a:ext>
             </a:extLst>
           </p:cNvPr>
@@ -3793,7 +3793,7 @@
           <p:cNvPr id="2" name="Titre 1">
             <a:extLst>
               <a:ext uri="{FF2B5EF4-FFF2-40B4-BE49-F238E27FC236}">
-                <a16:creationId xmlns="" xmlns:a16="http://schemas.microsoft.com/office/drawing/2014/main" id="{A23F166E-359E-408A-AC0A-3842BB5691C9}"/>
+                <a16:creationId xmlns:a16="http://schemas.microsoft.com/office/drawing/2014/main" xmlns="" id="{A23F166E-359E-408A-AC0A-3842BB5691C9}"/>
               </a:ext>
             </a:extLst>
           </p:cNvPr>
@@ -3821,7 +3821,7 @@
           <p:cNvPr id="5" name="Espace réservé du contenu 3">
             <a:extLst>
               <a:ext uri="{FF2B5EF4-FFF2-40B4-BE49-F238E27FC236}">
-                <a16:creationId xmlns="" xmlns:a16="http://schemas.microsoft.com/office/drawing/2014/main" id="{E61D3334-FB79-406E-8FB8-92ECCEC5005F}"/>
+                <a16:creationId xmlns:a16="http://schemas.microsoft.com/office/drawing/2014/main" xmlns="" id="{E61D3334-FB79-406E-8FB8-92ECCEC5005F}"/>
               </a:ext>
             </a:extLst>
           </p:cNvPr>
@@ -4341,7 +4341,7 @@
           <p:cNvPr id="2" name="Titre 1">
             <a:extLst>
               <a:ext uri="{FF2B5EF4-FFF2-40B4-BE49-F238E27FC236}">
-                <a16:creationId xmlns="" xmlns:a16="http://schemas.microsoft.com/office/drawing/2014/main" id="{2F0A7FBA-6BC9-4764-B343-F09DE46076DF}"/>
+                <a16:creationId xmlns:a16="http://schemas.microsoft.com/office/drawing/2014/main" xmlns="" id="{2F0A7FBA-6BC9-4764-B343-F09DE46076DF}"/>
               </a:ext>
             </a:extLst>
           </p:cNvPr>
@@ -4374,7 +4374,7 @@
           <p:cNvPr id="7" name="Image 6">
             <a:extLst>
               <a:ext uri="{FF2B5EF4-FFF2-40B4-BE49-F238E27FC236}">
-                <a16:creationId xmlns="" xmlns:a16="http://schemas.microsoft.com/office/drawing/2014/main" id="{D052E5C9-BD99-4302-A151-9B2164203EA2}"/>
+                <a16:creationId xmlns:a16="http://schemas.microsoft.com/office/drawing/2014/main" xmlns="" id="{D052E5C9-BD99-4302-A151-9B2164203EA2}"/>
               </a:ext>
             </a:extLst>
           </p:cNvPr>
@@ -4434,7 +4434,7 @@
           <p:cNvPr id="2" name="Titre 1">
             <a:extLst>
               <a:ext uri="{FF2B5EF4-FFF2-40B4-BE49-F238E27FC236}">
-                <a16:creationId xmlns="" xmlns:a16="http://schemas.microsoft.com/office/drawing/2014/main" id="{E6C7171C-1D68-40E5-8D7B-A8DBE4643C08}"/>
+                <a16:creationId xmlns:a16="http://schemas.microsoft.com/office/drawing/2014/main" xmlns="" id="{E6C7171C-1D68-40E5-8D7B-A8DBE4643C08}"/>
               </a:ext>
             </a:extLst>
           </p:cNvPr>
@@ -4475,7 +4475,7 @@
           <p:cNvPr id="3" name="Espace réservé du contenu 3">
             <a:extLst>
               <a:ext uri="{FF2B5EF4-FFF2-40B4-BE49-F238E27FC236}">
-                <a16:creationId xmlns="" xmlns:a16="http://schemas.microsoft.com/office/drawing/2014/main" id="{E61D3334-FB79-406E-8FB8-92ECCEC5005F}"/>
+                <a16:creationId xmlns:a16="http://schemas.microsoft.com/office/drawing/2014/main" xmlns="" id="{E61D3334-FB79-406E-8FB8-92ECCEC5005F}"/>
               </a:ext>
             </a:extLst>
           </p:cNvPr>
@@ -4489,7 +4489,7 @@
         <p:spPr/>
         <p:txBody>
           <a:bodyPr>
-            <a:normAutofit lnSpcReduction="10000"/>
+            <a:normAutofit fontScale="92500" lnSpcReduction="20000"/>
           </a:bodyPr>
           <a:lstStyle/>
           <a:p>
@@ -4685,6 +4685,46 @@
             <a:r>
               <a:rPr lang="fr-FR" dirty="0" smtClean="0"/>
               <a:t> </a:t>
+            </a:r>
+            <a:endParaRPr lang="fr-FR" dirty="0" smtClean="0"/>
+          </a:p>
+          <a:p>
+            <a:pPr lvl="1"/>
+            <a:r>
+              <a:rPr lang="fr-FR" dirty="0" smtClean="0"/>
+              <a:t>Time management; </a:t>
+            </a:r>
+            <a:r>
+              <a:rPr lang="fr-FR" dirty="0" err="1" smtClean="0"/>
+              <a:t>some</a:t>
+            </a:r>
+            <a:r>
+              <a:rPr lang="fr-FR" dirty="0" smtClean="0"/>
+              <a:t> </a:t>
+            </a:r>
+            <a:r>
+              <a:rPr lang="fr-FR" dirty="0" err="1" smtClean="0"/>
+              <a:t>features</a:t>
+            </a:r>
+            <a:r>
+              <a:rPr lang="fr-FR" dirty="0" smtClean="0"/>
+              <a:t> not </a:t>
+            </a:r>
+            <a:r>
+              <a:rPr lang="fr-FR" dirty="0" err="1" smtClean="0"/>
+              <a:t>available</a:t>
+            </a:r>
+            <a:r>
+              <a:rPr lang="fr-FR" dirty="0" smtClean="0"/>
+              <a:t> on </a:t>
+            </a:r>
+            <a:r>
+              <a:rPr lang="fr-FR" dirty="0" err="1" smtClean="0"/>
+              <a:t>frontend</a:t>
+            </a:r>
+            <a:r>
+              <a:rPr lang="fr-FR" smtClean="0"/>
+              <a:t> yet</a:t>
             </a:r>
             <a:endParaRPr lang="fr-FR" dirty="0"/>
           </a:p>
@@ -4725,7 +4765,7 @@
           <p:cNvPr id="2" name="Titre 1">
             <a:extLst>
               <a:ext uri="{FF2B5EF4-FFF2-40B4-BE49-F238E27FC236}">
-                <a16:creationId xmlns="" xmlns:a16="http://schemas.microsoft.com/office/drawing/2014/main" id="{A23F166E-359E-408A-AC0A-3842BB5691C9}"/>
+                <a16:creationId xmlns:a16="http://schemas.microsoft.com/office/drawing/2014/main" xmlns="" id="{A23F166E-359E-408A-AC0A-3842BB5691C9}"/>
               </a:ext>
             </a:extLst>
           </p:cNvPr>
@@ -4762,7 +4802,7 @@
           <p:cNvPr id="5" name="Espace réservé du contenu 3">
             <a:extLst>
               <a:ext uri="{FF2B5EF4-FFF2-40B4-BE49-F238E27FC236}">
-                <a16:creationId xmlns="" xmlns:a16="http://schemas.microsoft.com/office/drawing/2014/main" id="{E61D3334-FB79-406E-8FB8-92ECCEC5005F}"/>
+                <a16:creationId xmlns:a16="http://schemas.microsoft.com/office/drawing/2014/main" xmlns="" id="{E61D3334-FB79-406E-8FB8-92ECCEC5005F}"/>
               </a:ext>
             </a:extLst>
           </p:cNvPr>
@@ -4976,7 +5016,7 @@
           <p:cNvPr id="2" name="Titre 1">
             <a:extLst>
               <a:ext uri="{FF2B5EF4-FFF2-40B4-BE49-F238E27FC236}">
-                <a16:creationId xmlns="" xmlns:a16="http://schemas.microsoft.com/office/drawing/2014/main" id="{DE0F84A4-CF6E-496F-9BEC-A03269EB9D06}"/>
+                <a16:creationId xmlns:a16="http://schemas.microsoft.com/office/drawing/2014/main" xmlns="" id="{DE0F84A4-CF6E-496F-9BEC-A03269EB9D06}"/>
               </a:ext>
             </a:extLst>
           </p:cNvPr>
@@ -5013,7 +5053,7 @@
           <p:cNvPr id="4" name="Titre 1">
             <a:extLst>
               <a:ext uri="{FF2B5EF4-FFF2-40B4-BE49-F238E27FC236}">
-                <a16:creationId xmlns="" xmlns:a16="http://schemas.microsoft.com/office/drawing/2014/main" id="{9C56CC40-7FA5-4F8F-8663-143689B5A4B8}"/>
+                <a16:creationId xmlns:a16="http://schemas.microsoft.com/office/drawing/2014/main" xmlns="" id="{9C56CC40-7FA5-4F8F-8663-143689B5A4B8}"/>
               </a:ext>
             </a:extLst>
           </p:cNvPr>
@@ -5076,7 +5116,7 @@
           <p:cNvPr id="5" name="Titre 1">
             <a:extLst>
               <a:ext uri="{FF2B5EF4-FFF2-40B4-BE49-F238E27FC236}">
-                <a16:creationId xmlns="" xmlns:a16="http://schemas.microsoft.com/office/drawing/2014/main" id="{FFF6277F-B446-4EEF-AAF2-7715834C4855}"/>
+                <a16:creationId xmlns:a16="http://schemas.microsoft.com/office/drawing/2014/main" xmlns="" id="{FFF6277F-B446-4EEF-AAF2-7715834C4855}"/>
               </a:ext>
             </a:extLst>
           </p:cNvPr>
@@ -5143,7 +5183,7 @@
           <p:cNvPr id="6" name="Titre 1">
             <a:extLst>
               <a:ext uri="{FF2B5EF4-FFF2-40B4-BE49-F238E27FC236}">
-                <a16:creationId xmlns="" xmlns:a16="http://schemas.microsoft.com/office/drawing/2014/main" id="{37A5DB1D-604B-47EA-BFFF-9B53C5A02C23}"/>
+                <a16:creationId xmlns:a16="http://schemas.microsoft.com/office/drawing/2014/main" xmlns="" id="{37A5DB1D-604B-47EA-BFFF-9B53C5A02C23}"/>
               </a:ext>
             </a:extLst>
           </p:cNvPr>
@@ -5240,7 +5280,7 @@
           <p:cNvPr id="2" name="Titre 1">
             <a:extLst>
               <a:ext uri="{FF2B5EF4-FFF2-40B4-BE49-F238E27FC236}">
-                <a16:creationId xmlns="" xmlns:a16="http://schemas.microsoft.com/office/drawing/2014/main" id="{167ADDED-CEF9-4608-93E0-AE3452A34C9F}"/>
+                <a16:creationId xmlns:a16="http://schemas.microsoft.com/office/drawing/2014/main" xmlns="" id="{167ADDED-CEF9-4608-93E0-AE3452A34C9F}"/>
               </a:ext>
             </a:extLst>
           </p:cNvPr>
@@ -5295,7 +5335,7 @@
           <p:cNvPr id="7" name="ZoneTexte 6">
             <a:extLst>
               <a:ext uri="{FF2B5EF4-FFF2-40B4-BE49-F238E27FC236}">
-                <a16:creationId xmlns="" xmlns:a16="http://schemas.microsoft.com/office/drawing/2014/main" id="{D3C23A56-1646-4CA8-B44B-763EB36CE9D9}"/>
+                <a16:creationId xmlns:a16="http://schemas.microsoft.com/office/drawing/2014/main" xmlns="" id="{D3C23A56-1646-4CA8-B44B-763EB36CE9D9}"/>
               </a:ext>
             </a:extLst>
           </p:cNvPr>
@@ -5360,7 +5400,7 @@
           <p:cNvPr id="4" name="ZoneTexte 3">
             <a:extLst>
               <a:ext uri="{FF2B5EF4-FFF2-40B4-BE49-F238E27FC236}">
-                <a16:creationId xmlns="" xmlns:a16="http://schemas.microsoft.com/office/drawing/2014/main" id="{8AF4420D-1D20-4238-81A7-6021F4F9CB55}"/>
+                <a16:creationId xmlns:a16="http://schemas.microsoft.com/office/drawing/2014/main" xmlns="" id="{8AF4420D-1D20-4238-81A7-6021F4F9CB55}"/>
               </a:ext>
             </a:extLst>
           </p:cNvPr>
@@ -5629,7 +5669,7 @@
           <p:cNvPr id="2" name="Titre 1">
             <a:extLst>
               <a:ext uri="{FF2B5EF4-FFF2-40B4-BE49-F238E27FC236}">
-                <a16:creationId xmlns="" xmlns:a16="http://schemas.microsoft.com/office/drawing/2014/main" id="{73C48105-3D35-4BB8-A29D-4E289F0C041F}"/>
+                <a16:creationId xmlns:a16="http://schemas.microsoft.com/office/drawing/2014/main" xmlns="" id="{73C48105-3D35-4BB8-A29D-4E289F0C041F}"/>
               </a:ext>
             </a:extLst>
           </p:cNvPr>
@@ -5660,7 +5700,7 @@
           <p:cNvPr id="4" name="Espace réservé du contenu 3">
             <a:extLst>
               <a:ext uri="{FF2B5EF4-FFF2-40B4-BE49-F238E27FC236}">
-                <a16:creationId xmlns="" xmlns:a16="http://schemas.microsoft.com/office/drawing/2014/main" id="{E61D3334-FB79-406E-8FB8-92ECCEC5005F}"/>
+                <a16:creationId xmlns:a16="http://schemas.microsoft.com/office/drawing/2014/main" xmlns="" id="{E61D3334-FB79-406E-8FB8-92ECCEC5005F}"/>
               </a:ext>
             </a:extLst>
           </p:cNvPr>
@@ -5799,7 +5839,7 @@
           <p:cNvPr id="6" name="Titre 1">
             <a:extLst>
               <a:ext uri="{FF2B5EF4-FFF2-40B4-BE49-F238E27FC236}">
-                <a16:creationId xmlns="" xmlns:a16="http://schemas.microsoft.com/office/drawing/2014/main" id="{B750343D-A862-4145-8823-FFB0838829C1}"/>
+                <a16:creationId xmlns:a16="http://schemas.microsoft.com/office/drawing/2014/main" xmlns="" id="{B750343D-A862-4145-8823-FFB0838829C1}"/>
               </a:ext>
             </a:extLst>
           </p:cNvPr>
@@ -5835,7 +5875,7 @@
           <p:cNvPr id="8" name="Espace réservé du contenu 3">
             <a:extLst>
               <a:ext uri="{FF2B5EF4-FFF2-40B4-BE49-F238E27FC236}">
-                <a16:creationId xmlns="" xmlns:a16="http://schemas.microsoft.com/office/drawing/2014/main" id="{2B966E36-E7CE-4AA8-8AE5-F1E2CD0F3F7F}"/>
+                <a16:creationId xmlns:a16="http://schemas.microsoft.com/office/drawing/2014/main" xmlns="" id="{2B966E36-E7CE-4AA8-8AE5-F1E2CD0F3F7F}"/>
               </a:ext>
             </a:extLst>
           </p:cNvPr>
@@ -5995,7 +6035,7 @@
           <p:cNvPr id="6" name="Titre 1">
             <a:extLst>
               <a:ext uri="{FF2B5EF4-FFF2-40B4-BE49-F238E27FC236}">
-                <a16:creationId xmlns="" xmlns:a16="http://schemas.microsoft.com/office/drawing/2014/main" id="{B750343D-A862-4145-8823-FFB0838829C1}"/>
+                <a16:creationId xmlns:a16="http://schemas.microsoft.com/office/drawing/2014/main" xmlns="" id="{B750343D-A862-4145-8823-FFB0838829C1}"/>
               </a:ext>
             </a:extLst>
           </p:cNvPr>
@@ -6031,7 +6071,7 @@
           <p:cNvPr id="3" name="Image 2">
             <a:extLst>
               <a:ext uri="{FF2B5EF4-FFF2-40B4-BE49-F238E27FC236}">
-                <a16:creationId xmlns="" xmlns:a16="http://schemas.microsoft.com/office/drawing/2014/main" id="{CF72AB6B-DC94-4AA3-A062-381416EBB383}"/>
+                <a16:creationId xmlns:a16="http://schemas.microsoft.com/office/drawing/2014/main" xmlns="" id="{CF72AB6B-DC94-4AA3-A062-381416EBB383}"/>
               </a:ext>
             </a:extLst>
           </p:cNvPr>
@@ -6091,7 +6131,7 @@
           <p:cNvPr id="12" name="Tableau 11">
             <a:extLst>
               <a:ext uri="{FF2B5EF4-FFF2-40B4-BE49-F238E27FC236}">
-                <a16:creationId xmlns="" xmlns:a16="http://schemas.microsoft.com/office/drawing/2014/main" id="{129FD17F-C53A-47D8-9A62-8C0AFAF68DF5}"/>
+                <a16:creationId xmlns:a16="http://schemas.microsoft.com/office/drawing/2014/main" xmlns="" id="{129FD17F-C53A-47D8-9A62-8C0AFAF68DF5}"/>
               </a:ext>
             </a:extLst>
           </p:cNvPr>
@@ -6120,14 +6160,14 @@
                 <a:gridCol w="4238559">
                   <a:extLst>
                     <a:ext uri="{9D8B030D-6E8A-4147-A177-3AD203B41FA5}">
-                      <a16:colId xmlns="" xmlns:a16="http://schemas.microsoft.com/office/drawing/2014/main" val="4148341069"/>
+                      <a16:colId xmlns:a16="http://schemas.microsoft.com/office/drawing/2014/main" xmlns="" val="4148341069"/>
                     </a:ext>
                   </a:extLst>
                 </a:gridCol>
                 <a:gridCol w="3495387">
                   <a:extLst>
                     <a:ext uri="{9D8B030D-6E8A-4147-A177-3AD203B41FA5}">
-                      <a16:colId xmlns="" xmlns:a16="http://schemas.microsoft.com/office/drawing/2014/main" val="4075147121"/>
+                      <a16:colId xmlns:a16="http://schemas.microsoft.com/office/drawing/2014/main" xmlns="" val="4075147121"/>
                     </a:ext>
                   </a:extLst>
                 </a:gridCol>
@@ -6233,7 +6273,7 @@
                 </a:tc>
                 <a:extLst>
                   <a:ext uri="{0D108BD9-81ED-4DB2-BD59-A6C34878D82A}">
-                    <a16:rowId xmlns="" xmlns:a16="http://schemas.microsoft.com/office/drawing/2014/main" val="1201436561"/>
+                    <a16:rowId xmlns:a16="http://schemas.microsoft.com/office/drawing/2014/main" xmlns="" val="1201436561"/>
                   </a:ext>
                 </a:extLst>
               </a:tr>
@@ -6275,7 +6315,7 @@
                 </a:tc>
                 <a:extLst>
                   <a:ext uri="{0D108BD9-81ED-4DB2-BD59-A6C34878D82A}">
-                    <a16:rowId xmlns="" xmlns:a16="http://schemas.microsoft.com/office/drawing/2014/main" val="3707640650"/>
+                    <a16:rowId xmlns:a16="http://schemas.microsoft.com/office/drawing/2014/main" xmlns="" val="3707640650"/>
                   </a:ext>
                 </a:extLst>
               </a:tr>
@@ -6326,7 +6366,7 @@
                 </a:tc>
                 <a:extLst>
                   <a:ext uri="{0D108BD9-81ED-4DB2-BD59-A6C34878D82A}">
-                    <a16:rowId xmlns="" xmlns:a16="http://schemas.microsoft.com/office/drawing/2014/main" val="3426260779"/>
+                    <a16:rowId xmlns:a16="http://schemas.microsoft.com/office/drawing/2014/main" xmlns="" val="3426260779"/>
                   </a:ext>
                 </a:extLst>
               </a:tr>
@@ -6377,7 +6417,7 @@
                 </a:tc>
                 <a:extLst>
                   <a:ext uri="{0D108BD9-81ED-4DB2-BD59-A6C34878D82A}">
-                    <a16:rowId xmlns="" xmlns:a16="http://schemas.microsoft.com/office/drawing/2014/main" val="11151562"/>
+                    <a16:rowId xmlns:a16="http://schemas.microsoft.com/office/drawing/2014/main" xmlns="" val="11151562"/>
                   </a:ext>
                 </a:extLst>
               </a:tr>
@@ -6498,7 +6538,7 @@
                 </a:tc>
                 <a:extLst>
                   <a:ext uri="{0D108BD9-81ED-4DB2-BD59-A6C34878D82A}">
-                    <a16:rowId xmlns="" xmlns:a16="http://schemas.microsoft.com/office/drawing/2014/main" val="3923493550"/>
+                    <a16:rowId xmlns:a16="http://schemas.microsoft.com/office/drawing/2014/main" xmlns="" val="3923493550"/>
                   </a:ext>
                 </a:extLst>
               </a:tr>
@@ -6549,7 +6589,7 @@
                 </a:tc>
                 <a:extLst>
                   <a:ext uri="{0D108BD9-81ED-4DB2-BD59-A6C34878D82A}">
-                    <a16:rowId xmlns="" xmlns:a16="http://schemas.microsoft.com/office/drawing/2014/main" val="1341049973"/>
+                    <a16:rowId xmlns:a16="http://schemas.microsoft.com/office/drawing/2014/main" xmlns="" val="1341049973"/>
                   </a:ext>
                 </a:extLst>
               </a:tr>
@@ -6624,7 +6664,7 @@
                 </a:tc>
                 <a:extLst>
                   <a:ext uri="{0D108BD9-81ED-4DB2-BD59-A6C34878D82A}">
-                    <a16:rowId xmlns="" xmlns:a16="http://schemas.microsoft.com/office/drawing/2014/main" val="2809940916"/>
+                    <a16:rowId xmlns:a16="http://schemas.microsoft.com/office/drawing/2014/main" xmlns="" val="2809940916"/>
                   </a:ext>
                 </a:extLst>
               </a:tr>
@@ -6787,7 +6827,7 @@
                 </a:tc>
                 <a:extLst>
                   <a:ext uri="{0D108BD9-81ED-4DB2-BD59-A6C34878D82A}">
-                    <a16:rowId xmlns="" xmlns:a16="http://schemas.microsoft.com/office/drawing/2014/main" val="418027743"/>
+                    <a16:rowId xmlns:a16="http://schemas.microsoft.com/office/drawing/2014/main" xmlns="" val="418027743"/>
                   </a:ext>
                 </a:extLst>
               </a:tr>
@@ -6898,7 +6938,7 @@
                 </a:tc>
                 <a:extLst>
                   <a:ext uri="{0D108BD9-81ED-4DB2-BD59-A6C34878D82A}">
-                    <a16:rowId xmlns="" xmlns:a16="http://schemas.microsoft.com/office/drawing/2014/main" val="858811557"/>
+                    <a16:rowId xmlns:a16="http://schemas.microsoft.com/office/drawing/2014/main" xmlns="" val="858811557"/>
                   </a:ext>
                 </a:extLst>
               </a:tr>
@@ -6963,7 +7003,7 @@
           <p:cNvPr id="6" name="Espace réservé du contenu 3">
             <a:extLst>
               <a:ext uri="{FF2B5EF4-FFF2-40B4-BE49-F238E27FC236}">
-                <a16:creationId xmlns="" xmlns:a16="http://schemas.microsoft.com/office/drawing/2014/main" id="{E61D3334-FB79-406E-8FB8-92ECCEC5005F}"/>
+                <a16:creationId xmlns:a16="http://schemas.microsoft.com/office/drawing/2014/main" xmlns="" id="{E61D3334-FB79-406E-8FB8-92ECCEC5005F}"/>
               </a:ext>
             </a:extLst>
           </p:cNvPr>
